--- a/doc/api_lab/tutorial testvoorziening.pptx
+++ b/doc/api_lab/tutorial testvoorziening.pptx
@@ -8,23 +8,26 @@
     <p:sldId id="256" r:id="rId2"/>
     <p:sldId id="265" r:id="rId3"/>
     <p:sldId id="268" r:id="rId4"/>
-    <p:sldId id="257" r:id="rId5"/>
-    <p:sldId id="258" r:id="rId6"/>
-    <p:sldId id="259" r:id="rId7"/>
-    <p:sldId id="260" r:id="rId8"/>
-    <p:sldId id="261" r:id="rId9"/>
-    <p:sldId id="262" r:id="rId10"/>
-    <p:sldId id="263" r:id="rId11"/>
-    <p:sldId id="264" r:id="rId12"/>
-    <p:sldId id="266" r:id="rId13"/>
-    <p:sldId id="267" r:id="rId14"/>
-    <p:sldId id="269" r:id="rId15"/>
-    <p:sldId id="270" r:id="rId16"/>
-    <p:sldId id="273" r:id="rId17"/>
-    <p:sldId id="271" r:id="rId18"/>
-    <p:sldId id="272" r:id="rId19"/>
-    <p:sldId id="275" r:id="rId20"/>
-    <p:sldId id="274" r:id="rId21"/>
+    <p:sldId id="276" r:id="rId5"/>
+    <p:sldId id="257" r:id="rId6"/>
+    <p:sldId id="258" r:id="rId7"/>
+    <p:sldId id="259" r:id="rId8"/>
+    <p:sldId id="260" r:id="rId9"/>
+    <p:sldId id="261" r:id="rId10"/>
+    <p:sldId id="262" r:id="rId11"/>
+    <p:sldId id="263" r:id="rId12"/>
+    <p:sldId id="264" r:id="rId13"/>
+    <p:sldId id="277" r:id="rId14"/>
+    <p:sldId id="266" r:id="rId15"/>
+    <p:sldId id="267" r:id="rId16"/>
+    <p:sldId id="269" r:id="rId17"/>
+    <p:sldId id="270" r:id="rId18"/>
+    <p:sldId id="273" r:id="rId19"/>
+    <p:sldId id="271" r:id="rId20"/>
+    <p:sldId id="272" r:id="rId21"/>
+    <p:sldId id="275" r:id="rId22"/>
+    <p:sldId id="274" r:id="rId23"/>
+    <p:sldId id="278" r:id="rId24"/>
   </p:sldIdLst>
   <p:sldSz cx="12192000" cy="6858000"/>
   <p:notesSz cx="6858000" cy="9144000"/>
@@ -146,7 +149,7 @@
 <file path=ppt/revisionInfo.xml><?xml version="1.0" encoding="utf-8"?>
 <p1510:revInfo xmlns:a="http://schemas.openxmlformats.org/drawingml/2006/main" xmlns:r="http://schemas.openxmlformats.org/officeDocument/2006/relationships" xmlns:p1510="http://schemas.microsoft.com/office/powerpoint/2015/10/main">
   <p1510:revLst>
-    <p1510:client id="{00D9BC1B-F640-40C0-800B-545587B0AEFA}" v="53" dt="2019-04-15T11:16:01.295"/>
+    <p1510:client id="{00E8516F-B500-401C-831E-9FCC836097BB}" v="16" dt="2019-04-16T14:44:34.713"/>
   </p1510:revLst>
 </p1510:revInfo>
 </file>
@@ -1196,6 +1199,760 @@
             <ac:picMk id="6" creationId="{10D458DC-C0D9-4142-8E5D-346BD5F6DC2D}"/>
           </ac:picMkLst>
         </pc:picChg>
+      </pc:sldChg>
+    </pc:docChg>
+  </pc:docChgLst>
+  <pc:docChgLst>
+    <pc:chgData name="Henri Korver" userId="da38614c-94ee-430d-8a2b-df054235a587" providerId="ADAL" clId="{00E8516F-B500-401C-831E-9FCC836097BB}"/>
+    <pc:docChg chg="custSel addSld modSld">
+      <pc:chgData name="Henri Korver" userId="da38614c-94ee-430d-8a2b-df054235a587" providerId="ADAL" clId="{00E8516F-B500-401C-831E-9FCC836097BB}" dt="2019-04-16T14:44:33.004" v="86" actId="20577"/>
+      <pc:docMkLst>
+        <pc:docMk/>
+      </pc:docMkLst>
+      <pc:sldChg chg="modSp">
+        <pc:chgData name="Henri Korver" userId="da38614c-94ee-430d-8a2b-df054235a587" providerId="ADAL" clId="{00E8516F-B500-401C-831E-9FCC836097BB}" dt="2019-04-16T12:52:14.246" v="0" actId="20577"/>
+        <pc:sldMkLst>
+          <pc:docMk/>
+          <pc:sldMk cId="705274634" sldId="256"/>
+        </pc:sldMkLst>
+        <pc:spChg chg="mod">
+          <ac:chgData name="Henri Korver" userId="da38614c-94ee-430d-8a2b-df054235a587" providerId="ADAL" clId="{00E8516F-B500-401C-831E-9FCC836097BB}" dt="2019-04-16T12:52:14.246" v="0" actId="20577"/>
+          <ac:spMkLst>
+            <pc:docMk/>
+            <pc:sldMk cId="705274634" sldId="256"/>
+            <ac:spMk id="3" creationId="{F8072FFC-4F0D-42B1-8522-ABD0967936F1}"/>
+          </ac:spMkLst>
+        </pc:spChg>
+      </pc:sldChg>
+      <pc:sldChg chg="modSp">
+        <pc:chgData name="Henri Korver" userId="da38614c-94ee-430d-8a2b-df054235a587" providerId="ADAL" clId="{00E8516F-B500-401C-831E-9FCC836097BB}" dt="2019-04-16T12:54:16.680" v="1" actId="20577"/>
+        <pc:sldMkLst>
+          <pc:docMk/>
+          <pc:sldMk cId="570696892" sldId="271"/>
+        </pc:sldMkLst>
+        <pc:spChg chg="mod">
+          <ac:chgData name="Henri Korver" userId="da38614c-94ee-430d-8a2b-df054235a587" providerId="ADAL" clId="{00E8516F-B500-401C-831E-9FCC836097BB}" dt="2019-04-16T12:54:16.680" v="1" actId="20577"/>
+          <ac:spMkLst>
+            <pc:docMk/>
+            <pc:sldMk cId="570696892" sldId="271"/>
+            <ac:spMk id="3" creationId="{63F80BCB-2318-48D6-BA2D-B5C669D84F43}"/>
+          </ac:spMkLst>
+        </pc:spChg>
+      </pc:sldChg>
+      <pc:sldChg chg="addSp delSp modSp">
+        <pc:chgData name="Henri Korver" userId="da38614c-94ee-430d-8a2b-df054235a587" providerId="ADAL" clId="{00E8516F-B500-401C-831E-9FCC836097BB}" dt="2019-04-16T14:42:09.889" v="85" actId="14100"/>
+        <pc:sldMkLst>
+          <pc:docMk/>
+          <pc:sldMk cId="718615759" sldId="274"/>
+        </pc:sldMkLst>
+        <pc:spChg chg="add del mod">
+          <ac:chgData name="Henri Korver" userId="da38614c-94ee-430d-8a2b-df054235a587" providerId="ADAL" clId="{00E8516F-B500-401C-831E-9FCC836097BB}" dt="2019-04-16T14:41:28.484" v="30" actId="478"/>
+          <ac:spMkLst>
+            <pc:docMk/>
+            <pc:sldMk cId="718615759" sldId="274"/>
+            <ac:spMk id="3" creationId="{32E52280-0583-49E4-A3C9-96FF23E78E7C}"/>
+          </ac:spMkLst>
+        </pc:spChg>
+        <pc:spChg chg="add mod">
+          <ac:chgData name="Henri Korver" userId="da38614c-94ee-430d-8a2b-df054235a587" providerId="ADAL" clId="{00E8516F-B500-401C-831E-9FCC836097BB}" dt="2019-04-16T14:42:09.889" v="85" actId="14100"/>
+          <ac:spMkLst>
+            <pc:docMk/>
+            <pc:sldMk cId="718615759" sldId="274"/>
+            <ac:spMk id="4" creationId="{64C2D08E-C1AB-49E3-9BAB-11EB44620D93}"/>
+          </ac:spMkLst>
+        </pc:spChg>
+      </pc:sldChg>
+      <pc:sldChg chg="modSp">
+        <pc:chgData name="Henri Korver" userId="da38614c-94ee-430d-8a2b-df054235a587" providerId="ADAL" clId="{00E8516F-B500-401C-831E-9FCC836097BB}" dt="2019-04-16T14:44:33.004" v="86" actId="20577"/>
+        <pc:sldMkLst>
+          <pc:docMk/>
+          <pc:sldMk cId="729468892" sldId="275"/>
+        </pc:sldMkLst>
+        <pc:spChg chg="mod">
+          <ac:chgData name="Henri Korver" userId="da38614c-94ee-430d-8a2b-df054235a587" providerId="ADAL" clId="{00E8516F-B500-401C-831E-9FCC836097BB}" dt="2019-04-16T14:44:33.004" v="86" actId="20577"/>
+          <ac:spMkLst>
+            <pc:docMk/>
+            <pc:sldMk cId="729468892" sldId="275"/>
+            <ac:spMk id="3" creationId="{E39DDE39-C7AA-4C12-9785-6BC8E8BA88C5}"/>
+          </ac:spMkLst>
+        </pc:spChg>
+      </pc:sldChg>
+      <pc:sldChg chg="addSp modSp add modAnim">
+        <pc:chgData name="Henri Korver" userId="da38614c-94ee-430d-8a2b-df054235a587" providerId="ADAL" clId="{00E8516F-B500-401C-831E-9FCC836097BB}" dt="2019-04-16T13:01:30.208" v="6" actId="14100"/>
+        <pc:sldMkLst>
+          <pc:docMk/>
+          <pc:sldMk cId="3994331975" sldId="276"/>
+        </pc:sldMkLst>
+        <pc:spChg chg="add">
+          <ac:chgData name="Henri Korver" userId="da38614c-94ee-430d-8a2b-df054235a587" providerId="ADAL" clId="{00E8516F-B500-401C-831E-9FCC836097BB}" dt="2019-04-16T13:01:12.689" v="3"/>
+          <ac:spMkLst>
+            <pc:docMk/>
+            <pc:sldMk cId="3994331975" sldId="276"/>
+            <ac:spMk id="2" creationId="{E60CFDF2-18F3-4815-9C70-F25F663E6504}"/>
+          </ac:spMkLst>
+        </pc:spChg>
+        <pc:spChg chg="add mod">
+          <ac:chgData name="Henri Korver" userId="da38614c-94ee-430d-8a2b-df054235a587" providerId="ADAL" clId="{00E8516F-B500-401C-831E-9FCC836097BB}" dt="2019-04-16T13:01:30.208" v="6" actId="14100"/>
+          <ac:spMkLst>
+            <pc:docMk/>
+            <pc:sldMk cId="3994331975" sldId="276"/>
+            <ac:spMk id="3" creationId="{B7E5A2BF-6FE9-4D7A-BBCD-926BAE6962B9}"/>
+          </ac:spMkLst>
+        </pc:spChg>
+        <pc:spChg chg="add">
+          <ac:chgData name="Henri Korver" userId="da38614c-94ee-430d-8a2b-df054235a587" providerId="ADAL" clId="{00E8516F-B500-401C-831E-9FCC836097BB}" dt="2019-04-16T13:01:12.689" v="3"/>
+          <ac:spMkLst>
+            <pc:docMk/>
+            <pc:sldMk cId="3994331975" sldId="276"/>
+            <ac:spMk id="4" creationId="{82F068B2-BA71-4E2B-BA9D-6DA9B66523D5}"/>
+          </ac:spMkLst>
+        </pc:spChg>
+        <pc:spChg chg="add">
+          <ac:chgData name="Henri Korver" userId="da38614c-94ee-430d-8a2b-df054235a587" providerId="ADAL" clId="{00E8516F-B500-401C-831E-9FCC836097BB}" dt="2019-04-16T13:01:12.689" v="3"/>
+          <ac:spMkLst>
+            <pc:docMk/>
+            <pc:sldMk cId="3994331975" sldId="276"/>
+            <ac:spMk id="5" creationId="{B08B277D-76A6-40AF-A5E4-491A982DB408}"/>
+          </ac:spMkLst>
+        </pc:spChg>
+        <pc:spChg chg="add">
+          <ac:chgData name="Henri Korver" userId="da38614c-94ee-430d-8a2b-df054235a587" providerId="ADAL" clId="{00E8516F-B500-401C-831E-9FCC836097BB}" dt="2019-04-16T13:01:12.689" v="3"/>
+          <ac:spMkLst>
+            <pc:docMk/>
+            <pc:sldMk cId="3994331975" sldId="276"/>
+            <ac:spMk id="6" creationId="{F5EBD44A-E7F7-4468-BF80-413321C40E5C}"/>
+          </ac:spMkLst>
+        </pc:spChg>
+        <pc:spChg chg="add">
+          <ac:chgData name="Henri Korver" userId="da38614c-94ee-430d-8a2b-df054235a587" providerId="ADAL" clId="{00E8516F-B500-401C-831E-9FCC836097BB}" dt="2019-04-16T13:01:12.689" v="3"/>
+          <ac:spMkLst>
+            <pc:docMk/>
+            <pc:sldMk cId="3994331975" sldId="276"/>
+            <ac:spMk id="7" creationId="{E75E910B-C155-4D79-8192-7D07DF7A1B53}"/>
+          </ac:spMkLst>
+        </pc:spChg>
+        <pc:spChg chg="add">
+          <ac:chgData name="Henri Korver" userId="da38614c-94ee-430d-8a2b-df054235a587" providerId="ADAL" clId="{00E8516F-B500-401C-831E-9FCC836097BB}" dt="2019-04-16T13:01:12.689" v="3"/>
+          <ac:spMkLst>
+            <pc:docMk/>
+            <pc:sldMk cId="3994331975" sldId="276"/>
+            <ac:spMk id="8" creationId="{5D06DB16-1F2D-4B01-91D5-8E8800942330}"/>
+          </ac:spMkLst>
+        </pc:spChg>
+        <pc:spChg chg="add">
+          <ac:chgData name="Henri Korver" userId="da38614c-94ee-430d-8a2b-df054235a587" providerId="ADAL" clId="{00E8516F-B500-401C-831E-9FCC836097BB}" dt="2019-04-16T13:01:12.689" v="3"/>
+          <ac:spMkLst>
+            <pc:docMk/>
+            <pc:sldMk cId="3994331975" sldId="276"/>
+            <ac:spMk id="9" creationId="{501C1FF4-86FC-4ED5-A5B7-3CED3D7F93E5}"/>
+          </ac:spMkLst>
+        </pc:spChg>
+        <pc:spChg chg="add">
+          <ac:chgData name="Henri Korver" userId="da38614c-94ee-430d-8a2b-df054235a587" providerId="ADAL" clId="{00E8516F-B500-401C-831E-9FCC836097BB}" dt="2019-04-16T13:01:12.689" v="3"/>
+          <ac:spMkLst>
+            <pc:docMk/>
+            <pc:sldMk cId="3994331975" sldId="276"/>
+            <ac:spMk id="10" creationId="{4C324299-02E9-4215-A365-DE4AF88E132B}"/>
+          </ac:spMkLst>
+        </pc:spChg>
+        <pc:spChg chg="add">
+          <ac:chgData name="Henri Korver" userId="da38614c-94ee-430d-8a2b-df054235a587" providerId="ADAL" clId="{00E8516F-B500-401C-831E-9FCC836097BB}" dt="2019-04-16T13:01:12.689" v="3"/>
+          <ac:spMkLst>
+            <pc:docMk/>
+            <pc:sldMk cId="3994331975" sldId="276"/>
+            <ac:spMk id="11" creationId="{50FBF76F-69A7-42D0-9347-979A04DFA0C3}"/>
+          </ac:spMkLst>
+        </pc:spChg>
+        <pc:spChg chg="add">
+          <ac:chgData name="Henri Korver" userId="da38614c-94ee-430d-8a2b-df054235a587" providerId="ADAL" clId="{00E8516F-B500-401C-831E-9FCC836097BB}" dt="2019-04-16T13:01:12.689" v="3"/>
+          <ac:spMkLst>
+            <pc:docMk/>
+            <pc:sldMk cId="3994331975" sldId="276"/>
+            <ac:spMk id="12" creationId="{EC0DE50E-5A0D-4CEE-9530-4CE58F8D25A3}"/>
+          </ac:spMkLst>
+        </pc:spChg>
+        <pc:spChg chg="add">
+          <ac:chgData name="Henri Korver" userId="da38614c-94ee-430d-8a2b-df054235a587" providerId="ADAL" clId="{00E8516F-B500-401C-831E-9FCC836097BB}" dt="2019-04-16T13:01:12.689" v="3"/>
+          <ac:spMkLst>
+            <pc:docMk/>
+            <pc:sldMk cId="3994331975" sldId="276"/>
+            <ac:spMk id="13" creationId="{EC809962-4FA9-4103-BE26-0433CF0A36D4}"/>
+          </ac:spMkLst>
+        </pc:spChg>
+        <pc:spChg chg="add">
+          <ac:chgData name="Henri Korver" userId="da38614c-94ee-430d-8a2b-df054235a587" providerId="ADAL" clId="{00E8516F-B500-401C-831E-9FCC836097BB}" dt="2019-04-16T13:01:12.689" v="3"/>
+          <ac:spMkLst>
+            <pc:docMk/>
+            <pc:sldMk cId="3994331975" sldId="276"/>
+            <ac:spMk id="14" creationId="{F264A064-086A-4106-A8F6-EF0A3BA1BA84}"/>
+          </ac:spMkLst>
+        </pc:spChg>
+        <pc:spChg chg="add">
+          <ac:chgData name="Henri Korver" userId="da38614c-94ee-430d-8a2b-df054235a587" providerId="ADAL" clId="{00E8516F-B500-401C-831E-9FCC836097BB}" dt="2019-04-16T13:01:12.689" v="3"/>
+          <ac:spMkLst>
+            <pc:docMk/>
+            <pc:sldMk cId="3994331975" sldId="276"/>
+            <ac:spMk id="15" creationId="{A60C091D-140E-475A-8FE4-A7BD0E0EDA69}"/>
+          </ac:spMkLst>
+        </pc:spChg>
+        <pc:spChg chg="add">
+          <ac:chgData name="Henri Korver" userId="da38614c-94ee-430d-8a2b-df054235a587" providerId="ADAL" clId="{00E8516F-B500-401C-831E-9FCC836097BB}" dt="2019-04-16T13:01:12.689" v="3"/>
+          <ac:spMkLst>
+            <pc:docMk/>
+            <pc:sldMk cId="3994331975" sldId="276"/>
+            <ac:spMk id="16" creationId="{9CB31676-6797-4A70-9017-2D8F1B376762}"/>
+          </ac:spMkLst>
+        </pc:spChg>
+        <pc:spChg chg="add">
+          <ac:chgData name="Henri Korver" userId="da38614c-94ee-430d-8a2b-df054235a587" providerId="ADAL" clId="{00E8516F-B500-401C-831E-9FCC836097BB}" dt="2019-04-16T13:01:12.689" v="3"/>
+          <ac:spMkLst>
+            <pc:docMk/>
+            <pc:sldMk cId="3994331975" sldId="276"/>
+            <ac:spMk id="32" creationId="{1B0D16DD-F80A-4DB2-97F5-1AE91B0FBFB3}"/>
+          </ac:spMkLst>
+        </pc:spChg>
+        <pc:grpChg chg="add">
+          <ac:chgData name="Henri Korver" userId="da38614c-94ee-430d-8a2b-df054235a587" providerId="ADAL" clId="{00E8516F-B500-401C-831E-9FCC836097BB}" dt="2019-04-16T13:01:12.689" v="3"/>
+          <ac:grpSpMkLst>
+            <pc:docMk/>
+            <pc:sldMk cId="3994331975" sldId="276"/>
+            <ac:grpSpMk id="18" creationId="{DD81E4C8-5337-491C-81CF-E1B110FF943D}"/>
+          </ac:grpSpMkLst>
+        </pc:grpChg>
+        <pc:cxnChg chg="add">
+          <ac:chgData name="Henri Korver" userId="da38614c-94ee-430d-8a2b-df054235a587" providerId="ADAL" clId="{00E8516F-B500-401C-831E-9FCC836097BB}" dt="2019-04-16T13:01:12.689" v="3"/>
+          <ac:cxnSpMkLst>
+            <pc:docMk/>
+            <pc:sldMk cId="3994331975" sldId="276"/>
+            <ac:cxnSpMk id="17" creationId="{E1658247-AFD2-46B5-8C87-E82F53B5D81A}"/>
+          </ac:cxnSpMkLst>
+        </pc:cxnChg>
+      </pc:sldChg>
+      <pc:sldChg chg="addSp modSp add">
+        <pc:chgData name="Henri Korver" userId="da38614c-94ee-430d-8a2b-df054235a587" providerId="ADAL" clId="{00E8516F-B500-401C-831E-9FCC836097BB}" dt="2019-04-16T13:03:52.419" v="9" actId="14100"/>
+        <pc:sldMkLst>
+          <pc:docMk/>
+          <pc:sldMk cId="1428979804" sldId="277"/>
+        </pc:sldMkLst>
+        <pc:spChg chg="add">
+          <ac:chgData name="Henri Korver" userId="da38614c-94ee-430d-8a2b-df054235a587" providerId="ADAL" clId="{00E8516F-B500-401C-831E-9FCC836097BB}" dt="2019-04-16T13:03:46.776" v="8"/>
+          <ac:spMkLst>
+            <pc:docMk/>
+            <pc:sldMk cId="1428979804" sldId="277"/>
+            <ac:spMk id="2" creationId="{127F14F5-C034-4633-B61D-52DC2BBAAF8A}"/>
+          </ac:spMkLst>
+        </pc:spChg>
+        <pc:spChg chg="add mod">
+          <ac:chgData name="Henri Korver" userId="da38614c-94ee-430d-8a2b-df054235a587" providerId="ADAL" clId="{00E8516F-B500-401C-831E-9FCC836097BB}" dt="2019-04-16T13:03:52.419" v="9" actId="14100"/>
+          <ac:spMkLst>
+            <pc:docMk/>
+            <pc:sldMk cId="1428979804" sldId="277"/>
+            <ac:spMk id="3" creationId="{43067761-724F-420A-B992-B02A88A5A9AA}"/>
+          </ac:spMkLst>
+        </pc:spChg>
+        <pc:spChg chg="add">
+          <ac:chgData name="Henri Korver" userId="da38614c-94ee-430d-8a2b-df054235a587" providerId="ADAL" clId="{00E8516F-B500-401C-831E-9FCC836097BB}" dt="2019-04-16T13:03:46.776" v="8"/>
+          <ac:spMkLst>
+            <pc:docMk/>
+            <pc:sldMk cId="1428979804" sldId="277"/>
+            <ac:spMk id="4" creationId="{0E87D360-438D-4AAB-81A6-D442D6675868}"/>
+          </ac:spMkLst>
+        </pc:spChg>
+        <pc:spChg chg="add">
+          <ac:chgData name="Henri Korver" userId="da38614c-94ee-430d-8a2b-df054235a587" providerId="ADAL" clId="{00E8516F-B500-401C-831E-9FCC836097BB}" dt="2019-04-16T13:03:46.776" v="8"/>
+          <ac:spMkLst>
+            <pc:docMk/>
+            <pc:sldMk cId="1428979804" sldId="277"/>
+            <ac:spMk id="5" creationId="{CB763932-B40A-41B3-B38D-A4D4D50A3AF3}"/>
+          </ac:spMkLst>
+        </pc:spChg>
+        <pc:spChg chg="add">
+          <ac:chgData name="Henri Korver" userId="da38614c-94ee-430d-8a2b-df054235a587" providerId="ADAL" clId="{00E8516F-B500-401C-831E-9FCC836097BB}" dt="2019-04-16T13:03:46.776" v="8"/>
+          <ac:spMkLst>
+            <pc:docMk/>
+            <pc:sldMk cId="1428979804" sldId="277"/>
+            <ac:spMk id="6" creationId="{CDC17373-BA0D-4900-9AC1-4A94A7A6725E}"/>
+          </ac:spMkLst>
+        </pc:spChg>
+        <pc:spChg chg="add">
+          <ac:chgData name="Henri Korver" userId="da38614c-94ee-430d-8a2b-df054235a587" providerId="ADAL" clId="{00E8516F-B500-401C-831E-9FCC836097BB}" dt="2019-04-16T13:03:46.776" v="8"/>
+          <ac:spMkLst>
+            <pc:docMk/>
+            <pc:sldMk cId="1428979804" sldId="277"/>
+            <ac:spMk id="7" creationId="{58FAA7A2-A945-4CCD-AC7E-F18A2B459617}"/>
+          </ac:spMkLst>
+        </pc:spChg>
+        <pc:spChg chg="add">
+          <ac:chgData name="Henri Korver" userId="da38614c-94ee-430d-8a2b-df054235a587" providerId="ADAL" clId="{00E8516F-B500-401C-831E-9FCC836097BB}" dt="2019-04-16T13:03:46.776" v="8"/>
+          <ac:spMkLst>
+            <pc:docMk/>
+            <pc:sldMk cId="1428979804" sldId="277"/>
+            <ac:spMk id="8" creationId="{53C65492-5490-47C0-A0BF-6829A4A9328E}"/>
+          </ac:spMkLst>
+        </pc:spChg>
+        <pc:spChg chg="add">
+          <ac:chgData name="Henri Korver" userId="da38614c-94ee-430d-8a2b-df054235a587" providerId="ADAL" clId="{00E8516F-B500-401C-831E-9FCC836097BB}" dt="2019-04-16T13:03:46.776" v="8"/>
+          <ac:spMkLst>
+            <pc:docMk/>
+            <pc:sldMk cId="1428979804" sldId="277"/>
+            <ac:spMk id="10" creationId="{F01BAC3B-E9D9-4F38-A355-FFF4D200C268}"/>
+          </ac:spMkLst>
+        </pc:spChg>
+        <pc:spChg chg="add">
+          <ac:chgData name="Henri Korver" userId="da38614c-94ee-430d-8a2b-df054235a587" providerId="ADAL" clId="{00E8516F-B500-401C-831E-9FCC836097BB}" dt="2019-04-16T13:03:46.776" v="8"/>
+          <ac:spMkLst>
+            <pc:docMk/>
+            <pc:sldMk cId="1428979804" sldId="277"/>
+            <ac:spMk id="11" creationId="{EDB56CD5-EF9F-4080-8377-FCE2F96A98EE}"/>
+          </ac:spMkLst>
+        </pc:spChg>
+        <pc:spChg chg="add">
+          <ac:chgData name="Henri Korver" userId="da38614c-94ee-430d-8a2b-df054235a587" providerId="ADAL" clId="{00E8516F-B500-401C-831E-9FCC836097BB}" dt="2019-04-16T13:03:46.776" v="8"/>
+          <ac:spMkLst>
+            <pc:docMk/>
+            <pc:sldMk cId="1428979804" sldId="277"/>
+            <ac:spMk id="13" creationId="{157B380A-FE33-4267-8CC7-C14CEBCE8E87}"/>
+          </ac:spMkLst>
+        </pc:spChg>
+        <pc:spChg chg="add">
+          <ac:chgData name="Henri Korver" userId="da38614c-94ee-430d-8a2b-df054235a587" providerId="ADAL" clId="{00E8516F-B500-401C-831E-9FCC836097BB}" dt="2019-04-16T13:03:46.776" v="8"/>
+          <ac:spMkLst>
+            <pc:docMk/>
+            <pc:sldMk cId="1428979804" sldId="277"/>
+            <ac:spMk id="14" creationId="{3029687D-BB63-4057-B0F3-4BFB863B8ED4}"/>
+          </ac:spMkLst>
+        </pc:spChg>
+        <pc:spChg chg="add">
+          <ac:chgData name="Henri Korver" userId="da38614c-94ee-430d-8a2b-df054235a587" providerId="ADAL" clId="{00E8516F-B500-401C-831E-9FCC836097BB}" dt="2019-04-16T13:03:46.776" v="8"/>
+          <ac:spMkLst>
+            <pc:docMk/>
+            <pc:sldMk cId="1428979804" sldId="277"/>
+            <ac:spMk id="17" creationId="{53C382FA-642B-472F-A2EF-3C547BAAD091}"/>
+          </ac:spMkLst>
+        </pc:spChg>
+        <pc:spChg chg="add">
+          <ac:chgData name="Henri Korver" userId="da38614c-94ee-430d-8a2b-df054235a587" providerId="ADAL" clId="{00E8516F-B500-401C-831E-9FCC836097BB}" dt="2019-04-16T13:03:46.776" v="8"/>
+          <ac:spMkLst>
+            <pc:docMk/>
+            <pc:sldMk cId="1428979804" sldId="277"/>
+            <ac:spMk id="18" creationId="{342C7DC2-F37F-43D5-A87E-12B1912EB029}"/>
+          </ac:spMkLst>
+        </pc:spChg>
+        <pc:spChg chg="add">
+          <ac:chgData name="Henri Korver" userId="da38614c-94ee-430d-8a2b-df054235a587" providerId="ADAL" clId="{00E8516F-B500-401C-831E-9FCC836097BB}" dt="2019-04-16T13:03:46.776" v="8"/>
+          <ac:spMkLst>
+            <pc:docMk/>
+            <pc:sldMk cId="1428979804" sldId="277"/>
+            <ac:spMk id="19" creationId="{C0637473-6018-4DD5-A33B-0ECBC12514CA}"/>
+          </ac:spMkLst>
+        </pc:spChg>
+        <pc:spChg chg="add">
+          <ac:chgData name="Henri Korver" userId="da38614c-94ee-430d-8a2b-df054235a587" providerId="ADAL" clId="{00E8516F-B500-401C-831E-9FCC836097BB}" dt="2019-04-16T13:03:46.776" v="8"/>
+          <ac:spMkLst>
+            <pc:docMk/>
+            <pc:sldMk cId="1428979804" sldId="277"/>
+            <ac:spMk id="20" creationId="{9EA86F9D-074C-4927-BB95-BFB24E08A8E5}"/>
+          </ac:spMkLst>
+        </pc:spChg>
+        <pc:spChg chg="add">
+          <ac:chgData name="Henri Korver" userId="da38614c-94ee-430d-8a2b-df054235a587" providerId="ADAL" clId="{00E8516F-B500-401C-831E-9FCC836097BB}" dt="2019-04-16T13:03:46.776" v="8"/>
+          <ac:spMkLst>
+            <pc:docMk/>
+            <pc:sldMk cId="1428979804" sldId="277"/>
+            <ac:spMk id="21" creationId="{1FA0CA7B-8554-4312-8983-606A70F76B89}"/>
+          </ac:spMkLst>
+        </pc:spChg>
+        <pc:spChg chg="add">
+          <ac:chgData name="Henri Korver" userId="da38614c-94ee-430d-8a2b-df054235a587" providerId="ADAL" clId="{00E8516F-B500-401C-831E-9FCC836097BB}" dt="2019-04-16T13:03:46.776" v="8"/>
+          <ac:spMkLst>
+            <pc:docMk/>
+            <pc:sldMk cId="1428979804" sldId="277"/>
+            <ac:spMk id="22" creationId="{99DE32D9-B094-4709-B0DE-D624145B886C}"/>
+          </ac:spMkLst>
+        </pc:spChg>
+        <pc:picChg chg="add">
+          <ac:chgData name="Henri Korver" userId="da38614c-94ee-430d-8a2b-df054235a587" providerId="ADAL" clId="{00E8516F-B500-401C-831E-9FCC836097BB}" dt="2019-04-16T13:03:46.776" v="8"/>
+          <ac:picMkLst>
+            <pc:docMk/>
+            <pc:sldMk cId="1428979804" sldId="277"/>
+            <ac:picMk id="12" creationId="{6C1F0FCC-2374-4853-AAC8-9940F0EA8885}"/>
+          </ac:picMkLst>
+        </pc:picChg>
+        <pc:picChg chg="add">
+          <ac:chgData name="Henri Korver" userId="da38614c-94ee-430d-8a2b-df054235a587" providerId="ADAL" clId="{00E8516F-B500-401C-831E-9FCC836097BB}" dt="2019-04-16T13:03:46.776" v="8"/>
+          <ac:picMkLst>
+            <pc:docMk/>
+            <pc:sldMk cId="1428979804" sldId="277"/>
+            <ac:picMk id="15" creationId="{234326DD-7460-44AB-8015-240413C86EA0}"/>
+          </ac:picMkLst>
+        </pc:picChg>
+        <pc:picChg chg="add">
+          <ac:chgData name="Henri Korver" userId="da38614c-94ee-430d-8a2b-df054235a587" providerId="ADAL" clId="{00E8516F-B500-401C-831E-9FCC836097BB}" dt="2019-04-16T13:03:46.776" v="8"/>
+          <ac:picMkLst>
+            <pc:docMk/>
+            <pc:sldMk cId="1428979804" sldId="277"/>
+            <ac:picMk id="16" creationId="{78E064E0-6276-4046-86B1-72291E1E3C19}"/>
+          </ac:picMkLst>
+        </pc:picChg>
+        <pc:cxnChg chg="add">
+          <ac:chgData name="Henri Korver" userId="da38614c-94ee-430d-8a2b-df054235a587" providerId="ADAL" clId="{00E8516F-B500-401C-831E-9FCC836097BB}" dt="2019-04-16T13:03:46.776" v="8"/>
+          <ac:cxnSpMkLst>
+            <pc:docMk/>
+            <pc:sldMk cId="1428979804" sldId="277"/>
+            <ac:cxnSpMk id="9" creationId="{0CB7EFD3-FEEB-41F7-BAAC-DB233864594D}"/>
+          </ac:cxnSpMkLst>
+        </pc:cxnChg>
+      </pc:sldChg>
+      <pc:sldChg chg="addSp delSp modSp add">
+        <pc:chgData name="Henri Korver" userId="da38614c-94ee-430d-8a2b-df054235a587" providerId="ADAL" clId="{00E8516F-B500-401C-831E-9FCC836097BB}" dt="2019-04-16T13:06:00.998" v="16" actId="14100"/>
+        <pc:sldMkLst>
+          <pc:docMk/>
+          <pc:sldMk cId="4204737650" sldId="278"/>
+        </pc:sldMkLst>
+        <pc:spChg chg="add del">
+          <ac:chgData name="Henri Korver" userId="da38614c-94ee-430d-8a2b-df054235a587" providerId="ADAL" clId="{00E8516F-B500-401C-831E-9FCC836097BB}" dt="2019-04-16T13:05:21.669" v="12"/>
+          <ac:spMkLst>
+            <pc:docMk/>
+            <pc:sldMk cId="4204737650" sldId="278"/>
+            <ac:spMk id="2" creationId="{5001E9AB-9706-4B9A-81BB-D13114634E28}"/>
+          </ac:spMkLst>
+        </pc:spChg>
+        <pc:spChg chg="add del">
+          <ac:chgData name="Henri Korver" userId="da38614c-94ee-430d-8a2b-df054235a587" providerId="ADAL" clId="{00E8516F-B500-401C-831E-9FCC836097BB}" dt="2019-04-16T13:05:21.669" v="12"/>
+          <ac:spMkLst>
+            <pc:docMk/>
+            <pc:sldMk cId="4204737650" sldId="278"/>
+            <ac:spMk id="3" creationId="{9C4E1A84-EFB9-43C0-98D7-45602E1B446D}"/>
+          </ac:spMkLst>
+        </pc:spChg>
+        <pc:spChg chg="add del">
+          <ac:chgData name="Henri Korver" userId="da38614c-94ee-430d-8a2b-df054235a587" providerId="ADAL" clId="{00E8516F-B500-401C-831E-9FCC836097BB}" dt="2019-04-16T13:05:21.669" v="12"/>
+          <ac:spMkLst>
+            <pc:docMk/>
+            <pc:sldMk cId="4204737650" sldId="278"/>
+            <ac:spMk id="4" creationId="{A677D399-B83A-485D-936F-67271A353FC5}"/>
+          </ac:spMkLst>
+        </pc:spChg>
+        <pc:spChg chg="add del">
+          <ac:chgData name="Henri Korver" userId="da38614c-94ee-430d-8a2b-df054235a587" providerId="ADAL" clId="{00E8516F-B500-401C-831E-9FCC836097BB}" dt="2019-04-16T13:05:21.669" v="12"/>
+          <ac:spMkLst>
+            <pc:docMk/>
+            <pc:sldMk cId="4204737650" sldId="278"/>
+            <ac:spMk id="5" creationId="{69DC1720-EF42-4A8F-A6B8-537D8BE0D5B1}"/>
+          </ac:spMkLst>
+        </pc:spChg>
+        <pc:spChg chg="add del">
+          <ac:chgData name="Henri Korver" userId="da38614c-94ee-430d-8a2b-df054235a587" providerId="ADAL" clId="{00E8516F-B500-401C-831E-9FCC836097BB}" dt="2019-04-16T13:05:21.669" v="12"/>
+          <ac:spMkLst>
+            <pc:docMk/>
+            <pc:sldMk cId="4204737650" sldId="278"/>
+            <ac:spMk id="6" creationId="{8AEBDDFE-234E-4A16-9175-C62A897D8F9F}"/>
+          </ac:spMkLst>
+        </pc:spChg>
+        <pc:spChg chg="add del">
+          <ac:chgData name="Henri Korver" userId="da38614c-94ee-430d-8a2b-df054235a587" providerId="ADAL" clId="{00E8516F-B500-401C-831E-9FCC836097BB}" dt="2019-04-16T13:05:21.669" v="12"/>
+          <ac:spMkLst>
+            <pc:docMk/>
+            <pc:sldMk cId="4204737650" sldId="278"/>
+            <ac:spMk id="7" creationId="{C08A012F-7850-49F3-837B-75AA32B526C8}"/>
+          </ac:spMkLst>
+        </pc:spChg>
+        <pc:spChg chg="add del">
+          <ac:chgData name="Henri Korver" userId="da38614c-94ee-430d-8a2b-df054235a587" providerId="ADAL" clId="{00E8516F-B500-401C-831E-9FCC836097BB}" dt="2019-04-16T13:05:21.669" v="12"/>
+          <ac:spMkLst>
+            <pc:docMk/>
+            <pc:sldMk cId="4204737650" sldId="278"/>
+            <ac:spMk id="8" creationId="{833798EF-C889-4F85-BA8E-6F02220F1C7D}"/>
+          </ac:spMkLst>
+        </pc:spChg>
+        <pc:spChg chg="add del">
+          <ac:chgData name="Henri Korver" userId="da38614c-94ee-430d-8a2b-df054235a587" providerId="ADAL" clId="{00E8516F-B500-401C-831E-9FCC836097BB}" dt="2019-04-16T13:05:21.669" v="12"/>
+          <ac:spMkLst>
+            <pc:docMk/>
+            <pc:sldMk cId="4204737650" sldId="278"/>
+            <ac:spMk id="10" creationId="{F7865B61-3E27-441A-8233-DBC2A756E07E}"/>
+          </ac:spMkLst>
+        </pc:spChg>
+        <pc:spChg chg="add del">
+          <ac:chgData name="Henri Korver" userId="da38614c-94ee-430d-8a2b-df054235a587" providerId="ADAL" clId="{00E8516F-B500-401C-831E-9FCC836097BB}" dt="2019-04-16T13:05:21.669" v="12"/>
+          <ac:spMkLst>
+            <pc:docMk/>
+            <pc:sldMk cId="4204737650" sldId="278"/>
+            <ac:spMk id="11" creationId="{EBBAC7FE-6554-4F7D-8A29-C5C4C82D9D84}"/>
+          </ac:spMkLst>
+        </pc:spChg>
+        <pc:spChg chg="add del">
+          <ac:chgData name="Henri Korver" userId="da38614c-94ee-430d-8a2b-df054235a587" providerId="ADAL" clId="{00E8516F-B500-401C-831E-9FCC836097BB}" dt="2019-04-16T13:05:21.669" v="12"/>
+          <ac:spMkLst>
+            <pc:docMk/>
+            <pc:sldMk cId="4204737650" sldId="278"/>
+            <ac:spMk id="13" creationId="{C5BBE527-9FF7-4563-B493-3B1C4396954C}"/>
+          </ac:spMkLst>
+        </pc:spChg>
+        <pc:spChg chg="add del">
+          <ac:chgData name="Henri Korver" userId="da38614c-94ee-430d-8a2b-df054235a587" providerId="ADAL" clId="{00E8516F-B500-401C-831E-9FCC836097BB}" dt="2019-04-16T13:05:21.669" v="12"/>
+          <ac:spMkLst>
+            <pc:docMk/>
+            <pc:sldMk cId="4204737650" sldId="278"/>
+            <ac:spMk id="14" creationId="{51C9D0AF-3E0D-47FC-AD02-6ABAD71AE74B}"/>
+          </ac:spMkLst>
+        </pc:spChg>
+        <pc:spChg chg="add del">
+          <ac:chgData name="Henri Korver" userId="da38614c-94ee-430d-8a2b-df054235a587" providerId="ADAL" clId="{00E8516F-B500-401C-831E-9FCC836097BB}" dt="2019-04-16T13:05:21.669" v="12"/>
+          <ac:spMkLst>
+            <pc:docMk/>
+            <pc:sldMk cId="4204737650" sldId="278"/>
+            <ac:spMk id="17" creationId="{9F368740-0154-43B4-92E2-DCEFB6E4C275}"/>
+          </ac:spMkLst>
+        </pc:spChg>
+        <pc:spChg chg="add del">
+          <ac:chgData name="Henri Korver" userId="da38614c-94ee-430d-8a2b-df054235a587" providerId="ADAL" clId="{00E8516F-B500-401C-831E-9FCC836097BB}" dt="2019-04-16T13:05:21.669" v="12"/>
+          <ac:spMkLst>
+            <pc:docMk/>
+            <pc:sldMk cId="4204737650" sldId="278"/>
+            <ac:spMk id="18" creationId="{50E82BD0-3CB3-42E6-935B-BD900D3C3CAC}"/>
+          </ac:spMkLst>
+        </pc:spChg>
+        <pc:spChg chg="add del">
+          <ac:chgData name="Henri Korver" userId="da38614c-94ee-430d-8a2b-df054235a587" providerId="ADAL" clId="{00E8516F-B500-401C-831E-9FCC836097BB}" dt="2019-04-16T13:05:21.669" v="12"/>
+          <ac:spMkLst>
+            <pc:docMk/>
+            <pc:sldMk cId="4204737650" sldId="278"/>
+            <ac:spMk id="19" creationId="{A03C2B9D-BC17-4324-A63B-45A38BFC94E1}"/>
+          </ac:spMkLst>
+        </pc:spChg>
+        <pc:spChg chg="add del">
+          <ac:chgData name="Henri Korver" userId="da38614c-94ee-430d-8a2b-df054235a587" providerId="ADAL" clId="{00E8516F-B500-401C-831E-9FCC836097BB}" dt="2019-04-16T13:05:21.669" v="12"/>
+          <ac:spMkLst>
+            <pc:docMk/>
+            <pc:sldMk cId="4204737650" sldId="278"/>
+            <ac:spMk id="20" creationId="{E4616366-1712-4EFA-8403-AF6E7BE35CA2}"/>
+          </ac:spMkLst>
+        </pc:spChg>
+        <pc:spChg chg="add del">
+          <ac:chgData name="Henri Korver" userId="da38614c-94ee-430d-8a2b-df054235a587" providerId="ADAL" clId="{00E8516F-B500-401C-831E-9FCC836097BB}" dt="2019-04-16T13:05:21.669" v="12"/>
+          <ac:spMkLst>
+            <pc:docMk/>
+            <pc:sldMk cId="4204737650" sldId="278"/>
+            <ac:spMk id="21" creationId="{EB7E4C9F-376D-45CB-91D0-F79D066C22AB}"/>
+          </ac:spMkLst>
+        </pc:spChg>
+        <pc:spChg chg="add del">
+          <ac:chgData name="Henri Korver" userId="da38614c-94ee-430d-8a2b-df054235a587" providerId="ADAL" clId="{00E8516F-B500-401C-831E-9FCC836097BB}" dt="2019-04-16T13:05:21.669" v="12"/>
+          <ac:spMkLst>
+            <pc:docMk/>
+            <pc:sldMk cId="4204737650" sldId="278"/>
+            <ac:spMk id="22" creationId="{099D9685-4BA6-46C0-AF18-6A3EBC392983}"/>
+          </ac:spMkLst>
+        </pc:spChg>
+        <pc:spChg chg="add del">
+          <ac:chgData name="Henri Korver" userId="da38614c-94ee-430d-8a2b-df054235a587" providerId="ADAL" clId="{00E8516F-B500-401C-831E-9FCC836097BB}" dt="2019-04-16T13:05:35.268" v="14"/>
+          <ac:spMkLst>
+            <pc:docMk/>
+            <pc:sldMk cId="4204737650" sldId="278"/>
+            <ac:spMk id="23" creationId="{BC65F4CB-A05A-472C-B76B-1B0F1F278A5F}"/>
+          </ac:spMkLst>
+        </pc:spChg>
+        <pc:spChg chg="add del">
+          <ac:chgData name="Henri Korver" userId="da38614c-94ee-430d-8a2b-df054235a587" providerId="ADAL" clId="{00E8516F-B500-401C-831E-9FCC836097BB}" dt="2019-04-16T13:05:35.268" v="14"/>
+          <ac:spMkLst>
+            <pc:docMk/>
+            <pc:sldMk cId="4204737650" sldId="278"/>
+            <ac:spMk id="24" creationId="{2B325E02-00F3-4E5F-85A6-FF8CCB4C95E4}"/>
+          </ac:spMkLst>
+        </pc:spChg>
+        <pc:spChg chg="add del">
+          <ac:chgData name="Henri Korver" userId="da38614c-94ee-430d-8a2b-df054235a587" providerId="ADAL" clId="{00E8516F-B500-401C-831E-9FCC836097BB}" dt="2019-04-16T13:05:35.268" v="14"/>
+          <ac:spMkLst>
+            <pc:docMk/>
+            <pc:sldMk cId="4204737650" sldId="278"/>
+            <ac:spMk id="25" creationId="{150F16B8-7851-4A2C-9C99-4DC6A982CF0D}"/>
+          </ac:spMkLst>
+        </pc:spChg>
+        <pc:spChg chg="add del">
+          <ac:chgData name="Henri Korver" userId="da38614c-94ee-430d-8a2b-df054235a587" providerId="ADAL" clId="{00E8516F-B500-401C-831E-9FCC836097BB}" dt="2019-04-16T13:05:35.268" v="14"/>
+          <ac:spMkLst>
+            <pc:docMk/>
+            <pc:sldMk cId="4204737650" sldId="278"/>
+            <ac:spMk id="26" creationId="{16159E92-073D-482B-9C58-13F7953206A4}"/>
+          </ac:spMkLst>
+        </pc:spChg>
+        <pc:spChg chg="add del">
+          <ac:chgData name="Henri Korver" userId="da38614c-94ee-430d-8a2b-df054235a587" providerId="ADAL" clId="{00E8516F-B500-401C-831E-9FCC836097BB}" dt="2019-04-16T13:05:35.268" v="14"/>
+          <ac:spMkLst>
+            <pc:docMk/>
+            <pc:sldMk cId="4204737650" sldId="278"/>
+            <ac:spMk id="27" creationId="{E546AB35-19BE-432E-AF31-83CFC87BFE86}"/>
+          </ac:spMkLst>
+        </pc:spChg>
+        <pc:spChg chg="add del">
+          <ac:chgData name="Henri Korver" userId="da38614c-94ee-430d-8a2b-df054235a587" providerId="ADAL" clId="{00E8516F-B500-401C-831E-9FCC836097BB}" dt="2019-04-16T13:05:35.268" v="14"/>
+          <ac:spMkLst>
+            <pc:docMk/>
+            <pc:sldMk cId="4204737650" sldId="278"/>
+            <ac:spMk id="28" creationId="{C17EF1DA-D343-4D75-877C-0AFD9C998F04}"/>
+          </ac:spMkLst>
+        </pc:spChg>
+        <pc:spChg chg="add del">
+          <ac:chgData name="Henri Korver" userId="da38614c-94ee-430d-8a2b-df054235a587" providerId="ADAL" clId="{00E8516F-B500-401C-831E-9FCC836097BB}" dt="2019-04-16T13:05:35.268" v="14"/>
+          <ac:spMkLst>
+            <pc:docMk/>
+            <pc:sldMk cId="4204737650" sldId="278"/>
+            <ac:spMk id="29" creationId="{9E1B842C-958D-43A9-AD7A-D97FD241B57C}"/>
+          </ac:spMkLst>
+        </pc:spChg>
+        <pc:spChg chg="add del">
+          <ac:chgData name="Henri Korver" userId="da38614c-94ee-430d-8a2b-df054235a587" providerId="ADAL" clId="{00E8516F-B500-401C-831E-9FCC836097BB}" dt="2019-04-16T13:05:35.268" v="14"/>
+          <ac:spMkLst>
+            <pc:docMk/>
+            <pc:sldMk cId="4204737650" sldId="278"/>
+            <ac:spMk id="31" creationId="{0F9561E0-327A-4D8E-9B8C-A223EBE9313E}"/>
+          </ac:spMkLst>
+        </pc:spChg>
+        <pc:spChg chg="add del">
+          <ac:chgData name="Henri Korver" userId="da38614c-94ee-430d-8a2b-df054235a587" providerId="ADAL" clId="{00E8516F-B500-401C-831E-9FCC836097BB}" dt="2019-04-16T13:05:35.268" v="14"/>
+          <ac:spMkLst>
+            <pc:docMk/>
+            <pc:sldMk cId="4204737650" sldId="278"/>
+            <ac:spMk id="32" creationId="{C7487882-C8A5-4C7B-951D-B9A735AD21F4}"/>
+          </ac:spMkLst>
+        </pc:spChg>
+        <pc:spChg chg="add del">
+          <ac:chgData name="Henri Korver" userId="da38614c-94ee-430d-8a2b-df054235a587" providerId="ADAL" clId="{00E8516F-B500-401C-831E-9FCC836097BB}" dt="2019-04-16T13:05:35.268" v="14"/>
+          <ac:spMkLst>
+            <pc:docMk/>
+            <pc:sldMk cId="4204737650" sldId="278"/>
+            <ac:spMk id="34" creationId="{F7417F33-3E30-4BB4-971A-307F527FBF78}"/>
+          </ac:spMkLst>
+        </pc:spChg>
+        <pc:spChg chg="add del">
+          <ac:chgData name="Henri Korver" userId="da38614c-94ee-430d-8a2b-df054235a587" providerId="ADAL" clId="{00E8516F-B500-401C-831E-9FCC836097BB}" dt="2019-04-16T13:05:35.268" v="14"/>
+          <ac:spMkLst>
+            <pc:docMk/>
+            <pc:sldMk cId="4204737650" sldId="278"/>
+            <ac:spMk id="35" creationId="{10C34688-68B9-4702-9B60-C5B644EAC1AE}"/>
+          </ac:spMkLst>
+        </pc:spChg>
+        <pc:spChg chg="add del">
+          <ac:chgData name="Henri Korver" userId="da38614c-94ee-430d-8a2b-df054235a587" providerId="ADAL" clId="{00E8516F-B500-401C-831E-9FCC836097BB}" dt="2019-04-16T13:05:35.268" v="14"/>
+          <ac:spMkLst>
+            <pc:docMk/>
+            <pc:sldMk cId="4204737650" sldId="278"/>
+            <ac:spMk id="38" creationId="{193C8592-87C5-4B28-8CBE-161340A3DF40}"/>
+          </ac:spMkLst>
+        </pc:spChg>
+        <pc:spChg chg="add del">
+          <ac:chgData name="Henri Korver" userId="da38614c-94ee-430d-8a2b-df054235a587" providerId="ADAL" clId="{00E8516F-B500-401C-831E-9FCC836097BB}" dt="2019-04-16T13:05:35.268" v="14"/>
+          <ac:spMkLst>
+            <pc:docMk/>
+            <pc:sldMk cId="4204737650" sldId="278"/>
+            <ac:spMk id="39" creationId="{F56B17DC-1785-4694-872F-90CEA689A6BA}"/>
+          </ac:spMkLst>
+        </pc:spChg>
+        <pc:spChg chg="add del">
+          <ac:chgData name="Henri Korver" userId="da38614c-94ee-430d-8a2b-df054235a587" providerId="ADAL" clId="{00E8516F-B500-401C-831E-9FCC836097BB}" dt="2019-04-16T13:05:35.268" v="14"/>
+          <ac:spMkLst>
+            <pc:docMk/>
+            <pc:sldMk cId="4204737650" sldId="278"/>
+            <ac:spMk id="40" creationId="{E208E914-C28C-4C25-B68C-212FF2CD7248}"/>
+          </ac:spMkLst>
+        </pc:spChg>
+        <pc:spChg chg="add del">
+          <ac:chgData name="Henri Korver" userId="da38614c-94ee-430d-8a2b-df054235a587" providerId="ADAL" clId="{00E8516F-B500-401C-831E-9FCC836097BB}" dt="2019-04-16T13:05:35.268" v="14"/>
+          <ac:spMkLst>
+            <pc:docMk/>
+            <pc:sldMk cId="4204737650" sldId="278"/>
+            <ac:spMk id="41" creationId="{6CE11295-98FF-40E3-AFC1-049FF5EAD55F}"/>
+          </ac:spMkLst>
+        </pc:spChg>
+        <pc:spChg chg="add del">
+          <ac:chgData name="Henri Korver" userId="da38614c-94ee-430d-8a2b-df054235a587" providerId="ADAL" clId="{00E8516F-B500-401C-831E-9FCC836097BB}" dt="2019-04-16T13:05:35.268" v="14"/>
+          <ac:spMkLst>
+            <pc:docMk/>
+            <pc:sldMk cId="4204737650" sldId="278"/>
+            <ac:spMk id="42" creationId="{8CA219DA-F534-482F-83B7-8429ED61C3D9}"/>
+          </ac:spMkLst>
+        </pc:spChg>
+        <pc:spChg chg="add del">
+          <ac:chgData name="Henri Korver" userId="da38614c-94ee-430d-8a2b-df054235a587" providerId="ADAL" clId="{00E8516F-B500-401C-831E-9FCC836097BB}" dt="2019-04-16T13:05:35.268" v="14"/>
+          <ac:spMkLst>
+            <pc:docMk/>
+            <pc:sldMk cId="4204737650" sldId="278"/>
+            <ac:spMk id="43" creationId="{E1279C1F-5031-454A-814E-C57BC39CABE7}"/>
+          </ac:spMkLst>
+        </pc:spChg>
+        <pc:graphicFrameChg chg="add modGraphic">
+          <ac:chgData name="Henri Korver" userId="da38614c-94ee-430d-8a2b-df054235a587" providerId="ADAL" clId="{00E8516F-B500-401C-831E-9FCC836097BB}" dt="2019-04-16T13:06:00.998" v="16" actId="14100"/>
+          <ac:graphicFrameMkLst>
+            <pc:docMk/>
+            <pc:sldMk cId="4204737650" sldId="278"/>
+            <ac:graphicFrameMk id="44" creationId="{D45A34F6-20E5-4014-ABB9-0C2CF2B1C272}"/>
+          </ac:graphicFrameMkLst>
+        </pc:graphicFrameChg>
+        <pc:picChg chg="add del">
+          <ac:chgData name="Henri Korver" userId="da38614c-94ee-430d-8a2b-df054235a587" providerId="ADAL" clId="{00E8516F-B500-401C-831E-9FCC836097BB}" dt="2019-04-16T13:05:21.669" v="12"/>
+          <ac:picMkLst>
+            <pc:docMk/>
+            <pc:sldMk cId="4204737650" sldId="278"/>
+            <ac:picMk id="12" creationId="{C92299E6-070B-4AD8-A2BF-531A0A9FF0E7}"/>
+          </ac:picMkLst>
+        </pc:picChg>
+        <pc:picChg chg="add del">
+          <ac:chgData name="Henri Korver" userId="da38614c-94ee-430d-8a2b-df054235a587" providerId="ADAL" clId="{00E8516F-B500-401C-831E-9FCC836097BB}" dt="2019-04-16T13:05:21.669" v="12"/>
+          <ac:picMkLst>
+            <pc:docMk/>
+            <pc:sldMk cId="4204737650" sldId="278"/>
+            <ac:picMk id="15" creationId="{12276878-FCE1-441E-B4BD-6C145783E562}"/>
+          </ac:picMkLst>
+        </pc:picChg>
+        <pc:picChg chg="add del">
+          <ac:chgData name="Henri Korver" userId="da38614c-94ee-430d-8a2b-df054235a587" providerId="ADAL" clId="{00E8516F-B500-401C-831E-9FCC836097BB}" dt="2019-04-16T13:05:21.669" v="12"/>
+          <ac:picMkLst>
+            <pc:docMk/>
+            <pc:sldMk cId="4204737650" sldId="278"/>
+            <ac:picMk id="16" creationId="{E4B9F7C0-57C0-4C07-B15B-53D23FA4D5CA}"/>
+          </ac:picMkLst>
+        </pc:picChg>
+        <pc:picChg chg="add del">
+          <ac:chgData name="Henri Korver" userId="da38614c-94ee-430d-8a2b-df054235a587" providerId="ADAL" clId="{00E8516F-B500-401C-831E-9FCC836097BB}" dt="2019-04-16T13:05:35.268" v="14"/>
+          <ac:picMkLst>
+            <pc:docMk/>
+            <pc:sldMk cId="4204737650" sldId="278"/>
+            <ac:picMk id="33" creationId="{F4173BDF-114F-449A-A4B9-334F5F7A8102}"/>
+          </ac:picMkLst>
+        </pc:picChg>
+        <pc:picChg chg="add del">
+          <ac:chgData name="Henri Korver" userId="da38614c-94ee-430d-8a2b-df054235a587" providerId="ADAL" clId="{00E8516F-B500-401C-831E-9FCC836097BB}" dt="2019-04-16T13:05:35.268" v="14"/>
+          <ac:picMkLst>
+            <pc:docMk/>
+            <pc:sldMk cId="4204737650" sldId="278"/>
+            <ac:picMk id="36" creationId="{04B4F46E-235C-44E8-9926-4D920DD763F6}"/>
+          </ac:picMkLst>
+        </pc:picChg>
+        <pc:picChg chg="add del">
+          <ac:chgData name="Henri Korver" userId="da38614c-94ee-430d-8a2b-df054235a587" providerId="ADAL" clId="{00E8516F-B500-401C-831E-9FCC836097BB}" dt="2019-04-16T13:05:35.268" v="14"/>
+          <ac:picMkLst>
+            <pc:docMk/>
+            <pc:sldMk cId="4204737650" sldId="278"/>
+            <ac:picMk id="37" creationId="{64740D82-E37D-4B97-9617-74B46D18DAA7}"/>
+          </ac:picMkLst>
+        </pc:picChg>
+        <pc:cxnChg chg="add del">
+          <ac:chgData name="Henri Korver" userId="da38614c-94ee-430d-8a2b-df054235a587" providerId="ADAL" clId="{00E8516F-B500-401C-831E-9FCC836097BB}" dt="2019-04-16T13:05:21.669" v="12"/>
+          <ac:cxnSpMkLst>
+            <pc:docMk/>
+            <pc:sldMk cId="4204737650" sldId="278"/>
+            <ac:cxnSpMk id="9" creationId="{09F10C30-6831-4206-ADA9-2248F395FC95}"/>
+          </ac:cxnSpMkLst>
+        </pc:cxnChg>
+        <pc:cxnChg chg="add del">
+          <ac:chgData name="Henri Korver" userId="da38614c-94ee-430d-8a2b-df054235a587" providerId="ADAL" clId="{00E8516F-B500-401C-831E-9FCC836097BB}" dt="2019-04-16T13:05:35.268" v="14"/>
+          <ac:cxnSpMkLst>
+            <pc:docMk/>
+            <pc:sldMk cId="4204737650" sldId="278"/>
+            <ac:cxnSpMk id="30" creationId="{96FFEE45-5DB8-4441-9844-E6295EB8F3C9}"/>
+          </ac:cxnSpMkLst>
+        </pc:cxnChg>
       </pc:sldChg>
     </pc:docChg>
   </pc:docChgLst>
@@ -1363,7 +2120,7 @@
           <a:p>
             <a:fld id="{83816076-5960-4A05-BE05-A7B0984FF125}" type="datetimeFigureOut">
               <a:rPr lang="nl-NL" smtClean="0"/>
-              <a:t>15-4-2019</a:t>
+              <a:t>16-4-2019</a:t>
             </a:fld>
             <a:endParaRPr lang="nl-NL"/>
           </a:p>
@@ -1561,7 +2318,7 @@
           <a:p>
             <a:fld id="{83816076-5960-4A05-BE05-A7B0984FF125}" type="datetimeFigureOut">
               <a:rPr lang="nl-NL" smtClean="0"/>
-              <a:t>15-4-2019</a:t>
+              <a:t>16-4-2019</a:t>
             </a:fld>
             <a:endParaRPr lang="nl-NL"/>
           </a:p>
@@ -1769,7 +2526,7 @@
           <a:p>
             <a:fld id="{83816076-5960-4A05-BE05-A7B0984FF125}" type="datetimeFigureOut">
               <a:rPr lang="nl-NL" smtClean="0"/>
-              <a:t>15-4-2019</a:t>
+              <a:t>16-4-2019</a:t>
             </a:fld>
             <a:endParaRPr lang="nl-NL"/>
           </a:p>
@@ -1967,7 +2724,7 @@
           <a:p>
             <a:fld id="{83816076-5960-4A05-BE05-A7B0984FF125}" type="datetimeFigureOut">
               <a:rPr lang="nl-NL" smtClean="0"/>
-              <a:t>15-4-2019</a:t>
+              <a:t>16-4-2019</a:t>
             </a:fld>
             <a:endParaRPr lang="nl-NL"/>
           </a:p>
@@ -2242,7 +2999,7 @@
           <a:p>
             <a:fld id="{83816076-5960-4A05-BE05-A7B0984FF125}" type="datetimeFigureOut">
               <a:rPr lang="nl-NL" smtClean="0"/>
-              <a:t>15-4-2019</a:t>
+              <a:t>16-4-2019</a:t>
             </a:fld>
             <a:endParaRPr lang="nl-NL"/>
           </a:p>
@@ -2507,7 +3264,7 @@
           <a:p>
             <a:fld id="{83816076-5960-4A05-BE05-A7B0984FF125}" type="datetimeFigureOut">
               <a:rPr lang="nl-NL" smtClean="0"/>
-              <a:t>15-4-2019</a:t>
+              <a:t>16-4-2019</a:t>
             </a:fld>
             <a:endParaRPr lang="nl-NL"/>
           </a:p>
@@ -2919,7 +3676,7 @@
           <a:p>
             <a:fld id="{83816076-5960-4A05-BE05-A7B0984FF125}" type="datetimeFigureOut">
               <a:rPr lang="nl-NL" smtClean="0"/>
-              <a:t>15-4-2019</a:t>
+              <a:t>16-4-2019</a:t>
             </a:fld>
             <a:endParaRPr lang="nl-NL"/>
           </a:p>
@@ -3060,7 +3817,7 @@
           <a:p>
             <a:fld id="{83816076-5960-4A05-BE05-A7B0984FF125}" type="datetimeFigureOut">
               <a:rPr lang="nl-NL" smtClean="0"/>
-              <a:t>15-4-2019</a:t>
+              <a:t>16-4-2019</a:t>
             </a:fld>
             <a:endParaRPr lang="nl-NL"/>
           </a:p>
@@ -3173,7 +3930,7 @@
           <a:p>
             <a:fld id="{83816076-5960-4A05-BE05-A7B0984FF125}" type="datetimeFigureOut">
               <a:rPr lang="nl-NL" smtClean="0"/>
-              <a:t>15-4-2019</a:t>
+              <a:t>16-4-2019</a:t>
             </a:fld>
             <a:endParaRPr lang="nl-NL"/>
           </a:p>
@@ -3484,7 +4241,7 @@
           <a:p>
             <a:fld id="{83816076-5960-4A05-BE05-A7B0984FF125}" type="datetimeFigureOut">
               <a:rPr lang="nl-NL" smtClean="0"/>
-              <a:t>15-4-2019</a:t>
+              <a:t>16-4-2019</a:t>
             </a:fld>
             <a:endParaRPr lang="nl-NL"/>
           </a:p>
@@ -3772,7 +4529,7 @@
           <a:p>
             <a:fld id="{83816076-5960-4A05-BE05-A7B0984FF125}" type="datetimeFigureOut">
               <a:rPr lang="nl-NL" smtClean="0"/>
-              <a:t>15-4-2019</a:t>
+              <a:t>16-4-2019</a:t>
             </a:fld>
             <a:endParaRPr lang="nl-NL"/>
           </a:p>
@@ -4013,7 +4770,7 @@
           <a:p>
             <a:fld id="{83816076-5960-4A05-BE05-A7B0984FF125}" type="datetimeFigureOut">
               <a:rPr lang="nl-NL" smtClean="0"/>
-              <a:t>15-4-2019</a:t>
+              <a:t>16-4-2019</a:t>
             </a:fld>
             <a:endParaRPr lang="nl-NL"/>
           </a:p>
@@ -4502,7 +5259,7 @@
               <a:rPr lang="nl-NL" dirty="0">
                 <a:hlinkClick r:id="rId2"/>
               </a:rPr>
-              <a:t>https://github.com/VNG-Realisatie/apitestvoorziening/blob/master/doc/api_lab</a:t>
+              <a:t>https://github.com/VNG-Realisatie/api-testvoorziening/blob/master/doc/api_lab</a:t>
             </a:r>
             <a:endParaRPr lang="nl-NL" dirty="0"/>
           </a:p>
@@ -4549,6 +5306,124 @@
       </p:grpSpPr>
       <p:pic>
         <p:nvPicPr>
+          <p:cNvPr id="4" name="Afbeelding 3">
+            <a:extLst>
+              <a:ext uri="{FF2B5EF4-FFF2-40B4-BE49-F238E27FC236}">
+                <a16:creationId xmlns:a16="http://schemas.microsoft.com/office/drawing/2014/main" id="{AE3DA84E-EC96-4814-9C54-F50D0DF8A1EB}"/>
+              </a:ext>
+            </a:extLst>
+          </p:cNvPr>
+          <p:cNvPicPr>
+            <a:picLocks noChangeAspect="1"/>
+          </p:cNvPicPr>
+          <p:nvPr/>
+        </p:nvPicPr>
+        <p:blipFill>
+          <a:blip r:embed="rId2"/>
+          <a:stretch>
+            <a:fillRect/>
+          </a:stretch>
+        </p:blipFill>
+        <p:spPr>
+          <a:xfrm>
+            <a:off x="885533" y="252412"/>
+            <a:ext cx="9991725" cy="6353175"/>
+          </a:xfrm>
+          <a:prstGeom prst="rect">
+            <a:avLst/>
+          </a:prstGeom>
+        </p:spPr>
+      </p:pic>
+      <p:sp>
+        <p:nvSpPr>
+          <p:cNvPr id="5" name="Tekstballon: ovaal 4">
+            <a:extLst>
+              <a:ext uri="{FF2B5EF4-FFF2-40B4-BE49-F238E27FC236}">
+                <a16:creationId xmlns:a16="http://schemas.microsoft.com/office/drawing/2014/main" id="{708E56B4-6D24-433B-988A-8C81BA5F2C67}"/>
+              </a:ext>
+            </a:extLst>
+          </p:cNvPr>
+          <p:cNvSpPr/>
+          <p:nvPr/>
+        </p:nvSpPr>
+        <p:spPr>
+          <a:xfrm>
+            <a:off x="3564295" y="2761863"/>
+            <a:ext cx="2174032" cy="1483567"/>
+          </a:xfrm>
+          <a:prstGeom prst="wedgeEllipseCallout">
+            <a:avLst>
+              <a:gd name="adj1" fmla="val -137446"/>
+              <a:gd name="adj2" fmla="val 120550"/>
+            </a:avLst>
+          </a:prstGeom>
+          <a:noFill/>
+        </p:spPr>
+        <p:style>
+          <a:lnRef idx="2">
+            <a:schemeClr val="accent1">
+              <a:shade val="50000"/>
+            </a:schemeClr>
+          </a:lnRef>
+          <a:fillRef idx="1">
+            <a:schemeClr val="accent1"/>
+          </a:fillRef>
+          <a:effectRef idx="0">
+            <a:schemeClr val="accent1"/>
+          </a:effectRef>
+          <a:fontRef idx="minor">
+            <a:schemeClr val="lt1"/>
+          </a:fontRef>
+        </p:style>
+        <p:txBody>
+          <a:bodyPr rtlCol="0" anchor="ctr"/>
+          <a:lstStyle/>
+          <a:p>
+            <a:pPr algn="ctr"/>
+            <a:r>
+              <a:rPr lang="nl-NL" dirty="0">
+                <a:solidFill>
+                  <a:srgbClr val="00B050"/>
+                </a:solidFill>
+              </a:rPr>
+              <a:t>Klik hier voor testresultaten </a:t>
+            </a:r>
+            <a:endParaRPr lang="nl-NL" dirty="0"/>
+          </a:p>
+        </p:txBody>
+      </p:sp>
+    </p:spTree>
+    <p:extLst>
+      <p:ext uri="{BB962C8B-B14F-4D97-AF65-F5344CB8AC3E}">
+        <p14:creationId xmlns:p14="http://schemas.microsoft.com/office/powerpoint/2010/main" val="2143044974"/>
+      </p:ext>
+    </p:extLst>
+  </p:cSld>
+  <p:clrMapOvr>
+    <a:masterClrMapping/>
+  </p:clrMapOvr>
+</p:sld>
+</file>
+
+<file path=ppt/slides/slide11.xml><?xml version="1.0" encoding="utf-8"?>
+<p:sld xmlns:a="http://schemas.openxmlformats.org/drawingml/2006/main" xmlns:r="http://schemas.openxmlformats.org/officeDocument/2006/relationships" xmlns:p="http://schemas.openxmlformats.org/presentationml/2006/main">
+  <p:cSld>
+    <p:spTree>
+      <p:nvGrpSpPr>
+        <p:cNvPr id="1" name=""/>
+        <p:cNvGrpSpPr/>
+        <p:nvPr/>
+      </p:nvGrpSpPr>
+      <p:grpSpPr>
+        <a:xfrm>
+          <a:off x="0" y="0"/>
+          <a:ext cx="0" cy="0"/>
+          <a:chOff x="0" y="0"/>
+          <a:chExt cx="0" cy="0"/>
+        </a:xfrm>
+      </p:grpSpPr>
+      <p:pic>
+        <p:nvPicPr>
           <p:cNvPr id="2" name="Afbeelding 1">
             <a:extLst>
               <a:ext uri="{FF2B5EF4-FFF2-40B4-BE49-F238E27FC236}">
@@ -4664,7 +5539,7 @@
 </p:sld>
 </file>
 
-<file path=ppt/slides/slide11.xml><?xml version="1.0" encoding="utf-8"?>
+<file path=ppt/slides/slide12.xml><?xml version="1.0" encoding="utf-8"?>
 <p:sld xmlns:a="http://schemas.openxmlformats.org/drawingml/2006/main" xmlns:r="http://schemas.openxmlformats.org/officeDocument/2006/relationships" xmlns:p="http://schemas.openxmlformats.org/presentationml/2006/main">
   <p:cSld>
     <p:spTree>
@@ -4724,7 +5599,7 @@
 </p:sld>
 </file>
 
-<file path=ppt/slides/slide12.xml><?xml version="1.0" encoding="utf-8"?>
+<file path=ppt/slides/slide13.xml><?xml version="1.0" encoding="utf-8"?>
 <p:sld xmlns:a="http://schemas.openxmlformats.org/drawingml/2006/main" xmlns:r="http://schemas.openxmlformats.org/officeDocument/2006/relationships" xmlns:p="http://schemas.openxmlformats.org/presentationml/2006/main">
   <p:cSld>
     <p:spTree>
@@ -4743,6 +5618,1060 @@
       </p:grpSpPr>
       <p:sp>
         <p:nvSpPr>
+          <p:cNvPr id="2" name="Rechthoek 1">
+            <a:extLst>
+              <a:ext uri="{FF2B5EF4-FFF2-40B4-BE49-F238E27FC236}">
+                <a16:creationId xmlns:a16="http://schemas.microsoft.com/office/drawing/2014/main" id="{127F14F5-C034-4633-B61D-52DC2BBAAF8A}"/>
+              </a:ext>
+            </a:extLst>
+          </p:cNvPr>
+          <p:cNvSpPr/>
+          <p:nvPr/>
+        </p:nvSpPr>
+        <p:spPr>
+          <a:xfrm>
+            <a:off x="8904312" y="548680"/>
+            <a:ext cx="3004391" cy="5544616"/>
+          </a:xfrm>
+          <a:prstGeom prst="rect">
+            <a:avLst/>
+          </a:prstGeom>
+          <a:solidFill>
+            <a:schemeClr val="accent5">
+              <a:lumMod val="20000"/>
+              <a:lumOff val="80000"/>
+              <a:alpha val="37000"/>
+            </a:schemeClr>
+          </a:solidFill>
+          <a:ln w="25400">
+            <a:solidFill>
+              <a:srgbClr val="FF0000"/>
+            </a:solidFill>
+          </a:ln>
+        </p:spPr>
+        <p:style>
+          <a:lnRef idx="2">
+            <a:schemeClr val="accent1">
+              <a:shade val="50000"/>
+            </a:schemeClr>
+          </a:lnRef>
+          <a:fillRef idx="1">
+            <a:schemeClr val="accent1"/>
+          </a:fillRef>
+          <a:effectRef idx="0">
+            <a:schemeClr val="accent1"/>
+          </a:effectRef>
+          <a:fontRef idx="minor">
+            <a:schemeClr val="lt1"/>
+          </a:fontRef>
+        </p:style>
+        <p:txBody>
+          <a:bodyPr rtlCol="0" anchor="ctr"/>
+          <a:lstStyle/>
+          <a:p>
+            <a:pPr algn="ctr"/>
+            <a:endParaRPr lang="nl-NL"/>
+          </a:p>
+        </p:txBody>
+      </p:sp>
+      <p:sp>
+        <p:nvSpPr>
+          <p:cNvPr id="3" name="Titel 5">
+            <a:extLst>
+              <a:ext uri="{FF2B5EF4-FFF2-40B4-BE49-F238E27FC236}">
+                <a16:creationId xmlns:a16="http://schemas.microsoft.com/office/drawing/2014/main" id="{43067761-724F-420A-B992-B02A88A5A9AA}"/>
+              </a:ext>
+            </a:extLst>
+          </p:cNvPr>
+          <p:cNvSpPr txBox="1">
+            <a:spLocks/>
+          </p:cNvSpPr>
+          <p:nvPr/>
+        </p:nvSpPr>
+        <p:spPr>
+          <a:xfrm>
+            <a:off x="2063551" y="177637"/>
+            <a:ext cx="5960776" cy="720000"/>
+          </a:xfrm>
+          <a:prstGeom prst="rect">
+            <a:avLst/>
+          </a:prstGeom>
+        </p:spPr>
+        <p:txBody>
+          <a:bodyPr/>
+          <a:lstStyle>
+            <a:lvl1pPr algn="l" defTabSz="914400" rtl="0" eaLnBrk="1" latinLnBrk="0" hangingPunct="1">
+              <a:lnSpc>
+                <a:spcPct val="90000"/>
+              </a:lnSpc>
+              <a:spcBef>
+                <a:spcPct val="0"/>
+              </a:spcBef>
+              <a:buNone/>
+              <a:defRPr sz="4400" kern="1200">
+                <a:solidFill>
+                  <a:schemeClr val="tx1"/>
+                </a:solidFill>
+                <a:latin typeface="+mj-lt"/>
+                <a:ea typeface="+mj-ea"/>
+                <a:cs typeface="+mj-cs"/>
+              </a:defRPr>
+            </a:lvl1pPr>
+          </a:lstStyle>
+          <a:p>
+            <a:r>
+              <a:rPr lang="nl-NL" dirty="0"/>
+              <a:t>Testen van de provider</a:t>
+            </a:r>
+          </a:p>
+        </p:txBody>
+      </p:sp>
+      <p:sp>
+        <p:nvSpPr>
+          <p:cNvPr id="4" name="Rechthoek 3">
+            <a:extLst>
+              <a:ext uri="{FF2B5EF4-FFF2-40B4-BE49-F238E27FC236}">
+                <a16:creationId xmlns:a16="http://schemas.microsoft.com/office/drawing/2014/main" id="{0E87D360-438D-4AAB-81A6-D442D6675868}"/>
+              </a:ext>
+            </a:extLst>
+          </p:cNvPr>
+          <p:cNvSpPr/>
+          <p:nvPr/>
+        </p:nvSpPr>
+        <p:spPr>
+          <a:xfrm>
+            <a:off x="9274561" y="823764"/>
+            <a:ext cx="2498255" cy="949052"/>
+          </a:xfrm>
+          <a:prstGeom prst="rect">
+            <a:avLst/>
+          </a:prstGeom>
+          <a:ln w="19050">
+            <a:solidFill>
+              <a:srgbClr val="4E72BE"/>
+            </a:solidFill>
+          </a:ln>
+        </p:spPr>
+        <p:style>
+          <a:lnRef idx="2">
+            <a:schemeClr val="accent1">
+              <a:shade val="50000"/>
+            </a:schemeClr>
+          </a:lnRef>
+          <a:fillRef idx="1">
+            <a:schemeClr val="accent1"/>
+          </a:fillRef>
+          <a:effectRef idx="0">
+            <a:schemeClr val="accent1"/>
+          </a:effectRef>
+          <a:fontRef idx="minor">
+            <a:schemeClr val="lt1"/>
+          </a:fontRef>
+        </p:style>
+        <p:txBody>
+          <a:bodyPr rtlCol="0" anchor="ctr"/>
+          <a:lstStyle/>
+          <a:p>
+            <a:pPr algn="ctr"/>
+            <a:r>
+              <a:rPr lang="nl-NL" dirty="0"/>
+              <a:t>Zaken</a:t>
+            </a:r>
+            <a:br>
+              <a:rPr lang="nl-NL" dirty="0"/>
+            </a:br>
+            <a:r>
+              <a:rPr lang="nl-NL" dirty="0"/>
+              <a:t>(ZRC)</a:t>
+            </a:r>
+          </a:p>
+        </p:txBody>
+      </p:sp>
+      <p:sp>
+        <p:nvSpPr>
+          <p:cNvPr id="5" name="Rechthoek 4">
+            <a:extLst>
+              <a:ext uri="{FF2B5EF4-FFF2-40B4-BE49-F238E27FC236}">
+                <a16:creationId xmlns:a16="http://schemas.microsoft.com/office/drawing/2014/main" id="{CB763932-B40A-41B3-B38D-A4D4D50A3AF3}"/>
+              </a:ext>
+            </a:extLst>
+          </p:cNvPr>
+          <p:cNvSpPr/>
+          <p:nvPr/>
+        </p:nvSpPr>
+        <p:spPr>
+          <a:xfrm>
+            <a:off x="9274560" y="2030289"/>
+            <a:ext cx="2498255" cy="966664"/>
+          </a:xfrm>
+          <a:prstGeom prst="rect">
+            <a:avLst/>
+          </a:prstGeom>
+          <a:ln w="19050">
+            <a:solidFill>
+              <a:srgbClr val="4E72BE"/>
+            </a:solidFill>
+          </a:ln>
+        </p:spPr>
+        <p:style>
+          <a:lnRef idx="2">
+            <a:schemeClr val="accent1">
+              <a:shade val="50000"/>
+            </a:schemeClr>
+          </a:lnRef>
+          <a:fillRef idx="1">
+            <a:schemeClr val="accent1"/>
+          </a:fillRef>
+          <a:effectRef idx="0">
+            <a:schemeClr val="accent1"/>
+          </a:effectRef>
+          <a:fontRef idx="minor">
+            <a:schemeClr val="lt1"/>
+          </a:fontRef>
+        </p:style>
+        <p:txBody>
+          <a:bodyPr rtlCol="0" anchor="ctr"/>
+          <a:lstStyle/>
+          <a:p>
+            <a:pPr algn="ctr"/>
+            <a:r>
+              <a:rPr lang="nl-NL" dirty="0"/>
+              <a:t>Zaaktypen</a:t>
+            </a:r>
+            <a:br>
+              <a:rPr lang="nl-NL" dirty="0"/>
+            </a:br>
+            <a:r>
+              <a:rPr lang="nl-NL" dirty="0"/>
+              <a:t>(ZTC)</a:t>
+            </a:r>
+          </a:p>
+        </p:txBody>
+      </p:sp>
+      <p:sp>
+        <p:nvSpPr>
+          <p:cNvPr id="6" name="Rechthoek 5">
+            <a:extLst>
+              <a:ext uri="{FF2B5EF4-FFF2-40B4-BE49-F238E27FC236}">
+                <a16:creationId xmlns:a16="http://schemas.microsoft.com/office/drawing/2014/main" id="{CDC17373-BA0D-4900-9AC1-4A94A7A6725E}"/>
+              </a:ext>
+            </a:extLst>
+          </p:cNvPr>
+          <p:cNvSpPr/>
+          <p:nvPr/>
+        </p:nvSpPr>
+        <p:spPr>
+          <a:xfrm>
+            <a:off x="9274560" y="3341712"/>
+            <a:ext cx="2498256" cy="1218497"/>
+          </a:xfrm>
+          <a:prstGeom prst="rect">
+            <a:avLst/>
+          </a:prstGeom>
+          <a:ln w="19050">
+            <a:solidFill>
+              <a:srgbClr val="4E72BE"/>
+            </a:solidFill>
+          </a:ln>
+        </p:spPr>
+        <p:style>
+          <a:lnRef idx="2">
+            <a:schemeClr val="accent1">
+              <a:shade val="50000"/>
+            </a:schemeClr>
+          </a:lnRef>
+          <a:fillRef idx="1">
+            <a:schemeClr val="accent1"/>
+          </a:fillRef>
+          <a:effectRef idx="0">
+            <a:schemeClr val="accent1"/>
+          </a:effectRef>
+          <a:fontRef idx="minor">
+            <a:schemeClr val="lt1"/>
+          </a:fontRef>
+        </p:style>
+        <p:txBody>
+          <a:bodyPr rtlCol="0" anchor="ctr"/>
+          <a:lstStyle/>
+          <a:p>
+            <a:pPr algn="ctr"/>
+            <a:r>
+              <a:rPr lang="nl-NL" dirty="0"/>
+              <a:t>Documenten</a:t>
+            </a:r>
+            <a:br>
+              <a:rPr lang="nl-NL" dirty="0"/>
+            </a:br>
+            <a:r>
+              <a:rPr lang="nl-NL" dirty="0"/>
+              <a:t>(DRC)</a:t>
+            </a:r>
+          </a:p>
+        </p:txBody>
+      </p:sp>
+      <p:sp>
+        <p:nvSpPr>
+          <p:cNvPr id="7" name="Rechthoek 6">
+            <a:extLst>
+              <a:ext uri="{FF2B5EF4-FFF2-40B4-BE49-F238E27FC236}">
+                <a16:creationId xmlns:a16="http://schemas.microsoft.com/office/drawing/2014/main" id="{58FAA7A2-A945-4CCD-AC7E-F18A2B459617}"/>
+              </a:ext>
+            </a:extLst>
+          </p:cNvPr>
+          <p:cNvSpPr/>
+          <p:nvPr/>
+        </p:nvSpPr>
+        <p:spPr>
+          <a:xfrm>
+            <a:off x="9274559" y="4797152"/>
+            <a:ext cx="2498256" cy="678632"/>
+          </a:xfrm>
+          <a:prstGeom prst="rect">
+            <a:avLst/>
+          </a:prstGeom>
+          <a:ln w="19050">
+            <a:solidFill>
+              <a:srgbClr val="4E72BE"/>
+            </a:solidFill>
+          </a:ln>
+        </p:spPr>
+        <p:style>
+          <a:lnRef idx="2">
+            <a:schemeClr val="accent1">
+              <a:shade val="50000"/>
+            </a:schemeClr>
+          </a:lnRef>
+          <a:fillRef idx="1">
+            <a:schemeClr val="accent1"/>
+          </a:fillRef>
+          <a:effectRef idx="0">
+            <a:schemeClr val="accent1"/>
+          </a:effectRef>
+          <a:fontRef idx="minor">
+            <a:schemeClr val="lt1"/>
+          </a:fontRef>
+        </p:style>
+        <p:txBody>
+          <a:bodyPr rtlCol="0" anchor="ctr"/>
+          <a:lstStyle/>
+          <a:p>
+            <a:pPr algn="ctr"/>
+            <a:r>
+              <a:rPr lang="nl-NL" dirty="0"/>
+              <a:t>…</a:t>
+            </a:r>
+          </a:p>
+        </p:txBody>
+      </p:sp>
+      <p:sp>
+        <p:nvSpPr>
+          <p:cNvPr id="8" name="AutoShape 2" descr="Afbeeldingsresultaat voor checklist">
+            <a:extLst>
+              <a:ext uri="{FF2B5EF4-FFF2-40B4-BE49-F238E27FC236}">
+                <a16:creationId xmlns:a16="http://schemas.microsoft.com/office/drawing/2014/main" id="{53C65492-5490-47C0-A0BF-6829A4A9328E}"/>
+              </a:ext>
+            </a:extLst>
+          </p:cNvPr>
+          <p:cNvSpPr>
+            <a:spLocks noChangeAspect="1" noChangeArrowheads="1"/>
+          </p:cNvSpPr>
+          <p:nvPr/>
+        </p:nvSpPr>
+        <p:spPr bwMode="auto">
+          <a:xfrm>
+            <a:off x="63500" y="-144463"/>
+            <a:ext cx="304800" cy="304801"/>
+          </a:xfrm>
+          <a:prstGeom prst="rect">
+            <a:avLst/>
+          </a:prstGeom>
+          <a:noFill/>
+          <a:extLst>
+            <a:ext uri="{909E8E84-426E-40DD-AFC4-6F175D3DCCD1}">
+              <a14:hiddenFill xmlns:a14="http://schemas.microsoft.com/office/drawing/2010/main">
+                <a:solidFill>
+                  <a:srgbClr val="FFFFFF"/>
+                </a:solidFill>
+              </a14:hiddenFill>
+            </a:ext>
+          </a:extLst>
+        </p:spPr>
+        <p:txBody>
+          <a:bodyPr vert="horz" wrap="square" lIns="91440" tIns="45720" rIns="91440" bIns="45720" numCol="1" anchor="t" anchorCtr="0" compatLnSpc="1">
+            <a:prstTxWarp prst="textNoShape">
+              <a:avLst/>
+            </a:prstTxWarp>
+          </a:bodyPr>
+          <a:lstStyle/>
+          <a:p>
+            <a:endParaRPr lang="nl-NL"/>
+          </a:p>
+        </p:txBody>
+      </p:sp>
+      <p:cxnSp>
+        <p:nvCxnSpPr>
+          <p:cNvPr id="9" name="Rechte verbindingslijn met pijl 8">
+            <a:extLst>
+              <a:ext uri="{FF2B5EF4-FFF2-40B4-BE49-F238E27FC236}">
+                <a16:creationId xmlns:a16="http://schemas.microsoft.com/office/drawing/2014/main" id="{0CB7EFD3-FEEB-41F7-BAAC-DB233864594D}"/>
+              </a:ext>
+            </a:extLst>
+          </p:cNvPr>
+          <p:cNvCxnSpPr/>
+          <p:nvPr/>
+        </p:nvCxnSpPr>
+        <p:spPr>
+          <a:xfrm>
+            <a:off x="5547590" y="3140968"/>
+            <a:ext cx="2592288" cy="0"/>
+          </a:xfrm>
+          <a:prstGeom prst="straightConnector1">
+            <a:avLst/>
+          </a:prstGeom>
+          <a:ln w="44450">
+            <a:headEnd type="triangle"/>
+            <a:tailEnd type="triangle"/>
+          </a:ln>
+        </p:spPr>
+        <p:style>
+          <a:lnRef idx="1">
+            <a:schemeClr val="accent1"/>
+          </a:lnRef>
+          <a:fillRef idx="0">
+            <a:schemeClr val="accent1"/>
+          </a:fillRef>
+          <a:effectRef idx="0">
+            <a:schemeClr val="accent1"/>
+          </a:effectRef>
+          <a:fontRef idx="minor">
+            <a:schemeClr val="tx1"/>
+          </a:fontRef>
+        </p:style>
+      </p:cxnSp>
+      <p:sp>
+        <p:nvSpPr>
+          <p:cNvPr id="10" name="Tekstvak 9">
+            <a:extLst>
+              <a:ext uri="{FF2B5EF4-FFF2-40B4-BE49-F238E27FC236}">
+                <a16:creationId xmlns:a16="http://schemas.microsoft.com/office/drawing/2014/main" id="{F01BAC3B-E9D9-4F38-A355-FFF4D200C268}"/>
+              </a:ext>
+            </a:extLst>
+          </p:cNvPr>
+          <p:cNvSpPr txBox="1"/>
+          <p:nvPr/>
+        </p:nvSpPr>
+        <p:spPr>
+          <a:xfrm>
+            <a:off x="9768408" y="5580761"/>
+            <a:ext cx="1450462" cy="523220"/>
+          </a:xfrm>
+          <a:prstGeom prst="rect">
+            <a:avLst/>
+          </a:prstGeom>
+          <a:noFill/>
+        </p:spPr>
+        <p:txBody>
+          <a:bodyPr wrap="none" rtlCol="0">
+            <a:spAutoFit/>
+          </a:bodyPr>
+          <a:lstStyle/>
+          <a:p>
+            <a:r>
+              <a:rPr lang="nl-NL" sz="2800" b="1" dirty="0"/>
+              <a:t>Provider</a:t>
+            </a:r>
+            <a:endParaRPr lang="nl-NL" b="1" dirty="0"/>
+          </a:p>
+        </p:txBody>
+      </p:sp>
+      <p:sp>
+        <p:nvSpPr>
+          <p:cNvPr id="11" name="Rechthoek 10">
+            <a:extLst>
+              <a:ext uri="{FF2B5EF4-FFF2-40B4-BE49-F238E27FC236}">
+                <a16:creationId xmlns:a16="http://schemas.microsoft.com/office/drawing/2014/main" id="{EDB56CD5-EF9F-4080-8377-FCE2F96A98EE}"/>
+              </a:ext>
+            </a:extLst>
+          </p:cNvPr>
+          <p:cNvSpPr/>
+          <p:nvPr/>
+        </p:nvSpPr>
+        <p:spPr>
+          <a:xfrm>
+            <a:off x="911424" y="1556791"/>
+            <a:ext cx="4095025" cy="4547189"/>
+          </a:xfrm>
+          <a:prstGeom prst="rect">
+            <a:avLst/>
+          </a:prstGeom>
+          <a:solidFill>
+            <a:schemeClr val="accent5">
+              <a:lumMod val="20000"/>
+              <a:lumOff val="80000"/>
+              <a:alpha val="37000"/>
+            </a:schemeClr>
+          </a:solidFill>
+        </p:spPr>
+        <p:style>
+          <a:lnRef idx="2">
+            <a:schemeClr val="accent1">
+              <a:shade val="50000"/>
+            </a:schemeClr>
+          </a:lnRef>
+          <a:fillRef idx="1">
+            <a:schemeClr val="accent1"/>
+          </a:fillRef>
+          <a:effectRef idx="0">
+            <a:schemeClr val="accent1"/>
+          </a:effectRef>
+          <a:fontRef idx="minor">
+            <a:schemeClr val="lt1"/>
+          </a:fontRef>
+        </p:style>
+        <p:txBody>
+          <a:bodyPr rtlCol="0" anchor="ctr"/>
+          <a:lstStyle/>
+          <a:p>
+            <a:pPr algn="ctr"/>
+            <a:endParaRPr lang="nl-NL"/>
+          </a:p>
+        </p:txBody>
+      </p:sp>
+      <p:pic>
+        <p:nvPicPr>
+          <p:cNvPr id="12" name="Afbeelding 11">
+            <a:extLst>
+              <a:ext uri="{FF2B5EF4-FFF2-40B4-BE49-F238E27FC236}">
+                <a16:creationId xmlns:a16="http://schemas.microsoft.com/office/drawing/2014/main" id="{6C1F0FCC-2374-4853-AAC8-9940F0EA8885}"/>
+              </a:ext>
+            </a:extLst>
+          </p:cNvPr>
+          <p:cNvPicPr>
+            <a:picLocks noChangeAspect="1"/>
+          </p:cNvPicPr>
+          <p:nvPr/>
+        </p:nvPicPr>
+        <p:blipFill>
+          <a:blip r:embed="rId2">
+            <a:extLst>
+              <a:ext uri="{28A0092B-C50C-407E-A947-70E740481C1C}">
+                <a14:useLocalDpi xmlns:a14="http://schemas.microsoft.com/office/drawing/2010/main" val="0"/>
+              </a:ext>
+            </a:extLst>
+          </a:blip>
+          <a:stretch>
+            <a:fillRect/>
+          </a:stretch>
+        </p:blipFill>
+        <p:spPr>
+          <a:xfrm>
+            <a:off x="1129007" y="3649081"/>
+            <a:ext cx="1075782" cy="1039214"/>
+          </a:xfrm>
+          <a:prstGeom prst="rect">
+            <a:avLst/>
+          </a:prstGeom>
+          <a:ln w="41275" cmpd="sng">
+            <a:solidFill>
+              <a:srgbClr val="37528B"/>
+            </a:solidFill>
+          </a:ln>
+          <a:effectLst>
+            <a:outerShdw blurRad="50800" dist="50800" dir="5400000" algn="ctr" rotWithShape="0">
+              <a:schemeClr val="bg1"/>
+            </a:outerShdw>
+            <a:softEdge rad="31750"/>
+          </a:effectLst>
+        </p:spPr>
+      </p:pic>
+      <p:sp>
+        <p:nvSpPr>
+          <p:cNvPr id="13" name="Staande oorkonde 17">
+            <a:extLst>
+              <a:ext uri="{FF2B5EF4-FFF2-40B4-BE49-F238E27FC236}">
+                <a16:creationId xmlns:a16="http://schemas.microsoft.com/office/drawing/2014/main" id="{157B380A-FE33-4267-8CC7-C14CEBCE8E87}"/>
+              </a:ext>
+            </a:extLst>
+          </p:cNvPr>
+          <p:cNvSpPr/>
+          <p:nvPr/>
+        </p:nvSpPr>
+        <p:spPr>
+          <a:xfrm>
+            <a:off x="2411858" y="3652009"/>
+            <a:ext cx="1280101" cy="1062452"/>
+          </a:xfrm>
+          <a:prstGeom prst="verticalScroll">
+            <a:avLst/>
+          </a:prstGeom>
+          <a:solidFill>
+            <a:schemeClr val="accent6">
+              <a:lumMod val="40000"/>
+              <a:lumOff val="60000"/>
+              <a:alpha val="77000"/>
+            </a:schemeClr>
+          </a:solidFill>
+        </p:spPr>
+        <p:style>
+          <a:lnRef idx="2">
+            <a:schemeClr val="accent1">
+              <a:shade val="50000"/>
+            </a:schemeClr>
+          </a:lnRef>
+          <a:fillRef idx="1">
+            <a:schemeClr val="accent1"/>
+          </a:fillRef>
+          <a:effectRef idx="0">
+            <a:schemeClr val="accent1"/>
+          </a:effectRef>
+          <a:fontRef idx="minor">
+            <a:schemeClr val="lt1"/>
+          </a:fontRef>
+        </p:style>
+        <p:txBody>
+          <a:bodyPr rtlCol="0" anchor="ctr"/>
+          <a:lstStyle/>
+          <a:p>
+            <a:pPr algn="ctr"/>
+            <a:r>
+              <a:rPr lang="nl-NL" dirty="0">
+                <a:solidFill>
+                  <a:srgbClr val="002C64"/>
+                </a:solidFill>
+              </a:rPr>
+              <a:t>log</a:t>
+            </a:r>
+          </a:p>
+        </p:txBody>
+      </p:sp>
+      <p:sp>
+        <p:nvSpPr>
+          <p:cNvPr id="14" name="Rechthoek 13">
+            <a:extLst>
+              <a:ext uri="{FF2B5EF4-FFF2-40B4-BE49-F238E27FC236}">
+                <a16:creationId xmlns:a16="http://schemas.microsoft.com/office/drawing/2014/main" id="{3029687D-BB63-4057-B0F3-4BFB863B8ED4}"/>
+              </a:ext>
+            </a:extLst>
+          </p:cNvPr>
+          <p:cNvSpPr/>
+          <p:nvPr/>
+        </p:nvSpPr>
+        <p:spPr>
+          <a:xfrm>
+            <a:off x="1090925" y="1782391"/>
+            <a:ext cx="3697863" cy="1559321"/>
+          </a:xfrm>
+          <a:prstGeom prst="rect">
+            <a:avLst/>
+          </a:prstGeom>
+          <a:ln w="19050"/>
+        </p:spPr>
+        <p:style>
+          <a:lnRef idx="2">
+            <a:schemeClr val="accent1">
+              <a:shade val="50000"/>
+            </a:schemeClr>
+          </a:lnRef>
+          <a:fillRef idx="1">
+            <a:schemeClr val="accent1"/>
+          </a:fillRef>
+          <a:effectRef idx="0">
+            <a:schemeClr val="accent1"/>
+          </a:effectRef>
+          <a:fontRef idx="minor">
+            <a:schemeClr val="lt1"/>
+          </a:fontRef>
+        </p:style>
+        <p:txBody>
+          <a:bodyPr rtlCol="0" anchor="ctr"/>
+          <a:lstStyle/>
+          <a:p>
+            <a:pPr algn="ctr"/>
+            <a:r>
+              <a:rPr lang="nl-NL" dirty="0"/>
+              <a:t>API Testvoorziening</a:t>
+            </a:r>
+          </a:p>
+          <a:p>
+            <a:pPr algn="ctr"/>
+            <a:r>
+              <a:rPr lang="nl-NL" dirty="0"/>
+              <a:t>(ATV)</a:t>
+            </a:r>
+          </a:p>
+        </p:txBody>
+      </p:sp>
+      <p:pic>
+        <p:nvPicPr>
+          <p:cNvPr id="15" name="Afbeelding 14">
+            <a:extLst>
+              <a:ext uri="{FF2B5EF4-FFF2-40B4-BE49-F238E27FC236}">
+                <a16:creationId xmlns:a16="http://schemas.microsoft.com/office/drawing/2014/main" id="{234326DD-7460-44AB-8015-240413C86EA0}"/>
+              </a:ext>
+            </a:extLst>
+          </p:cNvPr>
+          <p:cNvPicPr>
+            <a:picLocks noChangeAspect="1"/>
+          </p:cNvPicPr>
+          <p:nvPr/>
+        </p:nvPicPr>
+        <p:blipFill>
+          <a:blip r:embed="rId3"/>
+          <a:stretch>
+            <a:fillRect/>
+          </a:stretch>
+        </p:blipFill>
+        <p:spPr>
+          <a:xfrm rot="16200000">
+            <a:off x="3860959" y="3723644"/>
+            <a:ext cx="1079221" cy="930094"/>
+          </a:xfrm>
+          <a:prstGeom prst="rect">
+            <a:avLst/>
+          </a:prstGeom>
+        </p:spPr>
+      </p:pic>
+      <p:pic>
+        <p:nvPicPr>
+          <p:cNvPr id="16" name="Afbeelding 15">
+            <a:extLst>
+              <a:ext uri="{FF2B5EF4-FFF2-40B4-BE49-F238E27FC236}">
+                <a16:creationId xmlns:a16="http://schemas.microsoft.com/office/drawing/2014/main" id="{78E064E0-6276-4046-86B1-72291E1E3C19}"/>
+              </a:ext>
+            </a:extLst>
+          </p:cNvPr>
+          <p:cNvPicPr>
+            <a:picLocks noChangeAspect="1"/>
+          </p:cNvPicPr>
+          <p:nvPr/>
+        </p:nvPicPr>
+        <p:blipFill>
+          <a:blip r:embed="rId4"/>
+          <a:stretch>
+            <a:fillRect/>
+          </a:stretch>
+        </p:blipFill>
+        <p:spPr>
+          <a:xfrm>
+            <a:off x="1164173" y="4872157"/>
+            <a:ext cx="1094127" cy="1047961"/>
+          </a:xfrm>
+          <a:prstGeom prst="rect">
+            <a:avLst/>
+          </a:prstGeom>
+        </p:spPr>
+      </p:pic>
+      <p:sp>
+        <p:nvSpPr>
+          <p:cNvPr id="17" name="Tekstvak 16">
+            <a:extLst>
+              <a:ext uri="{FF2B5EF4-FFF2-40B4-BE49-F238E27FC236}">
+                <a16:creationId xmlns:a16="http://schemas.microsoft.com/office/drawing/2014/main" id="{53C382FA-642B-472F-A2EF-3C547BAAD091}"/>
+              </a:ext>
+            </a:extLst>
+          </p:cNvPr>
+          <p:cNvSpPr txBox="1"/>
+          <p:nvPr/>
+        </p:nvSpPr>
+        <p:spPr>
+          <a:xfrm>
+            <a:off x="3215680" y="5396137"/>
+            <a:ext cx="1696298" cy="523220"/>
+          </a:xfrm>
+          <a:prstGeom prst="rect">
+            <a:avLst/>
+          </a:prstGeom>
+          <a:noFill/>
+        </p:spPr>
+        <p:txBody>
+          <a:bodyPr wrap="none" rtlCol="0">
+            <a:spAutoFit/>
+          </a:bodyPr>
+          <a:lstStyle/>
+          <a:p>
+            <a:r>
+              <a:rPr lang="nl-NL" sz="2800" b="1" dirty="0"/>
+              <a:t>Consumer</a:t>
+            </a:r>
+            <a:endParaRPr lang="nl-NL" b="1" dirty="0"/>
+          </a:p>
+        </p:txBody>
+      </p:sp>
+      <p:sp>
+        <p:nvSpPr>
+          <p:cNvPr id="18" name="Afgeronde rechthoek 19">
+            <a:extLst>
+              <a:ext uri="{FF2B5EF4-FFF2-40B4-BE49-F238E27FC236}">
+                <a16:creationId xmlns:a16="http://schemas.microsoft.com/office/drawing/2014/main" id="{342C7DC2-F37F-43D5-A87E-12B1912EB029}"/>
+              </a:ext>
+            </a:extLst>
+          </p:cNvPr>
+          <p:cNvSpPr/>
+          <p:nvPr/>
+        </p:nvSpPr>
+        <p:spPr>
+          <a:xfrm>
+            <a:off x="9120336" y="1169039"/>
+            <a:ext cx="360040" cy="258502"/>
+          </a:xfrm>
+          <a:prstGeom prst="roundRect">
+            <a:avLst/>
+          </a:prstGeom>
+          <a:solidFill>
+            <a:schemeClr val="accent6">
+              <a:lumMod val="60000"/>
+              <a:lumOff val="40000"/>
+            </a:schemeClr>
+          </a:solidFill>
+        </p:spPr>
+        <p:style>
+          <a:lnRef idx="2">
+            <a:schemeClr val="accent5">
+              <a:shade val="50000"/>
+            </a:schemeClr>
+          </a:lnRef>
+          <a:fillRef idx="1">
+            <a:schemeClr val="accent5"/>
+          </a:fillRef>
+          <a:effectRef idx="0">
+            <a:schemeClr val="accent5"/>
+          </a:effectRef>
+          <a:fontRef idx="minor">
+            <a:schemeClr val="lt1"/>
+          </a:fontRef>
+        </p:style>
+        <p:txBody>
+          <a:bodyPr rtlCol="0" anchor="ctr"/>
+          <a:lstStyle/>
+          <a:p>
+            <a:pPr algn="ctr"/>
+            <a:endParaRPr lang="nl-NL"/>
+          </a:p>
+        </p:txBody>
+      </p:sp>
+      <p:sp>
+        <p:nvSpPr>
+          <p:cNvPr id="19" name="Afgeronde rechthoek 20">
+            <a:extLst>
+              <a:ext uri="{FF2B5EF4-FFF2-40B4-BE49-F238E27FC236}">
+                <a16:creationId xmlns:a16="http://schemas.microsoft.com/office/drawing/2014/main" id="{C0637473-6018-4DD5-A33B-0ECBC12514CA}"/>
+              </a:ext>
+            </a:extLst>
+          </p:cNvPr>
+          <p:cNvSpPr/>
+          <p:nvPr/>
+        </p:nvSpPr>
+        <p:spPr>
+          <a:xfrm>
+            <a:off x="9120336" y="2378410"/>
+            <a:ext cx="360040" cy="258502"/>
+          </a:xfrm>
+          <a:prstGeom prst="roundRect">
+            <a:avLst/>
+          </a:prstGeom>
+          <a:solidFill>
+            <a:schemeClr val="accent6">
+              <a:lumMod val="60000"/>
+              <a:lumOff val="40000"/>
+            </a:schemeClr>
+          </a:solidFill>
+        </p:spPr>
+        <p:style>
+          <a:lnRef idx="2">
+            <a:schemeClr val="accent5">
+              <a:shade val="50000"/>
+            </a:schemeClr>
+          </a:lnRef>
+          <a:fillRef idx="1">
+            <a:schemeClr val="accent5"/>
+          </a:fillRef>
+          <a:effectRef idx="0">
+            <a:schemeClr val="accent5"/>
+          </a:effectRef>
+          <a:fontRef idx="minor">
+            <a:schemeClr val="lt1"/>
+          </a:fontRef>
+        </p:style>
+        <p:txBody>
+          <a:bodyPr rtlCol="0" anchor="ctr"/>
+          <a:lstStyle/>
+          <a:p>
+            <a:pPr algn="ctr"/>
+            <a:endParaRPr lang="nl-NL"/>
+          </a:p>
+        </p:txBody>
+      </p:sp>
+      <p:sp>
+        <p:nvSpPr>
+          <p:cNvPr id="20" name="Afgeronde rechthoek 21">
+            <a:extLst>
+              <a:ext uri="{FF2B5EF4-FFF2-40B4-BE49-F238E27FC236}">
+                <a16:creationId xmlns:a16="http://schemas.microsoft.com/office/drawing/2014/main" id="{9EA86F9D-074C-4927-BB95-BFB24E08A8E5}"/>
+              </a:ext>
+            </a:extLst>
+          </p:cNvPr>
+          <p:cNvSpPr/>
+          <p:nvPr/>
+        </p:nvSpPr>
+        <p:spPr>
+          <a:xfrm>
+            <a:off x="9120336" y="3818570"/>
+            <a:ext cx="360040" cy="258502"/>
+          </a:xfrm>
+          <a:prstGeom prst="roundRect">
+            <a:avLst/>
+          </a:prstGeom>
+          <a:solidFill>
+            <a:schemeClr val="accent6">
+              <a:lumMod val="60000"/>
+              <a:lumOff val="40000"/>
+            </a:schemeClr>
+          </a:solidFill>
+        </p:spPr>
+        <p:style>
+          <a:lnRef idx="2">
+            <a:schemeClr val="accent5">
+              <a:shade val="50000"/>
+            </a:schemeClr>
+          </a:lnRef>
+          <a:fillRef idx="1">
+            <a:schemeClr val="accent5"/>
+          </a:fillRef>
+          <a:effectRef idx="0">
+            <a:schemeClr val="accent5"/>
+          </a:effectRef>
+          <a:fontRef idx="minor">
+            <a:schemeClr val="lt1"/>
+          </a:fontRef>
+        </p:style>
+        <p:txBody>
+          <a:bodyPr rtlCol="0" anchor="ctr"/>
+          <a:lstStyle/>
+          <a:p>
+            <a:pPr algn="ctr"/>
+            <a:endParaRPr lang="nl-NL"/>
+          </a:p>
+        </p:txBody>
+      </p:sp>
+      <p:sp>
+        <p:nvSpPr>
+          <p:cNvPr id="21" name="Afgeronde rechthoek 23">
+            <a:extLst>
+              <a:ext uri="{FF2B5EF4-FFF2-40B4-BE49-F238E27FC236}">
+                <a16:creationId xmlns:a16="http://schemas.microsoft.com/office/drawing/2014/main" id="{1FA0CA7B-8554-4312-8983-606A70F76B89}"/>
+              </a:ext>
+            </a:extLst>
+          </p:cNvPr>
+          <p:cNvSpPr/>
+          <p:nvPr/>
+        </p:nvSpPr>
+        <p:spPr>
+          <a:xfrm>
+            <a:off x="9120336" y="5013176"/>
+            <a:ext cx="360040" cy="258502"/>
+          </a:xfrm>
+          <a:prstGeom prst="roundRect">
+            <a:avLst/>
+          </a:prstGeom>
+          <a:solidFill>
+            <a:schemeClr val="accent6">
+              <a:lumMod val="60000"/>
+              <a:lumOff val="40000"/>
+            </a:schemeClr>
+          </a:solidFill>
+        </p:spPr>
+        <p:style>
+          <a:lnRef idx="2">
+            <a:schemeClr val="accent5">
+              <a:shade val="50000"/>
+            </a:schemeClr>
+          </a:lnRef>
+          <a:fillRef idx="1">
+            <a:schemeClr val="accent5"/>
+          </a:fillRef>
+          <a:effectRef idx="0">
+            <a:schemeClr val="accent5"/>
+          </a:effectRef>
+          <a:fontRef idx="minor">
+            <a:schemeClr val="lt1"/>
+          </a:fontRef>
+        </p:style>
+        <p:txBody>
+          <a:bodyPr rtlCol="0" anchor="ctr"/>
+          <a:lstStyle/>
+          <a:p>
+            <a:pPr algn="ctr"/>
+            <a:endParaRPr lang="nl-NL"/>
+          </a:p>
+        </p:txBody>
+      </p:sp>
+      <p:sp>
+        <p:nvSpPr>
+          <p:cNvPr id="22" name="Tekstvak 21">
+            <a:extLst>
+              <a:ext uri="{FF2B5EF4-FFF2-40B4-BE49-F238E27FC236}">
+                <a16:creationId xmlns:a16="http://schemas.microsoft.com/office/drawing/2014/main" id="{99DE32D9-B094-4709-B0DE-D624145B886C}"/>
+              </a:ext>
+            </a:extLst>
+          </p:cNvPr>
+          <p:cNvSpPr txBox="1"/>
+          <p:nvPr/>
+        </p:nvSpPr>
+        <p:spPr>
+          <a:xfrm>
+            <a:off x="9054054" y="6214863"/>
+            <a:ext cx="2939266" cy="461665"/>
+          </a:xfrm>
+          <a:prstGeom prst="rect">
+            <a:avLst/>
+          </a:prstGeom>
+          <a:noFill/>
+        </p:spPr>
+        <p:txBody>
+          <a:bodyPr wrap="none" rtlCol="0">
+            <a:spAutoFit/>
+          </a:bodyPr>
+          <a:lstStyle/>
+          <a:p>
+            <a:r>
+              <a:rPr lang="nl-NL" b="1" dirty="0"/>
+              <a:t>Lokale implementatie</a:t>
+            </a:r>
+          </a:p>
+        </p:txBody>
+      </p:sp>
+    </p:spTree>
+    <p:extLst>
+      <p:ext uri="{BB962C8B-B14F-4D97-AF65-F5344CB8AC3E}">
+        <p14:creationId xmlns:p14="http://schemas.microsoft.com/office/powerpoint/2010/main" val="1428979804"/>
+      </p:ext>
+    </p:extLst>
+  </p:cSld>
+  <p:clrMapOvr>
+    <a:masterClrMapping/>
+  </p:clrMapOvr>
+</p:sld>
+</file>
+
+<file path=ppt/slides/slide14.xml><?xml version="1.0" encoding="utf-8"?>
+<p:sld xmlns:a="http://schemas.openxmlformats.org/drawingml/2006/main" xmlns:r="http://schemas.openxmlformats.org/officeDocument/2006/relationships" xmlns:p="http://schemas.openxmlformats.org/presentationml/2006/main">
+  <p:cSld>
+    <p:spTree>
+      <p:nvGrpSpPr>
+        <p:cNvPr id="1" name=""/>
+        <p:cNvGrpSpPr/>
+        <p:nvPr/>
+      </p:nvGrpSpPr>
+      <p:grpSpPr>
+        <a:xfrm>
+          <a:off x="0" y="0"/>
+          <a:ext cx="0" cy="0"/>
+          <a:chOff x="0" y="0"/>
+          <a:chExt cx="0" cy="0"/>
+        </a:xfrm>
+      </p:grpSpPr>
+      <p:sp>
+        <p:nvSpPr>
           <p:cNvPr id="2" name="Titel 1">
             <a:extLst>
               <a:ext uri="{FF2B5EF4-FFF2-40B4-BE49-F238E27FC236}">
@@ -4894,7 +6823,7 @@
 </p:sld>
 </file>
 
-<file path=ppt/slides/slide13.xml><?xml version="1.0" encoding="utf-8"?>
+<file path=ppt/slides/slide15.xml><?xml version="1.0" encoding="utf-8"?>
 <p:sld xmlns:a="http://schemas.openxmlformats.org/drawingml/2006/main" xmlns:r="http://schemas.openxmlformats.org/officeDocument/2006/relationships" xmlns:p="http://schemas.openxmlformats.org/presentationml/2006/main">
   <p:cSld>
     <p:spTree>
@@ -4954,7 +6883,7 @@
 </p:sld>
 </file>
 
-<file path=ppt/slides/slide14.xml><?xml version="1.0" encoding="utf-8"?>
+<file path=ppt/slides/slide16.xml><?xml version="1.0" encoding="utf-8"?>
 <p:sld xmlns:a="http://schemas.openxmlformats.org/drawingml/2006/main" xmlns:r="http://schemas.openxmlformats.org/officeDocument/2006/relationships" xmlns:p="http://schemas.openxmlformats.org/presentationml/2006/main">
   <p:cSld>
     <p:spTree>
@@ -5014,7 +6943,7 @@
 </p:sld>
 </file>
 
-<file path=ppt/slides/slide15.xml><?xml version="1.0" encoding="utf-8"?>
+<file path=ppt/slides/slide17.xml><?xml version="1.0" encoding="utf-8"?>
 <p:sld xmlns:a="http://schemas.openxmlformats.org/drawingml/2006/main" xmlns:r="http://schemas.openxmlformats.org/officeDocument/2006/relationships" xmlns:p="http://schemas.openxmlformats.org/presentationml/2006/main">
   <p:cSld>
     <p:spTree>
@@ -5132,7 +7061,7 @@
 </p:sld>
 </file>
 
-<file path=ppt/slides/slide16.xml><?xml version="1.0" encoding="utf-8"?>
+<file path=ppt/slides/slide18.xml><?xml version="1.0" encoding="utf-8"?>
 <p:sld xmlns:a="http://schemas.openxmlformats.org/drawingml/2006/main" xmlns:r="http://schemas.openxmlformats.org/officeDocument/2006/relationships" xmlns:p="http://schemas.openxmlformats.org/presentationml/2006/main">
   <p:cSld>
     <p:spTree>
@@ -5250,201 +7179,6 @@
 </p:sld>
 </file>
 
-<file path=ppt/slides/slide17.xml><?xml version="1.0" encoding="utf-8"?>
-<p:sld xmlns:a="http://schemas.openxmlformats.org/drawingml/2006/main" xmlns:r="http://schemas.openxmlformats.org/officeDocument/2006/relationships" xmlns:p="http://schemas.openxmlformats.org/presentationml/2006/main">
-  <p:cSld>
-    <p:spTree>
-      <p:nvGrpSpPr>
-        <p:cNvPr id="1" name=""/>
-        <p:cNvGrpSpPr/>
-        <p:nvPr/>
-      </p:nvGrpSpPr>
-      <p:grpSpPr>
-        <a:xfrm>
-          <a:off x="0" y="0"/>
-          <a:ext cx="0" cy="0"/>
-          <a:chOff x="0" y="0"/>
-          <a:chExt cx="0" cy="0"/>
-        </a:xfrm>
-      </p:grpSpPr>
-      <p:sp>
-        <p:nvSpPr>
-          <p:cNvPr id="2" name="Titel 1">
-            <a:extLst>
-              <a:ext uri="{FF2B5EF4-FFF2-40B4-BE49-F238E27FC236}">
-                <a16:creationId xmlns:a16="http://schemas.microsoft.com/office/drawing/2014/main" id="{BC2DE4F1-534E-471F-B859-88628001BA35}"/>
-              </a:ext>
-            </a:extLst>
-          </p:cNvPr>
-          <p:cNvSpPr>
-            <a:spLocks noGrp="1"/>
-          </p:cNvSpPr>
-          <p:nvPr>
-            <p:ph type="title"/>
-          </p:nvPr>
-        </p:nvSpPr>
-        <p:spPr/>
-        <p:txBody>
-          <a:bodyPr/>
-          <a:lstStyle/>
-          <a:p>
-            <a:r>
-              <a:rPr lang="nl-NL" dirty="0"/>
-              <a:t>Testvoorziening aanroepen via API</a:t>
-            </a:r>
-          </a:p>
-        </p:txBody>
-      </p:sp>
-      <p:sp>
-        <p:nvSpPr>
-          <p:cNvPr id="3" name="Tijdelijke aanduiding voor inhoud 2">
-            <a:extLst>
-              <a:ext uri="{FF2B5EF4-FFF2-40B4-BE49-F238E27FC236}">
-                <a16:creationId xmlns:a16="http://schemas.microsoft.com/office/drawing/2014/main" id="{63F80BCB-2318-48D6-BA2D-B5C669D84F43}"/>
-              </a:ext>
-            </a:extLst>
-          </p:cNvPr>
-          <p:cNvSpPr>
-            <a:spLocks noGrp="1"/>
-          </p:cNvSpPr>
-          <p:nvPr>
-            <p:ph idx="1"/>
-          </p:nvPr>
-        </p:nvSpPr>
-        <p:spPr/>
-        <p:txBody>
-          <a:bodyPr/>
-          <a:lstStyle/>
-          <a:p>
-            <a:r>
-              <a:rPr lang="nl-NL" dirty="0"/>
-              <a:t>OAS schema: </a:t>
-            </a:r>
-            <a:br>
-              <a:rPr lang="nl-NL" dirty="0"/>
-            </a:br>
-            <a:br>
-              <a:rPr lang="nl-NL" dirty="0"/>
-            </a:br>
-            <a:r>
-              <a:rPr lang="nl-NL" dirty="0">
-                <a:hlinkClick r:id="rId2"/>
-              </a:rPr>
-              <a:t>https://vng-staging.maykin.nl/api/v1/schema</a:t>
-            </a:r>
-            <a:endParaRPr lang="nl-NL" dirty="0"/>
-          </a:p>
-          <a:p>
-            <a:endParaRPr lang="nl-NL" dirty="0"/>
-          </a:p>
-          <a:p>
-            <a:r>
-              <a:rPr lang="nl-NL" dirty="0"/>
-              <a:t>Postman </a:t>
-            </a:r>
-            <a:r>
-              <a:rPr lang="nl-NL" dirty="0" err="1"/>
-              <a:t>collection</a:t>
-            </a:r>
-            <a:r>
-              <a:rPr lang="nl-NL" dirty="0"/>
-              <a:t>: </a:t>
-            </a:r>
-            <a:br>
-              <a:rPr lang="nl-NL" dirty="0"/>
-            </a:br>
-            <a:br>
-              <a:rPr lang="nl-NL" dirty="0"/>
-            </a:br>
-            <a:r>
-              <a:rPr lang="nl-NL" dirty="0">
-                <a:hlinkClick r:id="rId3"/>
-              </a:rPr>
-              <a:t>https://github.com/VNG-Realisatie/apitestvoorziening/blob/master/doc/api_lab</a:t>
-            </a:r>
-            <a:endParaRPr lang="nl-NL" dirty="0"/>
-          </a:p>
-          <a:p>
-            <a:endParaRPr lang="nl-NL" dirty="0"/>
-          </a:p>
-          <a:p>
-            <a:endParaRPr lang="nl-NL" dirty="0"/>
-          </a:p>
-        </p:txBody>
-      </p:sp>
-    </p:spTree>
-    <p:extLst>
-      <p:ext uri="{BB962C8B-B14F-4D97-AF65-F5344CB8AC3E}">
-        <p14:creationId xmlns:p14="http://schemas.microsoft.com/office/powerpoint/2010/main" val="570696892"/>
-      </p:ext>
-    </p:extLst>
-  </p:cSld>
-  <p:clrMapOvr>
-    <a:masterClrMapping/>
-  </p:clrMapOvr>
-</p:sld>
-</file>
-
-<file path=ppt/slides/slide18.xml><?xml version="1.0" encoding="utf-8"?>
-<p:sld xmlns:a="http://schemas.openxmlformats.org/drawingml/2006/main" xmlns:r="http://schemas.openxmlformats.org/officeDocument/2006/relationships" xmlns:p="http://schemas.openxmlformats.org/presentationml/2006/main">
-  <p:cSld>
-    <p:spTree>
-      <p:nvGrpSpPr>
-        <p:cNvPr id="1" name=""/>
-        <p:cNvGrpSpPr/>
-        <p:nvPr/>
-      </p:nvGrpSpPr>
-      <p:grpSpPr>
-        <a:xfrm>
-          <a:off x="0" y="0"/>
-          <a:ext cx="0" cy="0"/>
-          <a:chOff x="0" y="0"/>
-          <a:chExt cx="0" cy="0"/>
-        </a:xfrm>
-      </p:grpSpPr>
-      <p:pic>
-        <p:nvPicPr>
-          <p:cNvPr id="5" name="Afbeelding 4">
-            <a:extLst>
-              <a:ext uri="{FF2B5EF4-FFF2-40B4-BE49-F238E27FC236}">
-                <a16:creationId xmlns:a16="http://schemas.microsoft.com/office/drawing/2014/main" id="{4944048D-0416-4D4F-BDA4-54962E5DF0F5}"/>
-              </a:ext>
-            </a:extLst>
-          </p:cNvPr>
-          <p:cNvPicPr>
-            <a:picLocks noChangeAspect="1"/>
-          </p:cNvPicPr>
-          <p:nvPr/>
-        </p:nvPicPr>
-        <p:blipFill>
-          <a:blip r:embed="rId2"/>
-          <a:stretch>
-            <a:fillRect/>
-          </a:stretch>
-        </p:blipFill>
-        <p:spPr>
-          <a:xfrm>
-            <a:off x="1047750" y="328612"/>
-            <a:ext cx="10096500" cy="6200775"/>
-          </a:xfrm>
-          <a:prstGeom prst="rect">
-            <a:avLst/>
-          </a:prstGeom>
-        </p:spPr>
-      </p:pic>
-    </p:spTree>
-    <p:extLst>
-      <p:ext uri="{BB962C8B-B14F-4D97-AF65-F5344CB8AC3E}">
-        <p14:creationId xmlns:p14="http://schemas.microsoft.com/office/powerpoint/2010/main" val="4097632642"/>
-      </p:ext>
-    </p:extLst>
-  </p:cSld>
-  <p:clrMapOvr>
-    <a:masterClrMapping/>
-  </p:clrMapOvr>
-</p:sld>
-</file>
-
 <file path=ppt/slides/slide19.xml><?xml version="1.0" encoding="utf-8"?>
 <p:sld xmlns:a="http://schemas.openxmlformats.org/drawingml/2006/main" xmlns:r="http://schemas.openxmlformats.org/officeDocument/2006/relationships" xmlns:p="http://schemas.openxmlformats.org/presentationml/2006/main">
   <p:cSld>
@@ -5467,7 +7201,7 @@
           <p:cNvPr id="2" name="Titel 1">
             <a:extLst>
               <a:ext uri="{FF2B5EF4-FFF2-40B4-BE49-F238E27FC236}">
-                <a16:creationId xmlns:a16="http://schemas.microsoft.com/office/drawing/2014/main" id="{A8C166A0-CBC3-4466-8FB3-3F2BB82B9CC6}"/>
+                <a16:creationId xmlns:a16="http://schemas.microsoft.com/office/drawing/2014/main" id="{BC2DE4F1-534E-471F-B859-88628001BA35}"/>
               </a:ext>
             </a:extLst>
           </p:cNvPr>
@@ -5485,7 +7219,7 @@
           <a:p>
             <a:r>
               <a:rPr lang="nl-NL" dirty="0"/>
-              <a:t>Postman</a:t>
+              <a:t>Testvoorziening aanroepen via API</a:t>
             </a:r>
           </a:p>
         </p:txBody>
@@ -5495,7 +7229,7 @@
           <p:cNvPr id="3" name="Tijdelijke aanduiding voor inhoud 2">
             <a:extLst>
               <a:ext uri="{FF2B5EF4-FFF2-40B4-BE49-F238E27FC236}">
-                <a16:creationId xmlns:a16="http://schemas.microsoft.com/office/drawing/2014/main" id="{E39DDE39-C7AA-4C12-9785-6BC8E8BA88C5}"/>
+                <a16:creationId xmlns:a16="http://schemas.microsoft.com/office/drawing/2014/main" id="{63F80BCB-2318-48D6-BA2D-B5C669D84F43}"/>
               </a:ext>
             </a:extLst>
           </p:cNvPr>
@@ -5513,7 +7247,7 @@
           <a:p>
             <a:r>
               <a:rPr lang="nl-NL" dirty="0"/>
-              <a:t>Download Postman: </a:t>
+              <a:t>OAS schema: </a:t>
             </a:r>
             <a:br>
               <a:rPr lang="nl-NL" dirty="0"/>
@@ -5525,7 +7259,7 @@
               <a:rPr lang="nl-NL" dirty="0">
                 <a:hlinkClick r:id="rId2"/>
               </a:rPr>
-              <a:t>https://www.getpostman.com/downloads</a:t>
+              <a:t>https://vng-staging.maykin.nl/api/v1/schema</a:t>
             </a:r>
             <a:endParaRPr lang="nl-NL" dirty="0"/>
           </a:p>
@@ -5535,7 +7269,15 @@
           <a:p>
             <a:r>
               <a:rPr lang="nl-NL" dirty="0"/>
-              <a:t>Importeer de collecties uit deze folder:</a:t>
+              <a:t>Postman </a:t>
+            </a:r>
+            <a:r>
+              <a:rPr lang="nl-NL" dirty="0" err="1"/>
+              <a:t>collection</a:t>
+            </a:r>
+            <a:r>
+              <a:rPr lang="nl-NL" dirty="0"/>
+              <a:t>: </a:t>
             </a:r>
             <a:br>
               <a:rPr lang="nl-NL" dirty="0"/>
@@ -5547,7 +7289,7 @@
               <a:rPr lang="nl-NL" dirty="0">
                 <a:hlinkClick r:id="rId3"/>
               </a:rPr>
-              <a:t>https://github.com/VNG-Realisatie/apitestvoorziening/blob/master/doc/api_lab</a:t>
+              <a:t>https://github.com/VNG-Realisatie/api-testvoorziening/blob/master/doc/api_lab</a:t>
             </a:r>
             <a:endParaRPr lang="nl-NL" dirty="0"/>
           </a:p>
@@ -5559,49 +7301,10 @@
           </a:p>
         </p:txBody>
       </p:sp>
-      <p:pic>
-        <p:nvPicPr>
-          <p:cNvPr id="5" name="Graphic 4">
-            <a:extLst>
-              <a:ext uri="{FF2B5EF4-FFF2-40B4-BE49-F238E27FC236}">
-                <a16:creationId xmlns:a16="http://schemas.microsoft.com/office/drawing/2014/main" id="{29950D09-50D4-4DE6-A99A-EBE781D01213}"/>
-              </a:ext>
-            </a:extLst>
-          </p:cNvPr>
-          <p:cNvPicPr>
-            <a:picLocks noChangeAspect="1"/>
-          </p:cNvPicPr>
-          <p:nvPr/>
-        </p:nvPicPr>
-        <p:blipFill>
-          <a:blip r:embed="rId4">
-            <a:extLst>
-              <a:ext uri="{28A0092B-C50C-407E-A947-70E740481C1C}">
-                <a14:useLocalDpi xmlns:a14="http://schemas.microsoft.com/office/drawing/2010/main" val="0"/>
-              </a:ext>
-              <a:ext uri="{96DAC541-7B7A-43D3-8B79-37D633B846F1}">
-                <asvg:svgBlip xmlns:asvg="http://schemas.microsoft.com/office/drawing/2016/SVG/main" r:embed="rId5"/>
-              </a:ext>
-            </a:extLst>
-          </a:blip>
-          <a:stretch>
-            <a:fillRect/>
-          </a:stretch>
-        </p:blipFill>
-        <p:spPr>
-          <a:xfrm>
-            <a:off x="3143443" y="385367"/>
-            <a:ext cx="2382955" cy="915193"/>
-          </a:xfrm>
-          <a:prstGeom prst="rect">
-            <a:avLst/>
-          </a:prstGeom>
-        </p:spPr>
-      </p:pic>
     </p:spTree>
     <p:extLst>
       <p:ext uri="{BB962C8B-B14F-4D97-AF65-F5344CB8AC3E}">
-        <p14:creationId xmlns:p14="http://schemas.microsoft.com/office/powerpoint/2010/main" val="729468892"/>
+        <p14:creationId xmlns:p14="http://schemas.microsoft.com/office/powerpoint/2010/main" val="570696892"/>
       </p:ext>
     </p:extLst>
   </p:cSld>
@@ -5935,6 +7638,232 @@
       </p:grpSpPr>
       <p:pic>
         <p:nvPicPr>
+          <p:cNvPr id="5" name="Afbeelding 4">
+            <a:extLst>
+              <a:ext uri="{FF2B5EF4-FFF2-40B4-BE49-F238E27FC236}">
+                <a16:creationId xmlns:a16="http://schemas.microsoft.com/office/drawing/2014/main" id="{4944048D-0416-4D4F-BDA4-54962E5DF0F5}"/>
+              </a:ext>
+            </a:extLst>
+          </p:cNvPr>
+          <p:cNvPicPr>
+            <a:picLocks noChangeAspect="1"/>
+          </p:cNvPicPr>
+          <p:nvPr/>
+        </p:nvPicPr>
+        <p:blipFill>
+          <a:blip r:embed="rId2"/>
+          <a:stretch>
+            <a:fillRect/>
+          </a:stretch>
+        </p:blipFill>
+        <p:spPr>
+          <a:xfrm>
+            <a:off x="1047750" y="328612"/>
+            <a:ext cx="10096500" cy="6200775"/>
+          </a:xfrm>
+          <a:prstGeom prst="rect">
+            <a:avLst/>
+          </a:prstGeom>
+        </p:spPr>
+      </p:pic>
+    </p:spTree>
+    <p:extLst>
+      <p:ext uri="{BB962C8B-B14F-4D97-AF65-F5344CB8AC3E}">
+        <p14:creationId xmlns:p14="http://schemas.microsoft.com/office/powerpoint/2010/main" val="4097632642"/>
+      </p:ext>
+    </p:extLst>
+  </p:cSld>
+  <p:clrMapOvr>
+    <a:masterClrMapping/>
+  </p:clrMapOvr>
+</p:sld>
+</file>
+
+<file path=ppt/slides/slide21.xml><?xml version="1.0" encoding="utf-8"?>
+<p:sld xmlns:a="http://schemas.openxmlformats.org/drawingml/2006/main" xmlns:r="http://schemas.openxmlformats.org/officeDocument/2006/relationships" xmlns:p="http://schemas.openxmlformats.org/presentationml/2006/main">
+  <p:cSld>
+    <p:spTree>
+      <p:nvGrpSpPr>
+        <p:cNvPr id="1" name=""/>
+        <p:cNvGrpSpPr/>
+        <p:nvPr/>
+      </p:nvGrpSpPr>
+      <p:grpSpPr>
+        <a:xfrm>
+          <a:off x="0" y="0"/>
+          <a:ext cx="0" cy="0"/>
+          <a:chOff x="0" y="0"/>
+          <a:chExt cx="0" cy="0"/>
+        </a:xfrm>
+      </p:grpSpPr>
+      <p:sp>
+        <p:nvSpPr>
+          <p:cNvPr id="2" name="Titel 1">
+            <a:extLst>
+              <a:ext uri="{FF2B5EF4-FFF2-40B4-BE49-F238E27FC236}">
+                <a16:creationId xmlns:a16="http://schemas.microsoft.com/office/drawing/2014/main" id="{A8C166A0-CBC3-4466-8FB3-3F2BB82B9CC6}"/>
+              </a:ext>
+            </a:extLst>
+          </p:cNvPr>
+          <p:cNvSpPr>
+            <a:spLocks noGrp="1"/>
+          </p:cNvSpPr>
+          <p:nvPr>
+            <p:ph type="title"/>
+          </p:nvPr>
+        </p:nvSpPr>
+        <p:spPr/>
+        <p:txBody>
+          <a:bodyPr/>
+          <a:lstStyle/>
+          <a:p>
+            <a:r>
+              <a:rPr lang="nl-NL" dirty="0"/>
+              <a:t>Postman</a:t>
+            </a:r>
+          </a:p>
+        </p:txBody>
+      </p:sp>
+      <p:sp>
+        <p:nvSpPr>
+          <p:cNvPr id="3" name="Tijdelijke aanduiding voor inhoud 2">
+            <a:extLst>
+              <a:ext uri="{FF2B5EF4-FFF2-40B4-BE49-F238E27FC236}">
+                <a16:creationId xmlns:a16="http://schemas.microsoft.com/office/drawing/2014/main" id="{E39DDE39-C7AA-4C12-9785-6BC8E8BA88C5}"/>
+              </a:ext>
+            </a:extLst>
+          </p:cNvPr>
+          <p:cNvSpPr>
+            <a:spLocks noGrp="1"/>
+          </p:cNvSpPr>
+          <p:nvPr>
+            <p:ph idx="1"/>
+          </p:nvPr>
+        </p:nvSpPr>
+        <p:spPr/>
+        <p:txBody>
+          <a:bodyPr/>
+          <a:lstStyle/>
+          <a:p>
+            <a:r>
+              <a:rPr lang="nl-NL" dirty="0"/>
+              <a:t>Download Postman: </a:t>
+            </a:r>
+            <a:br>
+              <a:rPr lang="nl-NL" dirty="0"/>
+            </a:br>
+            <a:br>
+              <a:rPr lang="nl-NL" dirty="0"/>
+            </a:br>
+            <a:r>
+              <a:rPr lang="nl-NL" dirty="0">
+                <a:hlinkClick r:id="rId2"/>
+              </a:rPr>
+              <a:t>https://www.getpostman.com/downloads</a:t>
+            </a:r>
+            <a:endParaRPr lang="nl-NL" dirty="0"/>
+          </a:p>
+          <a:p>
+            <a:endParaRPr lang="nl-NL" dirty="0"/>
+          </a:p>
+          <a:p>
+            <a:r>
+              <a:rPr lang="nl-NL" dirty="0"/>
+              <a:t>Importeer de collecties uit deze folder:</a:t>
+            </a:r>
+            <a:br>
+              <a:rPr lang="nl-NL" dirty="0"/>
+            </a:br>
+            <a:br>
+              <a:rPr lang="nl-NL" dirty="0"/>
+            </a:br>
+            <a:r>
+              <a:rPr lang="nl-NL" dirty="0">
+                <a:hlinkClick r:id="rId3"/>
+              </a:rPr>
+              <a:t>https://github.com/VNG-Realisatie/api-testvoorziening/blob/master/doc/api_lab</a:t>
+            </a:r>
+            <a:endParaRPr lang="nl-NL" dirty="0"/>
+          </a:p>
+          <a:p>
+            <a:endParaRPr lang="nl-NL" dirty="0"/>
+          </a:p>
+          <a:p>
+            <a:endParaRPr lang="nl-NL" dirty="0"/>
+          </a:p>
+        </p:txBody>
+      </p:sp>
+      <p:pic>
+        <p:nvPicPr>
+          <p:cNvPr id="5" name="Graphic 4">
+            <a:extLst>
+              <a:ext uri="{FF2B5EF4-FFF2-40B4-BE49-F238E27FC236}">
+                <a16:creationId xmlns:a16="http://schemas.microsoft.com/office/drawing/2014/main" id="{29950D09-50D4-4DE6-A99A-EBE781D01213}"/>
+              </a:ext>
+            </a:extLst>
+          </p:cNvPr>
+          <p:cNvPicPr>
+            <a:picLocks noChangeAspect="1"/>
+          </p:cNvPicPr>
+          <p:nvPr/>
+        </p:nvPicPr>
+        <p:blipFill>
+          <a:blip r:embed="rId4">
+            <a:extLst>
+              <a:ext uri="{28A0092B-C50C-407E-A947-70E740481C1C}">
+                <a14:useLocalDpi xmlns:a14="http://schemas.microsoft.com/office/drawing/2010/main" val="0"/>
+              </a:ext>
+              <a:ext uri="{96DAC541-7B7A-43D3-8B79-37D633B846F1}">
+                <asvg:svgBlip xmlns:asvg="http://schemas.microsoft.com/office/drawing/2016/SVG/main" r:embed="rId5"/>
+              </a:ext>
+            </a:extLst>
+          </a:blip>
+          <a:stretch>
+            <a:fillRect/>
+          </a:stretch>
+        </p:blipFill>
+        <p:spPr>
+          <a:xfrm>
+            <a:off x="3143443" y="385367"/>
+            <a:ext cx="2382955" cy="915193"/>
+          </a:xfrm>
+          <a:prstGeom prst="rect">
+            <a:avLst/>
+          </a:prstGeom>
+        </p:spPr>
+      </p:pic>
+    </p:spTree>
+    <p:extLst>
+      <p:ext uri="{BB962C8B-B14F-4D97-AF65-F5344CB8AC3E}">
+        <p14:creationId xmlns:p14="http://schemas.microsoft.com/office/powerpoint/2010/main" val="729468892"/>
+      </p:ext>
+    </p:extLst>
+  </p:cSld>
+  <p:clrMapOvr>
+    <a:masterClrMapping/>
+  </p:clrMapOvr>
+</p:sld>
+</file>
+
+<file path=ppt/slides/slide22.xml><?xml version="1.0" encoding="utf-8"?>
+<p:sld xmlns:a="http://schemas.openxmlformats.org/drawingml/2006/main" xmlns:r="http://schemas.openxmlformats.org/officeDocument/2006/relationships" xmlns:p="http://schemas.openxmlformats.org/presentationml/2006/main">
+  <p:cSld>
+    <p:spTree>
+      <p:nvGrpSpPr>
+        <p:cNvPr id="1" name=""/>
+        <p:cNvGrpSpPr/>
+        <p:nvPr/>
+      </p:nvGrpSpPr>
+      <p:grpSpPr>
+        <a:xfrm>
+          <a:off x="0" y="0"/>
+          <a:ext cx="0" cy="0"/>
+          <a:chOff x="0" y="0"/>
+          <a:chExt cx="0" cy="0"/>
+        </a:xfrm>
+      </p:grpSpPr>
+      <p:pic>
+        <p:nvPicPr>
           <p:cNvPr id="2" name="Afbeelding 1">
             <a:extLst>
               <a:ext uri="{FF2B5EF4-FFF2-40B4-BE49-F238E27FC236}">
@@ -5963,10 +7892,682 @@
           </a:prstGeom>
         </p:spPr>
       </p:pic>
+      <p:sp>
+        <p:nvSpPr>
+          <p:cNvPr id="4" name="Tekstballon: ovaal 3">
+            <a:extLst>
+              <a:ext uri="{FF2B5EF4-FFF2-40B4-BE49-F238E27FC236}">
+                <a16:creationId xmlns:a16="http://schemas.microsoft.com/office/drawing/2014/main" id="{64C2D08E-C1AB-49E3-9BAB-11EB44620D93}"/>
+              </a:ext>
+            </a:extLst>
+          </p:cNvPr>
+          <p:cNvSpPr/>
+          <p:nvPr/>
+        </p:nvSpPr>
+        <p:spPr>
+          <a:xfrm>
+            <a:off x="8220269" y="3713585"/>
+            <a:ext cx="3844213" cy="1390260"/>
+          </a:xfrm>
+          <a:prstGeom prst="wedgeEllipseCallout">
+            <a:avLst>
+              <a:gd name="adj1" fmla="val -235786"/>
+              <a:gd name="adj2" fmla="val -265110"/>
+            </a:avLst>
+          </a:prstGeom>
+          <a:noFill/>
+        </p:spPr>
+        <p:style>
+          <a:lnRef idx="2">
+            <a:schemeClr val="accent1">
+              <a:shade val="50000"/>
+            </a:schemeClr>
+          </a:lnRef>
+          <a:fillRef idx="1">
+            <a:schemeClr val="accent1"/>
+          </a:fillRef>
+          <a:effectRef idx="0">
+            <a:schemeClr val="accent1"/>
+          </a:effectRef>
+          <a:fontRef idx="minor">
+            <a:schemeClr val="lt1"/>
+          </a:fontRef>
+        </p:style>
+        <p:txBody>
+          <a:bodyPr rtlCol="0" anchor="ctr"/>
+          <a:lstStyle/>
+          <a:p>
+            <a:pPr algn="ctr"/>
+            <a:r>
+              <a:rPr lang="nl-NL" sz="2800" dirty="0">
+                <a:solidFill>
+                  <a:srgbClr val="FF0000"/>
+                </a:solidFill>
+              </a:rPr>
+              <a:t>Klik hier om een collectie te importeren</a:t>
+            </a:r>
+          </a:p>
+        </p:txBody>
+      </p:sp>
     </p:spTree>
     <p:extLst>
       <p:ext uri="{BB962C8B-B14F-4D97-AF65-F5344CB8AC3E}">
         <p14:creationId xmlns:p14="http://schemas.microsoft.com/office/powerpoint/2010/main" val="718615759"/>
+      </p:ext>
+    </p:extLst>
+  </p:cSld>
+  <p:clrMapOvr>
+    <a:masterClrMapping/>
+  </p:clrMapOvr>
+</p:sld>
+</file>
+
+<file path=ppt/slides/slide23.xml><?xml version="1.0" encoding="utf-8"?>
+<p:sld xmlns:a="http://schemas.openxmlformats.org/drawingml/2006/main" xmlns:r="http://schemas.openxmlformats.org/officeDocument/2006/relationships" xmlns:p="http://schemas.openxmlformats.org/presentationml/2006/main">
+  <p:cSld>
+    <p:spTree>
+      <p:nvGrpSpPr>
+        <p:cNvPr id="1" name=""/>
+        <p:cNvGrpSpPr/>
+        <p:nvPr/>
+      </p:nvGrpSpPr>
+      <p:grpSpPr>
+        <a:xfrm>
+          <a:off x="0" y="0"/>
+          <a:ext cx="0" cy="0"/>
+          <a:chOff x="0" y="0"/>
+          <a:chExt cx="0" cy="0"/>
+        </a:xfrm>
+      </p:grpSpPr>
+      <p:graphicFrame>
+        <p:nvGraphicFramePr>
+          <p:cNvPr id="44" name="Tabel 43">
+            <a:extLst>
+              <a:ext uri="{FF2B5EF4-FFF2-40B4-BE49-F238E27FC236}">
+                <a16:creationId xmlns:a16="http://schemas.microsoft.com/office/drawing/2014/main" id="{D45A34F6-20E5-4014-ABB9-0C2CF2B1C272}"/>
+              </a:ext>
+            </a:extLst>
+          </p:cNvPr>
+          <p:cNvGraphicFramePr>
+            <a:graphicFrameLocks noGrp="1"/>
+          </p:cNvGraphicFramePr>
+          <p:nvPr>
+            <p:extLst>
+              <p:ext uri="{D42A27DB-BD31-4B8C-83A1-F6EECF244321}">
+                <p14:modId xmlns:p14="http://schemas.microsoft.com/office/powerpoint/2010/main" val="900677308"/>
+              </p:ext>
+            </p:extLst>
+          </p:nvPr>
+        </p:nvGraphicFramePr>
+        <p:xfrm>
+          <a:off x="383074" y="161083"/>
+          <a:ext cx="10095204" cy="6277041"/>
+        </p:xfrm>
+        <a:graphic>
+          <a:graphicData uri="http://schemas.openxmlformats.org/drawingml/2006/table">
+            <a:tbl>
+              <a:tblPr firstRow="1" bandRow="1">
+                <a:tableStyleId>{5C22544A-7EE6-4342-B048-85BDC9FD1C3A}</a:tableStyleId>
+              </a:tblPr>
+              <a:tblGrid>
+                <a:gridCol w="1292586">
+                  <a:extLst>
+                    <a:ext uri="{9D8B030D-6E8A-4147-A177-3AD203B41FA5}">
+                      <a16:colId xmlns:a16="http://schemas.microsoft.com/office/drawing/2014/main" val="22461773"/>
+                    </a:ext>
+                  </a:extLst>
+                </a:gridCol>
+                <a:gridCol w="1743112">
+                  <a:extLst>
+                    <a:ext uri="{9D8B030D-6E8A-4147-A177-3AD203B41FA5}">
+                      <a16:colId xmlns:a16="http://schemas.microsoft.com/office/drawing/2014/main" val="404899645"/>
+                    </a:ext>
+                  </a:extLst>
+                </a:gridCol>
+                <a:gridCol w="7059506">
+                  <a:extLst>
+                    <a:ext uri="{9D8B030D-6E8A-4147-A177-3AD203B41FA5}">
+                      <a16:colId xmlns:a16="http://schemas.microsoft.com/office/drawing/2014/main" val="2048524498"/>
+                    </a:ext>
+                  </a:extLst>
+                </a:gridCol>
+              </a:tblGrid>
+              <a:tr h="554089">
+                <a:tc>
+                  <a:txBody>
+                    <a:bodyPr/>
+                    <a:lstStyle/>
+                    <a:p>
+                      <a:r>
+                        <a:rPr lang="nl-NL" dirty="0"/>
+                        <a:t>Sprint</a:t>
+                      </a:r>
+                    </a:p>
+                  </a:txBody>
+                  <a:tcPr/>
+                </a:tc>
+                <a:tc>
+                  <a:txBody>
+                    <a:bodyPr/>
+                    <a:lstStyle/>
+                    <a:p>
+                      <a:r>
+                        <a:rPr lang="nl-NL" dirty="0"/>
+                        <a:t>Maand</a:t>
+                      </a:r>
+                    </a:p>
+                  </a:txBody>
+                  <a:tcPr/>
+                </a:tc>
+                <a:tc>
+                  <a:txBody>
+                    <a:bodyPr/>
+                    <a:lstStyle/>
+                    <a:p>
+                      <a:r>
+                        <a:rPr lang="nl-NL" dirty="0"/>
+                        <a:t>Functionaliteit</a:t>
+                      </a:r>
+                    </a:p>
+                  </a:txBody>
+                  <a:tcPr/>
+                </a:tc>
+                <a:extLst>
+                  <a:ext uri="{0D108BD9-81ED-4DB2-BD59-A6C34878D82A}">
+                    <a16:rowId xmlns:a16="http://schemas.microsoft.com/office/drawing/2014/main" val="690792762"/>
+                  </a:ext>
+                </a:extLst>
+              </a:tr>
+              <a:tr h="502168">
+                <a:tc>
+                  <a:txBody>
+                    <a:bodyPr/>
+                    <a:lstStyle/>
+                    <a:p>
+                      <a:r>
+                        <a:rPr lang="nl-NL" dirty="0"/>
+                        <a:t>1</a:t>
+                      </a:r>
+                    </a:p>
+                  </a:txBody>
+                  <a:tcPr/>
+                </a:tc>
+                <a:tc>
+                  <a:txBody>
+                    <a:bodyPr/>
+                    <a:lstStyle/>
+                    <a:p>
+                      <a:r>
+                        <a:rPr lang="nl-NL" dirty="0"/>
+                        <a:t>December</a:t>
+                      </a:r>
+                    </a:p>
+                  </a:txBody>
+                  <a:tcPr/>
+                </a:tc>
+                <a:tc>
+                  <a:txBody>
+                    <a:bodyPr/>
+                    <a:lstStyle/>
+                    <a:p>
+                      <a:r>
+                        <a:rPr lang="nl-NL" dirty="0"/>
+                        <a:t>Client </a:t>
+                      </a:r>
+                      <a:r>
+                        <a:rPr lang="nl-NL" dirty="0" err="1"/>
+                        <a:t>testing</a:t>
+                      </a:r>
+                      <a:endParaRPr lang="nl-NL" dirty="0"/>
+                    </a:p>
+                  </a:txBody>
+                  <a:tcPr/>
+                </a:tc>
+                <a:extLst>
+                  <a:ext uri="{0D108BD9-81ED-4DB2-BD59-A6C34878D82A}">
+                    <a16:rowId xmlns:a16="http://schemas.microsoft.com/office/drawing/2014/main" val="3846075390"/>
+                  </a:ext>
+                </a:extLst>
+              </a:tr>
+              <a:tr h="652336">
+                <a:tc>
+                  <a:txBody>
+                    <a:bodyPr/>
+                    <a:lstStyle/>
+                    <a:p>
+                      <a:r>
+                        <a:rPr lang="nl-NL" dirty="0"/>
+                        <a:t>2</a:t>
+                      </a:r>
+                    </a:p>
+                  </a:txBody>
+                  <a:tcPr/>
+                </a:tc>
+                <a:tc>
+                  <a:txBody>
+                    <a:bodyPr/>
+                    <a:lstStyle/>
+                    <a:p>
+                      <a:r>
+                        <a:rPr lang="nl-NL" dirty="0"/>
+                        <a:t>Januari</a:t>
+                      </a:r>
+                    </a:p>
+                  </a:txBody>
+                  <a:tcPr/>
+                </a:tc>
+                <a:tc>
+                  <a:txBody>
+                    <a:bodyPr/>
+                    <a:lstStyle/>
+                    <a:p>
+                      <a:r>
+                        <a:rPr lang="nl-NL" dirty="0"/>
+                        <a:t>Provider </a:t>
+                      </a:r>
+                      <a:r>
+                        <a:rPr lang="nl-NL" dirty="0" err="1"/>
+                        <a:t>testing</a:t>
+                      </a:r>
+                      <a:endParaRPr lang="nl-NL" dirty="0"/>
+                    </a:p>
+                  </a:txBody>
+                  <a:tcPr/>
+                </a:tc>
+                <a:extLst>
+                  <a:ext uri="{0D108BD9-81ED-4DB2-BD59-A6C34878D82A}">
+                    <a16:rowId xmlns:a16="http://schemas.microsoft.com/office/drawing/2014/main" val="3973330107"/>
+                  </a:ext>
+                </a:extLst>
+              </a:tr>
+              <a:tr h="573907">
+                <a:tc>
+                  <a:txBody>
+                    <a:bodyPr/>
+                    <a:lstStyle/>
+                    <a:p>
+                      <a:r>
+                        <a:rPr lang="nl-NL" dirty="0"/>
+                        <a:t>3</a:t>
+                      </a:r>
+                    </a:p>
+                  </a:txBody>
+                  <a:tcPr/>
+                </a:tc>
+                <a:tc>
+                  <a:txBody>
+                    <a:bodyPr/>
+                    <a:lstStyle/>
+                    <a:p>
+                      <a:r>
+                        <a:rPr lang="nl-NL" dirty="0"/>
+                        <a:t>Februari</a:t>
+                      </a:r>
+                    </a:p>
+                  </a:txBody>
+                  <a:tcPr/>
+                </a:tc>
+                <a:tc>
+                  <a:txBody>
+                    <a:bodyPr/>
+                    <a:lstStyle/>
+                    <a:p>
+                      <a:r>
+                        <a:rPr lang="nl-NL" dirty="0"/>
+                        <a:t>Meerdere tests tegelijk (introductie </a:t>
+                      </a:r>
+                      <a:r>
+                        <a:rPr lang="nl-NL" dirty="0" err="1"/>
+                        <a:t>Kubernetes</a:t>
+                      </a:r>
+                      <a:r>
+                        <a:rPr lang="nl-NL" dirty="0"/>
+                        <a:t>)</a:t>
+                      </a:r>
+                    </a:p>
+                  </a:txBody>
+                  <a:tcPr/>
+                </a:tc>
+                <a:extLst>
+                  <a:ext uri="{0D108BD9-81ED-4DB2-BD59-A6C34878D82A}">
+                    <a16:rowId xmlns:a16="http://schemas.microsoft.com/office/drawing/2014/main" val="864866471"/>
+                  </a:ext>
+                </a:extLst>
+              </a:tr>
+              <a:tr h="533898">
+                <a:tc>
+                  <a:txBody>
+                    <a:bodyPr/>
+                    <a:lstStyle/>
+                    <a:p>
+                      <a:r>
+                        <a:rPr lang="nl-NL" dirty="0"/>
+                        <a:t>4</a:t>
+                      </a:r>
+                    </a:p>
+                  </a:txBody>
+                  <a:tcPr/>
+                </a:tc>
+                <a:tc>
+                  <a:txBody>
+                    <a:bodyPr/>
+                    <a:lstStyle/>
+                    <a:p>
+                      <a:r>
+                        <a:rPr lang="nl-NL" dirty="0"/>
+                        <a:t>Maart </a:t>
+                      </a:r>
+                    </a:p>
+                  </a:txBody>
+                  <a:tcPr/>
+                </a:tc>
+                <a:tc>
+                  <a:txBody>
+                    <a:bodyPr/>
+                    <a:lstStyle/>
+                    <a:p>
+                      <a:r>
+                        <a:rPr lang="nl-NL" dirty="0"/>
+                        <a:t>Prototype omzetten naar bruikbare applicatie</a:t>
+                      </a:r>
+                    </a:p>
+                  </a:txBody>
+                  <a:tcPr/>
+                </a:tc>
+                <a:extLst>
+                  <a:ext uri="{0D108BD9-81ED-4DB2-BD59-A6C34878D82A}">
+                    <a16:rowId xmlns:a16="http://schemas.microsoft.com/office/drawing/2014/main" val="2278337675"/>
+                  </a:ext>
+                </a:extLst>
+              </a:tr>
+              <a:tr h="592023">
+                <a:tc>
+                  <a:txBody>
+                    <a:bodyPr/>
+                    <a:lstStyle/>
+                    <a:p>
+                      <a:r>
+                        <a:rPr lang="nl-NL" dirty="0"/>
+                        <a:t>5</a:t>
+                      </a:r>
+                    </a:p>
+                  </a:txBody>
+                  <a:tcPr/>
+                </a:tc>
+                <a:tc>
+                  <a:txBody>
+                    <a:bodyPr/>
+                    <a:lstStyle/>
+                    <a:p>
+                      <a:r>
+                        <a:rPr lang="nl-NL" dirty="0"/>
+                        <a:t>April</a:t>
+                      </a:r>
+                    </a:p>
+                  </a:txBody>
+                  <a:tcPr/>
+                </a:tc>
+                <a:tc>
+                  <a:txBody>
+                    <a:bodyPr/>
+                    <a:lstStyle/>
+                    <a:p>
+                      <a:r>
+                        <a:rPr lang="nl-NL" dirty="0"/>
+                        <a:t>Functionaliteit verrijken met o.a. badges en betere rapportages. </a:t>
+                      </a:r>
+                    </a:p>
+                  </a:txBody>
+                  <a:tcPr/>
+                </a:tc>
+                <a:extLst>
+                  <a:ext uri="{0D108BD9-81ED-4DB2-BD59-A6C34878D82A}">
+                    <a16:rowId xmlns:a16="http://schemas.microsoft.com/office/drawing/2014/main" val="3409980945"/>
+                  </a:ext>
+                </a:extLst>
+              </a:tr>
+              <a:tr h="717383">
+                <a:tc>
+                  <a:txBody>
+                    <a:bodyPr/>
+                    <a:lstStyle/>
+                    <a:p>
+                      <a:r>
+                        <a:rPr lang="nl-NL" dirty="0"/>
+                        <a:t>6</a:t>
+                      </a:r>
+                    </a:p>
+                  </a:txBody>
+                  <a:tcPr/>
+                </a:tc>
+                <a:tc>
+                  <a:txBody>
+                    <a:bodyPr/>
+                    <a:lstStyle/>
+                    <a:p>
+                      <a:r>
+                        <a:rPr lang="nl-NL" dirty="0"/>
+                        <a:t>Mei</a:t>
+                      </a:r>
+                    </a:p>
+                  </a:txBody>
+                  <a:tcPr/>
+                </a:tc>
+                <a:tc>
+                  <a:txBody>
+                    <a:bodyPr/>
+                    <a:lstStyle/>
+                    <a:p>
+                      <a:r>
+                        <a:rPr lang="nl-NL" dirty="0" err="1"/>
+                        <a:t>Admin</a:t>
+                      </a:r>
+                      <a:r>
+                        <a:rPr lang="nl-NL" dirty="0"/>
+                        <a:t>-functionaliteit uitbreiden voor API-beheerders zodat ze zelf testscenario’s kunnen configureren</a:t>
+                      </a:r>
+                    </a:p>
+                  </a:txBody>
+                  <a:tcPr/>
+                </a:tc>
+                <a:extLst>
+                  <a:ext uri="{0D108BD9-81ED-4DB2-BD59-A6C34878D82A}">
+                    <a16:rowId xmlns:a16="http://schemas.microsoft.com/office/drawing/2014/main" val="1183718332"/>
+                  </a:ext>
+                </a:extLst>
+              </a:tr>
+              <a:tr h="555791">
+                <a:tc>
+                  <a:txBody>
+                    <a:bodyPr/>
+                    <a:lstStyle/>
+                    <a:p>
+                      <a:r>
+                        <a:rPr lang="nl-NL" dirty="0"/>
+                        <a:t>7</a:t>
+                      </a:r>
+                    </a:p>
+                  </a:txBody>
+                  <a:tcPr/>
+                </a:tc>
+                <a:tc>
+                  <a:txBody>
+                    <a:bodyPr/>
+                    <a:lstStyle/>
+                    <a:p>
+                      <a:r>
+                        <a:rPr lang="nl-NL" dirty="0"/>
+                        <a:t>Juni</a:t>
+                      </a:r>
+                    </a:p>
+                  </a:txBody>
+                  <a:tcPr/>
+                </a:tc>
+                <a:tc>
+                  <a:txBody>
+                    <a:bodyPr/>
+                    <a:lstStyle/>
+                    <a:p>
+                      <a:r>
+                        <a:rPr lang="nl-NL" dirty="0"/>
+                        <a:t>Gereed maken voor productie en overdragen aan beheer.</a:t>
+                      </a:r>
+                    </a:p>
+                  </a:txBody>
+                  <a:tcPr/>
+                </a:tc>
+                <a:extLst>
+                  <a:ext uri="{0D108BD9-81ED-4DB2-BD59-A6C34878D82A}">
+                    <a16:rowId xmlns:a16="http://schemas.microsoft.com/office/drawing/2014/main" val="2608709121"/>
+                  </a:ext>
+                </a:extLst>
+              </a:tr>
+              <a:tr h="502168">
+                <a:tc>
+                  <a:txBody>
+                    <a:bodyPr/>
+                    <a:lstStyle/>
+                    <a:p>
+                      <a:r>
+                        <a:rPr lang="nl-NL" dirty="0"/>
+                        <a:t>8</a:t>
+                      </a:r>
+                    </a:p>
+                  </a:txBody>
+                  <a:tcPr/>
+                </a:tc>
+                <a:tc>
+                  <a:txBody>
+                    <a:bodyPr/>
+                    <a:lstStyle/>
+                    <a:p>
+                      <a:r>
+                        <a:rPr lang="nl-NL" dirty="0"/>
+                        <a:t>Juli</a:t>
+                      </a:r>
+                    </a:p>
+                  </a:txBody>
+                  <a:tcPr/>
+                </a:tc>
+                <a:tc>
+                  <a:txBody>
+                    <a:bodyPr/>
+                    <a:lstStyle/>
+                    <a:p>
+                      <a:r>
+                        <a:rPr lang="nl-NL" dirty="0"/>
+                        <a:t>Go Live en directe ondersteuning vanuit productie</a:t>
+                      </a:r>
+                    </a:p>
+                  </a:txBody>
+                  <a:tcPr/>
+                </a:tc>
+                <a:extLst>
+                  <a:ext uri="{0D108BD9-81ED-4DB2-BD59-A6C34878D82A}">
+                    <a16:rowId xmlns:a16="http://schemas.microsoft.com/office/drawing/2014/main" val="594687459"/>
+                  </a:ext>
+                </a:extLst>
+              </a:tr>
+              <a:tr h="430430">
+                <a:tc>
+                  <a:txBody>
+                    <a:bodyPr/>
+                    <a:lstStyle/>
+                    <a:p>
+                      <a:r>
+                        <a:rPr lang="nl-NL" dirty="0"/>
+                        <a:t>9</a:t>
+                      </a:r>
+                    </a:p>
+                  </a:txBody>
+                  <a:tcPr/>
+                </a:tc>
+                <a:tc>
+                  <a:txBody>
+                    <a:bodyPr/>
+                    <a:lstStyle/>
+                    <a:p>
+                      <a:r>
+                        <a:rPr lang="nl-NL" dirty="0"/>
+                        <a:t>Augustus</a:t>
+                      </a:r>
+                    </a:p>
+                  </a:txBody>
+                  <a:tcPr/>
+                </a:tc>
+                <a:tc>
+                  <a:txBody>
+                    <a:bodyPr/>
+                    <a:lstStyle/>
+                    <a:p>
+                      <a:r>
+                        <a:rPr lang="nl-NL" dirty="0"/>
+                        <a:t>Doorontwikkeling n.a.v. daadwerkelijk gebruik</a:t>
+                      </a:r>
+                    </a:p>
+                  </a:txBody>
+                  <a:tcPr/>
+                </a:tc>
+                <a:extLst>
+                  <a:ext uri="{0D108BD9-81ED-4DB2-BD59-A6C34878D82A}">
+                    <a16:rowId xmlns:a16="http://schemas.microsoft.com/office/drawing/2014/main" val="247554574"/>
+                  </a:ext>
+                </a:extLst>
+              </a:tr>
+              <a:tr h="662848">
+                <a:tc>
+                  <a:txBody>
+                    <a:bodyPr/>
+                    <a:lstStyle/>
+                    <a:p>
+                      <a:r>
+                        <a:rPr lang="nl-NL" dirty="0"/>
+                        <a:t>10</a:t>
+                      </a:r>
+                    </a:p>
+                  </a:txBody>
+                  <a:tcPr/>
+                </a:tc>
+                <a:tc>
+                  <a:txBody>
+                    <a:bodyPr/>
+                    <a:lstStyle/>
+                    <a:p>
+                      <a:r>
+                        <a:rPr lang="nl-NL" dirty="0"/>
+                        <a:t>September</a:t>
+                      </a:r>
+                    </a:p>
+                  </a:txBody>
+                  <a:tcPr/>
+                </a:tc>
+                <a:tc>
+                  <a:txBody>
+                    <a:bodyPr/>
+                    <a:lstStyle/>
+                    <a:p>
+                      <a:r>
+                        <a:rPr lang="nl-NL" dirty="0"/>
+                        <a:t>Doorontwikkeling overdragen naar beheer. </a:t>
+                      </a:r>
+                    </a:p>
+                  </a:txBody>
+                  <a:tcPr/>
+                </a:tc>
+                <a:extLst>
+                  <a:ext uri="{0D108BD9-81ED-4DB2-BD59-A6C34878D82A}">
+                    <a16:rowId xmlns:a16="http://schemas.microsoft.com/office/drawing/2014/main" val="2063144378"/>
+                  </a:ext>
+                </a:extLst>
+              </a:tr>
+            </a:tbl>
+          </a:graphicData>
+        </a:graphic>
+      </p:graphicFrame>
+    </p:spTree>
+    <p:extLst>
+      <p:ext uri="{BB962C8B-B14F-4D97-AF65-F5344CB8AC3E}">
+        <p14:creationId xmlns:p14="http://schemas.microsoft.com/office/powerpoint/2010/main" val="4204737650"/>
       </p:ext>
     </p:extLst>
   </p:cSld>
@@ -6055,6 +8656,1553 @@
       </p:grpSpPr>
       <p:sp>
         <p:nvSpPr>
+          <p:cNvPr id="2" name="Rechthoek 1">
+            <a:extLst>
+              <a:ext uri="{FF2B5EF4-FFF2-40B4-BE49-F238E27FC236}">
+                <a16:creationId xmlns:a16="http://schemas.microsoft.com/office/drawing/2014/main" id="{E60CFDF2-18F3-4815-9C70-F25F663E6504}"/>
+              </a:ext>
+            </a:extLst>
+          </p:cNvPr>
+          <p:cNvSpPr/>
+          <p:nvPr/>
+        </p:nvSpPr>
+        <p:spPr>
+          <a:xfrm>
+            <a:off x="256910" y="2132856"/>
+            <a:ext cx="2880321" cy="2152650"/>
+          </a:xfrm>
+          <a:prstGeom prst="rect">
+            <a:avLst/>
+          </a:prstGeom>
+          <a:solidFill>
+            <a:schemeClr val="accent5">
+              <a:lumMod val="20000"/>
+              <a:lumOff val="80000"/>
+              <a:alpha val="37000"/>
+            </a:schemeClr>
+          </a:solidFill>
+          <a:ln w="44450">
+            <a:solidFill>
+              <a:srgbClr val="FF0000"/>
+            </a:solidFill>
+          </a:ln>
+        </p:spPr>
+        <p:style>
+          <a:lnRef idx="2">
+            <a:schemeClr val="accent1">
+              <a:shade val="50000"/>
+            </a:schemeClr>
+          </a:lnRef>
+          <a:fillRef idx="1">
+            <a:schemeClr val="accent1"/>
+          </a:fillRef>
+          <a:effectRef idx="0">
+            <a:schemeClr val="accent1"/>
+          </a:effectRef>
+          <a:fontRef idx="minor">
+            <a:schemeClr val="lt1"/>
+          </a:fontRef>
+        </p:style>
+        <p:txBody>
+          <a:bodyPr rtlCol="0" anchor="ctr"/>
+          <a:lstStyle/>
+          <a:p>
+            <a:pPr algn="ctr"/>
+            <a:endParaRPr lang="nl-NL"/>
+          </a:p>
+        </p:txBody>
+      </p:sp>
+      <p:sp>
+        <p:nvSpPr>
+          <p:cNvPr id="3" name="Titel 5">
+            <a:extLst>
+              <a:ext uri="{FF2B5EF4-FFF2-40B4-BE49-F238E27FC236}">
+                <a16:creationId xmlns:a16="http://schemas.microsoft.com/office/drawing/2014/main" id="{B7E5A2BF-6FE9-4D7A-BBCD-926BAE6962B9}"/>
+              </a:ext>
+            </a:extLst>
+          </p:cNvPr>
+          <p:cNvSpPr txBox="1">
+            <a:spLocks/>
+          </p:cNvSpPr>
+          <p:nvPr/>
+        </p:nvSpPr>
+        <p:spPr>
+          <a:xfrm>
+            <a:off x="2063552" y="177637"/>
+            <a:ext cx="6776876" cy="720000"/>
+          </a:xfrm>
+          <a:prstGeom prst="rect">
+            <a:avLst/>
+          </a:prstGeom>
+        </p:spPr>
+        <p:txBody>
+          <a:bodyPr/>
+          <a:lstStyle>
+            <a:lvl1pPr algn="l" defTabSz="914400" rtl="0" eaLnBrk="1" latinLnBrk="0" hangingPunct="1">
+              <a:lnSpc>
+                <a:spcPct val="90000"/>
+              </a:lnSpc>
+              <a:spcBef>
+                <a:spcPct val="0"/>
+              </a:spcBef>
+              <a:buNone/>
+              <a:defRPr sz="4400" kern="1200">
+                <a:solidFill>
+                  <a:schemeClr val="tx1"/>
+                </a:solidFill>
+                <a:latin typeface="+mj-lt"/>
+                <a:ea typeface="+mj-ea"/>
+                <a:cs typeface="+mj-cs"/>
+              </a:defRPr>
+            </a:lvl1pPr>
+          </a:lstStyle>
+          <a:p>
+            <a:r>
+              <a:rPr lang="nl-NL" dirty="0"/>
+              <a:t>Testen van de </a:t>
+            </a:r>
+            <a:r>
+              <a:rPr lang="nl-NL" dirty="0" err="1"/>
+              <a:t>consumer</a:t>
+            </a:r>
+            <a:endParaRPr lang="nl-NL" dirty="0"/>
+          </a:p>
+        </p:txBody>
+      </p:sp>
+      <p:sp>
+        <p:nvSpPr>
+          <p:cNvPr id="4" name="Rechthoek 3">
+            <a:extLst>
+              <a:ext uri="{FF2B5EF4-FFF2-40B4-BE49-F238E27FC236}">
+                <a16:creationId xmlns:a16="http://schemas.microsoft.com/office/drawing/2014/main" id="{82F068B2-BA71-4E2B-BA9D-6DA9B66523D5}"/>
+              </a:ext>
+            </a:extLst>
+          </p:cNvPr>
+          <p:cNvSpPr/>
+          <p:nvPr/>
+        </p:nvSpPr>
+        <p:spPr>
+          <a:xfrm>
+            <a:off x="9006470" y="548680"/>
+            <a:ext cx="2932388" cy="5544616"/>
+          </a:xfrm>
+          <a:prstGeom prst="rect">
+            <a:avLst/>
+          </a:prstGeom>
+          <a:solidFill>
+            <a:schemeClr val="accent5">
+              <a:lumMod val="20000"/>
+              <a:lumOff val="80000"/>
+              <a:alpha val="37000"/>
+            </a:schemeClr>
+          </a:solidFill>
+        </p:spPr>
+        <p:style>
+          <a:lnRef idx="2">
+            <a:schemeClr val="accent1">
+              <a:shade val="50000"/>
+            </a:schemeClr>
+          </a:lnRef>
+          <a:fillRef idx="1">
+            <a:schemeClr val="accent1"/>
+          </a:fillRef>
+          <a:effectRef idx="0">
+            <a:schemeClr val="accent1"/>
+          </a:effectRef>
+          <a:fontRef idx="minor">
+            <a:schemeClr val="lt1"/>
+          </a:fontRef>
+        </p:style>
+        <p:txBody>
+          <a:bodyPr rtlCol="0" anchor="ctr"/>
+          <a:lstStyle/>
+          <a:p>
+            <a:pPr algn="ctr"/>
+            <a:endParaRPr lang="nl-NL"/>
+          </a:p>
+        </p:txBody>
+      </p:sp>
+      <p:sp>
+        <p:nvSpPr>
+          <p:cNvPr id="5" name="Rechthoek 4">
+            <a:extLst>
+              <a:ext uri="{FF2B5EF4-FFF2-40B4-BE49-F238E27FC236}">
+                <a16:creationId xmlns:a16="http://schemas.microsoft.com/office/drawing/2014/main" id="{B08B277D-76A6-40AF-A5E4-491A982DB408}"/>
+              </a:ext>
+            </a:extLst>
+          </p:cNvPr>
+          <p:cNvSpPr/>
+          <p:nvPr/>
+        </p:nvSpPr>
+        <p:spPr>
+          <a:xfrm>
+            <a:off x="9274561" y="823764"/>
+            <a:ext cx="2498255" cy="949052"/>
+          </a:xfrm>
+          <a:prstGeom prst="rect">
+            <a:avLst/>
+          </a:prstGeom>
+        </p:spPr>
+        <p:style>
+          <a:lnRef idx="2">
+            <a:schemeClr val="accent1">
+              <a:shade val="50000"/>
+            </a:schemeClr>
+          </a:lnRef>
+          <a:fillRef idx="1">
+            <a:schemeClr val="accent1"/>
+          </a:fillRef>
+          <a:effectRef idx="0">
+            <a:schemeClr val="accent1"/>
+          </a:effectRef>
+          <a:fontRef idx="minor">
+            <a:schemeClr val="lt1"/>
+          </a:fontRef>
+        </p:style>
+        <p:txBody>
+          <a:bodyPr rtlCol="0" anchor="ctr"/>
+          <a:lstStyle/>
+          <a:p>
+            <a:pPr algn="ctr"/>
+            <a:r>
+              <a:rPr lang="nl-NL" dirty="0"/>
+              <a:t>Zaken</a:t>
+            </a:r>
+            <a:br>
+              <a:rPr lang="nl-NL" dirty="0"/>
+            </a:br>
+            <a:r>
+              <a:rPr lang="nl-NL" dirty="0"/>
+              <a:t>(ZRC)</a:t>
+            </a:r>
+          </a:p>
+        </p:txBody>
+      </p:sp>
+      <p:sp>
+        <p:nvSpPr>
+          <p:cNvPr id="6" name="Rechthoek 5">
+            <a:extLst>
+              <a:ext uri="{FF2B5EF4-FFF2-40B4-BE49-F238E27FC236}">
+                <a16:creationId xmlns:a16="http://schemas.microsoft.com/office/drawing/2014/main" id="{F5EBD44A-E7F7-4468-BF80-413321C40E5C}"/>
+              </a:ext>
+            </a:extLst>
+          </p:cNvPr>
+          <p:cNvSpPr/>
+          <p:nvPr/>
+        </p:nvSpPr>
+        <p:spPr>
+          <a:xfrm>
+            <a:off x="9274560" y="2030289"/>
+            <a:ext cx="2498255" cy="966664"/>
+          </a:xfrm>
+          <a:prstGeom prst="rect">
+            <a:avLst/>
+          </a:prstGeom>
+        </p:spPr>
+        <p:style>
+          <a:lnRef idx="2">
+            <a:schemeClr val="accent1">
+              <a:shade val="50000"/>
+            </a:schemeClr>
+          </a:lnRef>
+          <a:fillRef idx="1">
+            <a:schemeClr val="accent1"/>
+          </a:fillRef>
+          <a:effectRef idx="0">
+            <a:schemeClr val="accent1"/>
+          </a:effectRef>
+          <a:fontRef idx="minor">
+            <a:schemeClr val="lt1"/>
+          </a:fontRef>
+        </p:style>
+        <p:txBody>
+          <a:bodyPr rtlCol="0" anchor="ctr"/>
+          <a:lstStyle/>
+          <a:p>
+            <a:pPr algn="ctr"/>
+            <a:r>
+              <a:rPr lang="nl-NL" dirty="0"/>
+              <a:t>Zaaktypen</a:t>
+            </a:r>
+            <a:br>
+              <a:rPr lang="nl-NL" dirty="0"/>
+            </a:br>
+            <a:r>
+              <a:rPr lang="nl-NL" dirty="0"/>
+              <a:t>(ZTC)</a:t>
+            </a:r>
+          </a:p>
+        </p:txBody>
+      </p:sp>
+      <p:sp>
+        <p:nvSpPr>
+          <p:cNvPr id="7" name="Rechthoek 6">
+            <a:extLst>
+              <a:ext uri="{FF2B5EF4-FFF2-40B4-BE49-F238E27FC236}">
+                <a16:creationId xmlns:a16="http://schemas.microsoft.com/office/drawing/2014/main" id="{E75E910B-C155-4D79-8192-7D07DF7A1B53}"/>
+              </a:ext>
+            </a:extLst>
+          </p:cNvPr>
+          <p:cNvSpPr/>
+          <p:nvPr/>
+        </p:nvSpPr>
+        <p:spPr>
+          <a:xfrm>
+            <a:off x="9274560" y="3341712"/>
+            <a:ext cx="2498256" cy="1218497"/>
+          </a:xfrm>
+          <a:prstGeom prst="rect">
+            <a:avLst/>
+          </a:prstGeom>
+        </p:spPr>
+        <p:style>
+          <a:lnRef idx="2">
+            <a:schemeClr val="accent1">
+              <a:shade val="50000"/>
+            </a:schemeClr>
+          </a:lnRef>
+          <a:fillRef idx="1">
+            <a:schemeClr val="accent1"/>
+          </a:fillRef>
+          <a:effectRef idx="0">
+            <a:schemeClr val="accent1"/>
+          </a:effectRef>
+          <a:fontRef idx="minor">
+            <a:schemeClr val="lt1"/>
+          </a:fontRef>
+        </p:style>
+        <p:txBody>
+          <a:bodyPr rtlCol="0" anchor="ctr"/>
+          <a:lstStyle/>
+          <a:p>
+            <a:pPr algn="ctr"/>
+            <a:r>
+              <a:rPr lang="nl-NL" dirty="0"/>
+              <a:t>Documenten</a:t>
+            </a:r>
+            <a:br>
+              <a:rPr lang="nl-NL" dirty="0"/>
+            </a:br>
+            <a:r>
+              <a:rPr lang="nl-NL" dirty="0"/>
+              <a:t>(DRC)</a:t>
+            </a:r>
+          </a:p>
+        </p:txBody>
+      </p:sp>
+      <p:sp>
+        <p:nvSpPr>
+          <p:cNvPr id="8" name="Rechthoek 7">
+            <a:extLst>
+              <a:ext uri="{FF2B5EF4-FFF2-40B4-BE49-F238E27FC236}">
+                <a16:creationId xmlns:a16="http://schemas.microsoft.com/office/drawing/2014/main" id="{5D06DB16-1F2D-4B01-91D5-8E8800942330}"/>
+              </a:ext>
+            </a:extLst>
+          </p:cNvPr>
+          <p:cNvSpPr/>
+          <p:nvPr/>
+        </p:nvSpPr>
+        <p:spPr>
+          <a:xfrm>
+            <a:off x="9274559" y="4797152"/>
+            <a:ext cx="2498256" cy="678632"/>
+          </a:xfrm>
+          <a:prstGeom prst="rect">
+            <a:avLst/>
+          </a:prstGeom>
+        </p:spPr>
+        <p:style>
+          <a:lnRef idx="2">
+            <a:schemeClr val="accent1">
+              <a:shade val="50000"/>
+            </a:schemeClr>
+          </a:lnRef>
+          <a:fillRef idx="1">
+            <a:schemeClr val="accent1"/>
+          </a:fillRef>
+          <a:effectRef idx="0">
+            <a:schemeClr val="accent1"/>
+          </a:effectRef>
+          <a:fontRef idx="minor">
+            <a:schemeClr val="lt1"/>
+          </a:fontRef>
+        </p:style>
+        <p:txBody>
+          <a:bodyPr rtlCol="0" anchor="ctr"/>
+          <a:lstStyle/>
+          <a:p>
+            <a:pPr algn="ctr"/>
+            <a:r>
+              <a:rPr lang="nl-NL" dirty="0"/>
+              <a:t>…</a:t>
+            </a:r>
+          </a:p>
+        </p:txBody>
+      </p:sp>
+      <p:sp>
+        <p:nvSpPr>
+          <p:cNvPr id="9" name="Rechthoek 8">
+            <a:extLst>
+              <a:ext uri="{FF2B5EF4-FFF2-40B4-BE49-F238E27FC236}">
+                <a16:creationId xmlns:a16="http://schemas.microsoft.com/office/drawing/2014/main" id="{501C1FF4-86FC-4ED5-A5B7-3CED3D7F93E5}"/>
+              </a:ext>
+            </a:extLst>
+          </p:cNvPr>
+          <p:cNvSpPr/>
+          <p:nvPr/>
+        </p:nvSpPr>
+        <p:spPr>
+          <a:xfrm>
+            <a:off x="368300" y="2510974"/>
+            <a:ext cx="2592288" cy="1100845"/>
+          </a:xfrm>
+          <a:prstGeom prst="rect">
+            <a:avLst/>
+          </a:prstGeom>
+        </p:spPr>
+        <p:style>
+          <a:lnRef idx="2">
+            <a:schemeClr val="accent1">
+              <a:shade val="50000"/>
+            </a:schemeClr>
+          </a:lnRef>
+          <a:fillRef idx="1">
+            <a:schemeClr val="accent1"/>
+          </a:fillRef>
+          <a:effectRef idx="0">
+            <a:schemeClr val="accent1"/>
+          </a:effectRef>
+          <a:fontRef idx="minor">
+            <a:schemeClr val="lt1"/>
+          </a:fontRef>
+        </p:style>
+        <p:txBody>
+          <a:bodyPr rtlCol="0" anchor="ctr"/>
+          <a:lstStyle/>
+          <a:p>
+            <a:pPr algn="ctr"/>
+            <a:r>
+              <a:rPr lang="nl-NL" dirty="0"/>
+              <a:t>Melding Openbare Ruimte</a:t>
+            </a:r>
+          </a:p>
+          <a:p>
+            <a:pPr algn="ctr"/>
+            <a:r>
+              <a:rPr lang="nl-NL" dirty="0"/>
+              <a:t>(MOR)</a:t>
+            </a:r>
+          </a:p>
+        </p:txBody>
+      </p:sp>
+      <p:sp>
+        <p:nvSpPr>
+          <p:cNvPr id="10" name="AutoShape 2" descr="Afbeeldingsresultaat voor checklist">
+            <a:extLst>
+              <a:ext uri="{FF2B5EF4-FFF2-40B4-BE49-F238E27FC236}">
+                <a16:creationId xmlns:a16="http://schemas.microsoft.com/office/drawing/2014/main" id="{4C324299-02E9-4215-A365-DE4AF88E132B}"/>
+              </a:ext>
+            </a:extLst>
+          </p:cNvPr>
+          <p:cNvSpPr>
+            <a:spLocks noChangeAspect="1" noChangeArrowheads="1"/>
+          </p:cNvSpPr>
+          <p:nvPr/>
+        </p:nvSpPr>
+        <p:spPr bwMode="auto">
+          <a:xfrm>
+            <a:off x="63500" y="-144463"/>
+            <a:ext cx="304800" cy="304801"/>
+          </a:xfrm>
+          <a:prstGeom prst="rect">
+            <a:avLst/>
+          </a:prstGeom>
+          <a:noFill/>
+          <a:extLst>
+            <a:ext uri="{909E8E84-426E-40DD-AFC4-6F175D3DCCD1}">
+              <a14:hiddenFill xmlns:a14="http://schemas.microsoft.com/office/drawing/2010/main">
+                <a:solidFill>
+                  <a:srgbClr val="FFFFFF"/>
+                </a:solidFill>
+              </a14:hiddenFill>
+            </a:ext>
+          </a:extLst>
+        </p:spPr>
+        <p:txBody>
+          <a:bodyPr vert="horz" wrap="square" lIns="91440" tIns="45720" rIns="91440" bIns="45720" numCol="1" anchor="t" anchorCtr="0" compatLnSpc="1">
+            <a:prstTxWarp prst="textNoShape">
+              <a:avLst/>
+            </a:prstTxWarp>
+          </a:bodyPr>
+          <a:lstStyle/>
+          <a:p>
+            <a:endParaRPr lang="nl-NL"/>
+          </a:p>
+        </p:txBody>
+      </p:sp>
+      <p:sp>
+        <p:nvSpPr>
+          <p:cNvPr id="11" name="Tekstvak 10">
+            <a:extLst>
+              <a:ext uri="{FF2B5EF4-FFF2-40B4-BE49-F238E27FC236}">
+                <a16:creationId xmlns:a16="http://schemas.microsoft.com/office/drawing/2014/main" id="{50FBF76F-69A7-42D0-9347-979A04DFA0C3}"/>
+              </a:ext>
+            </a:extLst>
+          </p:cNvPr>
+          <p:cNvSpPr txBox="1"/>
+          <p:nvPr/>
+        </p:nvSpPr>
+        <p:spPr>
+          <a:xfrm>
+            <a:off x="911424" y="3756388"/>
+            <a:ext cx="1696298" cy="523220"/>
+          </a:xfrm>
+          <a:prstGeom prst="rect">
+            <a:avLst/>
+          </a:prstGeom>
+          <a:noFill/>
+        </p:spPr>
+        <p:txBody>
+          <a:bodyPr wrap="none" rtlCol="0">
+            <a:spAutoFit/>
+          </a:bodyPr>
+          <a:lstStyle/>
+          <a:p>
+            <a:r>
+              <a:rPr lang="nl-NL" sz="2800" b="1" dirty="0"/>
+              <a:t>Consumer</a:t>
+            </a:r>
+            <a:endParaRPr lang="nl-NL" b="1" dirty="0"/>
+          </a:p>
+        </p:txBody>
+      </p:sp>
+      <p:sp>
+        <p:nvSpPr>
+          <p:cNvPr id="12" name="Tekstvak 11">
+            <a:extLst>
+              <a:ext uri="{FF2B5EF4-FFF2-40B4-BE49-F238E27FC236}">
+                <a16:creationId xmlns:a16="http://schemas.microsoft.com/office/drawing/2014/main" id="{EC0DE50E-5A0D-4CEE-9530-4CE58F8D25A3}"/>
+              </a:ext>
+            </a:extLst>
+          </p:cNvPr>
+          <p:cNvSpPr txBox="1"/>
+          <p:nvPr/>
+        </p:nvSpPr>
+        <p:spPr>
+          <a:xfrm>
+            <a:off x="9768408" y="5580761"/>
+            <a:ext cx="1450462" cy="523220"/>
+          </a:xfrm>
+          <a:prstGeom prst="rect">
+            <a:avLst/>
+          </a:prstGeom>
+          <a:noFill/>
+        </p:spPr>
+        <p:txBody>
+          <a:bodyPr wrap="none" rtlCol="0">
+            <a:spAutoFit/>
+          </a:bodyPr>
+          <a:lstStyle/>
+          <a:p>
+            <a:r>
+              <a:rPr lang="nl-NL" sz="2800" b="1" dirty="0"/>
+              <a:t>Provider</a:t>
+            </a:r>
+            <a:endParaRPr lang="nl-NL" b="1" dirty="0"/>
+          </a:p>
+        </p:txBody>
+      </p:sp>
+      <p:sp>
+        <p:nvSpPr>
+          <p:cNvPr id="13" name="Afgeronde rechthoek 3">
+            <a:extLst>
+              <a:ext uri="{FF2B5EF4-FFF2-40B4-BE49-F238E27FC236}">
+                <a16:creationId xmlns:a16="http://schemas.microsoft.com/office/drawing/2014/main" id="{EC809962-4FA9-4103-BE26-0433CF0A36D4}"/>
+              </a:ext>
+            </a:extLst>
+          </p:cNvPr>
+          <p:cNvSpPr/>
+          <p:nvPr/>
+        </p:nvSpPr>
+        <p:spPr>
+          <a:xfrm>
+            <a:off x="9120336" y="1169039"/>
+            <a:ext cx="360040" cy="258502"/>
+          </a:xfrm>
+          <a:prstGeom prst="roundRect">
+            <a:avLst/>
+          </a:prstGeom>
+          <a:solidFill>
+            <a:schemeClr val="accent6">
+              <a:lumMod val="60000"/>
+              <a:lumOff val="40000"/>
+            </a:schemeClr>
+          </a:solidFill>
+        </p:spPr>
+        <p:style>
+          <a:lnRef idx="2">
+            <a:schemeClr val="accent5">
+              <a:shade val="50000"/>
+            </a:schemeClr>
+          </a:lnRef>
+          <a:fillRef idx="1">
+            <a:schemeClr val="accent5"/>
+          </a:fillRef>
+          <a:effectRef idx="0">
+            <a:schemeClr val="accent5"/>
+          </a:effectRef>
+          <a:fontRef idx="minor">
+            <a:schemeClr val="lt1"/>
+          </a:fontRef>
+        </p:style>
+        <p:txBody>
+          <a:bodyPr rtlCol="0" anchor="ctr"/>
+          <a:lstStyle/>
+          <a:p>
+            <a:pPr algn="ctr"/>
+            <a:endParaRPr lang="nl-NL"/>
+          </a:p>
+        </p:txBody>
+      </p:sp>
+      <p:sp>
+        <p:nvSpPr>
+          <p:cNvPr id="14" name="Afgeronde rechthoek 32">
+            <a:extLst>
+              <a:ext uri="{FF2B5EF4-FFF2-40B4-BE49-F238E27FC236}">
+                <a16:creationId xmlns:a16="http://schemas.microsoft.com/office/drawing/2014/main" id="{F264A064-086A-4106-A8F6-EF0A3BA1BA84}"/>
+              </a:ext>
+            </a:extLst>
+          </p:cNvPr>
+          <p:cNvSpPr/>
+          <p:nvPr/>
+        </p:nvSpPr>
+        <p:spPr>
+          <a:xfrm>
+            <a:off x="9120336" y="2378410"/>
+            <a:ext cx="360040" cy="258502"/>
+          </a:xfrm>
+          <a:prstGeom prst="roundRect">
+            <a:avLst/>
+          </a:prstGeom>
+          <a:solidFill>
+            <a:schemeClr val="accent6">
+              <a:lumMod val="60000"/>
+              <a:lumOff val="40000"/>
+            </a:schemeClr>
+          </a:solidFill>
+        </p:spPr>
+        <p:style>
+          <a:lnRef idx="2">
+            <a:schemeClr val="accent5">
+              <a:shade val="50000"/>
+            </a:schemeClr>
+          </a:lnRef>
+          <a:fillRef idx="1">
+            <a:schemeClr val="accent5"/>
+          </a:fillRef>
+          <a:effectRef idx="0">
+            <a:schemeClr val="accent5"/>
+          </a:effectRef>
+          <a:fontRef idx="minor">
+            <a:schemeClr val="lt1"/>
+          </a:fontRef>
+        </p:style>
+        <p:txBody>
+          <a:bodyPr rtlCol="0" anchor="ctr"/>
+          <a:lstStyle/>
+          <a:p>
+            <a:pPr algn="ctr"/>
+            <a:endParaRPr lang="nl-NL"/>
+          </a:p>
+        </p:txBody>
+      </p:sp>
+      <p:sp>
+        <p:nvSpPr>
+          <p:cNvPr id="15" name="Afgeronde rechthoek 34">
+            <a:extLst>
+              <a:ext uri="{FF2B5EF4-FFF2-40B4-BE49-F238E27FC236}">
+                <a16:creationId xmlns:a16="http://schemas.microsoft.com/office/drawing/2014/main" id="{A60C091D-140E-475A-8FE4-A7BD0E0EDA69}"/>
+              </a:ext>
+            </a:extLst>
+          </p:cNvPr>
+          <p:cNvSpPr/>
+          <p:nvPr/>
+        </p:nvSpPr>
+        <p:spPr>
+          <a:xfrm>
+            <a:off x="9120336" y="3818570"/>
+            <a:ext cx="360040" cy="258502"/>
+          </a:xfrm>
+          <a:prstGeom prst="roundRect">
+            <a:avLst/>
+          </a:prstGeom>
+          <a:solidFill>
+            <a:schemeClr val="accent6">
+              <a:lumMod val="60000"/>
+              <a:lumOff val="40000"/>
+            </a:schemeClr>
+          </a:solidFill>
+        </p:spPr>
+        <p:style>
+          <a:lnRef idx="2">
+            <a:schemeClr val="accent5">
+              <a:shade val="50000"/>
+            </a:schemeClr>
+          </a:lnRef>
+          <a:fillRef idx="1">
+            <a:schemeClr val="accent5"/>
+          </a:fillRef>
+          <a:effectRef idx="0">
+            <a:schemeClr val="accent5"/>
+          </a:effectRef>
+          <a:fontRef idx="minor">
+            <a:schemeClr val="lt1"/>
+          </a:fontRef>
+        </p:style>
+        <p:txBody>
+          <a:bodyPr rtlCol="0" anchor="ctr"/>
+          <a:lstStyle/>
+          <a:p>
+            <a:pPr algn="ctr"/>
+            <a:endParaRPr lang="nl-NL"/>
+          </a:p>
+        </p:txBody>
+      </p:sp>
+      <p:sp>
+        <p:nvSpPr>
+          <p:cNvPr id="16" name="Afgeronde rechthoek 35">
+            <a:extLst>
+              <a:ext uri="{FF2B5EF4-FFF2-40B4-BE49-F238E27FC236}">
+                <a16:creationId xmlns:a16="http://schemas.microsoft.com/office/drawing/2014/main" id="{9CB31676-6797-4A70-9017-2D8F1B376762}"/>
+              </a:ext>
+            </a:extLst>
+          </p:cNvPr>
+          <p:cNvSpPr/>
+          <p:nvPr/>
+        </p:nvSpPr>
+        <p:spPr>
+          <a:xfrm>
+            <a:off x="9120336" y="5013176"/>
+            <a:ext cx="360040" cy="258502"/>
+          </a:xfrm>
+          <a:prstGeom prst="roundRect">
+            <a:avLst/>
+          </a:prstGeom>
+          <a:solidFill>
+            <a:schemeClr val="accent6">
+              <a:lumMod val="60000"/>
+              <a:lumOff val="40000"/>
+            </a:schemeClr>
+          </a:solidFill>
+        </p:spPr>
+        <p:style>
+          <a:lnRef idx="2">
+            <a:schemeClr val="accent5">
+              <a:shade val="50000"/>
+            </a:schemeClr>
+          </a:lnRef>
+          <a:fillRef idx="1">
+            <a:schemeClr val="accent5"/>
+          </a:fillRef>
+          <a:effectRef idx="0">
+            <a:schemeClr val="accent5"/>
+          </a:effectRef>
+          <a:fontRef idx="minor">
+            <a:schemeClr val="lt1"/>
+          </a:fontRef>
+        </p:style>
+        <p:txBody>
+          <a:bodyPr rtlCol="0" anchor="ctr"/>
+          <a:lstStyle/>
+          <a:p>
+            <a:pPr algn="ctr"/>
+            <a:endParaRPr lang="nl-NL"/>
+          </a:p>
+        </p:txBody>
+      </p:sp>
+      <p:cxnSp>
+        <p:nvCxnSpPr>
+          <p:cNvPr id="17" name="Rechte verbindingslijn met pijl 16">
+            <a:extLst>
+              <a:ext uri="{FF2B5EF4-FFF2-40B4-BE49-F238E27FC236}">
+                <a16:creationId xmlns:a16="http://schemas.microsoft.com/office/drawing/2014/main" id="{E1658247-AFD2-46B5-8C87-E82F53B5D81A}"/>
+              </a:ext>
+            </a:extLst>
+          </p:cNvPr>
+          <p:cNvCxnSpPr/>
+          <p:nvPr/>
+        </p:nvCxnSpPr>
+        <p:spPr>
+          <a:xfrm flipV="1">
+            <a:off x="3215903" y="2996952"/>
+            <a:ext cx="5700914" cy="26938"/>
+          </a:xfrm>
+          <a:prstGeom prst="straightConnector1">
+            <a:avLst/>
+          </a:prstGeom>
+          <a:ln w="44450">
+            <a:headEnd type="triangle"/>
+            <a:tailEnd type="triangle"/>
+          </a:ln>
+        </p:spPr>
+        <p:style>
+          <a:lnRef idx="1">
+            <a:schemeClr val="accent1"/>
+          </a:lnRef>
+          <a:fillRef idx="0">
+            <a:schemeClr val="accent1"/>
+          </a:fillRef>
+          <a:effectRef idx="0">
+            <a:schemeClr val="accent1"/>
+          </a:effectRef>
+          <a:fontRef idx="minor">
+            <a:schemeClr val="tx1"/>
+          </a:fontRef>
+        </p:style>
+      </p:cxnSp>
+      <p:grpSp>
+        <p:nvGrpSpPr>
+          <p:cNvPr id="18" name="Groep 17">
+            <a:extLst>
+              <a:ext uri="{FF2B5EF4-FFF2-40B4-BE49-F238E27FC236}">
+                <a16:creationId xmlns:a16="http://schemas.microsoft.com/office/drawing/2014/main" id="{DD81E4C8-5337-491C-81CF-E1B110FF943D}"/>
+              </a:ext>
+            </a:extLst>
+          </p:cNvPr>
+          <p:cNvGrpSpPr/>
+          <p:nvPr/>
+        </p:nvGrpSpPr>
+        <p:grpSpPr>
+          <a:xfrm>
+            <a:off x="3215680" y="1222663"/>
+            <a:ext cx="5700914" cy="4196650"/>
+            <a:chOff x="3215680" y="1222663"/>
+            <a:chExt cx="5700914" cy="4196650"/>
+          </a:xfrm>
+        </p:grpSpPr>
+        <p:grpSp>
+          <p:nvGrpSpPr>
+            <p:cNvPr id="19" name="Groep 18">
+              <a:extLst>
+                <a:ext uri="{FF2B5EF4-FFF2-40B4-BE49-F238E27FC236}">
+                  <a16:creationId xmlns:a16="http://schemas.microsoft.com/office/drawing/2014/main" id="{749F943C-B008-40C5-8A36-D0A29EE7BE77}"/>
+                </a:ext>
+              </a:extLst>
+            </p:cNvPr>
+            <p:cNvGrpSpPr/>
+            <p:nvPr/>
+          </p:nvGrpSpPr>
+          <p:grpSpPr>
+            <a:xfrm>
+              <a:off x="3215680" y="1222663"/>
+              <a:ext cx="5700914" cy="4196650"/>
+              <a:chOff x="3215680" y="1222663"/>
+              <a:chExt cx="5700914" cy="4196650"/>
+            </a:xfrm>
+          </p:grpSpPr>
+          <p:cxnSp>
+            <p:nvCxnSpPr>
+              <p:cNvPr id="21" name="Rechte verbindingslijn met pijl 20">
+                <a:extLst>
+                  <a:ext uri="{FF2B5EF4-FFF2-40B4-BE49-F238E27FC236}">
+                    <a16:creationId xmlns:a16="http://schemas.microsoft.com/office/drawing/2014/main" id="{5DBD24E2-3221-45F1-90FD-FAD1472F2F7B}"/>
+                  </a:ext>
+                </a:extLst>
+              </p:cNvPr>
+              <p:cNvCxnSpPr/>
+              <p:nvPr/>
+            </p:nvCxnSpPr>
+            <p:spPr>
+              <a:xfrm>
+                <a:off x="3215680" y="3013964"/>
+                <a:ext cx="648072" cy="0"/>
+              </a:xfrm>
+              <a:prstGeom prst="straightConnector1">
+                <a:avLst/>
+              </a:prstGeom>
+              <a:ln w="44450">
+                <a:headEnd type="triangle"/>
+                <a:tailEnd type="triangle"/>
+              </a:ln>
+            </p:spPr>
+            <p:style>
+              <a:lnRef idx="1">
+                <a:schemeClr val="accent1"/>
+              </a:lnRef>
+              <a:fillRef idx="0">
+                <a:schemeClr val="accent1"/>
+              </a:fillRef>
+              <a:effectRef idx="0">
+                <a:schemeClr val="accent1"/>
+              </a:effectRef>
+              <a:fontRef idx="minor">
+                <a:schemeClr val="tx1"/>
+              </a:fontRef>
+            </p:style>
+          </p:cxnSp>
+          <p:cxnSp>
+            <p:nvCxnSpPr>
+              <p:cNvPr id="22" name="Rechte verbindingslijn met pijl 21">
+                <a:extLst>
+                  <a:ext uri="{FF2B5EF4-FFF2-40B4-BE49-F238E27FC236}">
+                    <a16:creationId xmlns:a16="http://schemas.microsoft.com/office/drawing/2014/main" id="{31BE34DB-B5B2-48C3-8F17-1BEA884E6CDC}"/>
+                  </a:ext>
+                </a:extLst>
+              </p:cNvPr>
+              <p:cNvCxnSpPr/>
+              <p:nvPr/>
+            </p:nvCxnSpPr>
+            <p:spPr>
+              <a:xfrm>
+                <a:off x="8328248" y="2996952"/>
+                <a:ext cx="588346" cy="0"/>
+              </a:xfrm>
+              <a:prstGeom prst="straightConnector1">
+                <a:avLst/>
+              </a:prstGeom>
+              <a:ln w="44450">
+                <a:headEnd type="triangle"/>
+                <a:tailEnd type="triangle"/>
+              </a:ln>
+            </p:spPr>
+            <p:style>
+              <a:lnRef idx="1">
+                <a:schemeClr val="accent1"/>
+              </a:lnRef>
+              <a:fillRef idx="0">
+                <a:schemeClr val="accent1"/>
+              </a:fillRef>
+              <a:effectRef idx="0">
+                <a:schemeClr val="accent1"/>
+              </a:effectRef>
+              <a:fontRef idx="minor">
+                <a:schemeClr val="tx1"/>
+              </a:fontRef>
+            </p:style>
+          </p:cxnSp>
+          <p:grpSp>
+            <p:nvGrpSpPr>
+              <p:cNvPr id="23" name="Groep 22">
+                <a:extLst>
+                  <a:ext uri="{FF2B5EF4-FFF2-40B4-BE49-F238E27FC236}">
+                    <a16:creationId xmlns:a16="http://schemas.microsoft.com/office/drawing/2014/main" id="{7AF52B61-2DF8-44A6-867D-FF963F4D00C5}"/>
+                  </a:ext>
+                </a:extLst>
+              </p:cNvPr>
+              <p:cNvGrpSpPr/>
+              <p:nvPr/>
+            </p:nvGrpSpPr>
+            <p:grpSpPr>
+              <a:xfrm>
+                <a:off x="4017975" y="1222663"/>
+                <a:ext cx="4095025" cy="4196650"/>
+                <a:chOff x="4024338" y="1754931"/>
+                <a:chExt cx="4095025" cy="4196650"/>
+              </a:xfrm>
+            </p:grpSpPr>
+            <p:grpSp>
+              <p:nvGrpSpPr>
+                <p:cNvPr id="24" name="Groep 23">
+                  <a:extLst>
+                    <a:ext uri="{FF2B5EF4-FFF2-40B4-BE49-F238E27FC236}">
+                      <a16:creationId xmlns:a16="http://schemas.microsoft.com/office/drawing/2014/main" id="{1DEA62E1-EB11-47CB-B8BB-F7E91DBA4F0B}"/>
+                    </a:ext>
+                  </a:extLst>
+                </p:cNvPr>
+                <p:cNvGrpSpPr/>
+                <p:nvPr/>
+              </p:nvGrpSpPr>
+              <p:grpSpPr>
+                <a:xfrm>
+                  <a:off x="4024338" y="1754931"/>
+                  <a:ext cx="4095025" cy="4196650"/>
+                  <a:chOff x="4024338" y="1754931"/>
+                  <a:chExt cx="4095025" cy="4196650"/>
+                </a:xfrm>
+              </p:grpSpPr>
+              <p:sp>
+                <p:nvSpPr>
+                  <p:cNvPr id="26" name="Rechthoek 25">
+                    <a:extLst>
+                      <a:ext uri="{FF2B5EF4-FFF2-40B4-BE49-F238E27FC236}">
+                        <a16:creationId xmlns:a16="http://schemas.microsoft.com/office/drawing/2014/main" id="{88BE2549-12FF-4539-BD0D-0732C5D50875}"/>
+                      </a:ext>
+                    </a:extLst>
+                  </p:cNvPr>
+                  <p:cNvSpPr/>
+                  <p:nvPr/>
+                </p:nvSpPr>
+                <p:spPr>
+                  <a:xfrm>
+                    <a:off x="4024338" y="1754931"/>
+                    <a:ext cx="4095025" cy="4176465"/>
+                  </a:xfrm>
+                  <a:prstGeom prst="rect">
+                    <a:avLst/>
+                  </a:prstGeom>
+                  <a:solidFill>
+                    <a:schemeClr val="accent5">
+                      <a:lumMod val="20000"/>
+                      <a:lumOff val="80000"/>
+                      <a:alpha val="37000"/>
+                    </a:schemeClr>
+                  </a:solidFill>
+                </p:spPr>
+                <p:style>
+                  <a:lnRef idx="2">
+                    <a:schemeClr val="accent1">
+                      <a:shade val="50000"/>
+                    </a:schemeClr>
+                  </a:lnRef>
+                  <a:fillRef idx="1">
+                    <a:schemeClr val="accent1"/>
+                  </a:fillRef>
+                  <a:effectRef idx="0">
+                    <a:schemeClr val="accent1"/>
+                  </a:effectRef>
+                  <a:fontRef idx="minor">
+                    <a:schemeClr val="lt1"/>
+                  </a:fontRef>
+                </p:style>
+                <p:txBody>
+                  <a:bodyPr rtlCol="0" anchor="ctr"/>
+                  <a:lstStyle/>
+                  <a:p>
+                    <a:pPr algn="ctr"/>
+                    <a:endParaRPr lang="nl-NL"/>
+                  </a:p>
+                </p:txBody>
+              </p:sp>
+              <p:pic>
+                <p:nvPicPr>
+                  <p:cNvPr id="27" name="Afbeelding 26">
+                    <a:extLst>
+                      <a:ext uri="{FF2B5EF4-FFF2-40B4-BE49-F238E27FC236}">
+                        <a16:creationId xmlns:a16="http://schemas.microsoft.com/office/drawing/2014/main" id="{0E258DF5-2224-498A-AAFA-8FF23F73DF8C}"/>
+                      </a:ext>
+                    </a:extLst>
+                  </p:cNvPr>
+                  <p:cNvPicPr>
+                    <a:picLocks noChangeAspect="1"/>
+                  </p:cNvPicPr>
+                  <p:nvPr/>
+                </p:nvPicPr>
+                <p:blipFill>
+                  <a:blip r:embed="rId2">
+                    <a:extLst>
+                      <a:ext uri="{28A0092B-C50C-407E-A947-70E740481C1C}">
+                        <a14:useLocalDpi xmlns:a14="http://schemas.microsoft.com/office/drawing/2010/main" val="0"/>
+                      </a:ext>
+                    </a:extLst>
+                  </a:blip>
+                  <a:stretch>
+                    <a:fillRect/>
+                  </a:stretch>
+                </p:blipFill>
+                <p:spPr>
+                  <a:xfrm>
+                    <a:off x="4225590" y="4136801"/>
+                    <a:ext cx="1075782" cy="803049"/>
+                  </a:xfrm>
+                  <a:prstGeom prst="rect">
+                    <a:avLst/>
+                  </a:prstGeom>
+                  <a:ln w="41275" cmpd="sng">
+                    <a:solidFill>
+                      <a:srgbClr val="37528B"/>
+                    </a:solidFill>
+                  </a:ln>
+                  <a:effectLst>
+                    <a:outerShdw blurRad="50800" dist="50800" dir="5400000" algn="ctr" rotWithShape="0">
+                      <a:schemeClr val="bg1"/>
+                    </a:outerShdw>
+                    <a:softEdge rad="31750"/>
+                  </a:effectLst>
+                </p:spPr>
+              </p:pic>
+              <p:sp>
+                <p:nvSpPr>
+                  <p:cNvPr id="28" name="Staande oorkonde 17">
+                    <a:extLst>
+                      <a:ext uri="{FF2B5EF4-FFF2-40B4-BE49-F238E27FC236}">
+                        <a16:creationId xmlns:a16="http://schemas.microsoft.com/office/drawing/2014/main" id="{BD89E615-ACC0-4D78-9D3C-93C5550C8F50}"/>
+                      </a:ext>
+                    </a:extLst>
+                  </p:cNvPr>
+                  <p:cNvSpPr/>
+                  <p:nvPr/>
+                </p:nvSpPr>
+                <p:spPr>
+                  <a:xfrm>
+                    <a:off x="5508441" y="4139679"/>
+                    <a:ext cx="1280101" cy="1044445"/>
+                  </a:xfrm>
+                  <a:prstGeom prst="verticalScroll">
+                    <a:avLst/>
+                  </a:prstGeom>
+                  <a:solidFill>
+                    <a:schemeClr val="accent6">
+                      <a:lumMod val="40000"/>
+                      <a:lumOff val="60000"/>
+                      <a:alpha val="77000"/>
+                    </a:schemeClr>
+                  </a:solidFill>
+                </p:spPr>
+                <p:style>
+                  <a:lnRef idx="2">
+                    <a:schemeClr val="accent1">
+                      <a:shade val="50000"/>
+                    </a:schemeClr>
+                  </a:lnRef>
+                  <a:fillRef idx="1">
+                    <a:schemeClr val="accent1"/>
+                  </a:fillRef>
+                  <a:effectRef idx="0">
+                    <a:schemeClr val="accent1"/>
+                  </a:effectRef>
+                  <a:fontRef idx="minor">
+                    <a:schemeClr val="lt1"/>
+                  </a:fontRef>
+                </p:style>
+                <p:txBody>
+                  <a:bodyPr rtlCol="0" anchor="ctr"/>
+                  <a:lstStyle/>
+                  <a:p>
+                    <a:pPr algn="ctr"/>
+                    <a:r>
+                      <a:rPr lang="nl-NL" dirty="0">
+                        <a:solidFill>
+                          <a:srgbClr val="002C64"/>
+                        </a:solidFill>
+                      </a:rPr>
+                      <a:t>log</a:t>
+                    </a:r>
+                  </a:p>
+                </p:txBody>
+              </p:sp>
+              <p:sp>
+                <p:nvSpPr>
+                  <p:cNvPr id="29" name="Rechthoek 28">
+                    <a:extLst>
+                      <a:ext uri="{FF2B5EF4-FFF2-40B4-BE49-F238E27FC236}">
+                        <a16:creationId xmlns:a16="http://schemas.microsoft.com/office/drawing/2014/main" id="{A721930E-6DC3-4644-BAF5-7AF03097C257}"/>
+                      </a:ext>
+                    </a:extLst>
+                  </p:cNvPr>
+                  <p:cNvSpPr/>
+                  <p:nvPr/>
+                </p:nvSpPr>
+                <p:spPr>
+                  <a:xfrm>
+                    <a:off x="4223792" y="2256148"/>
+                    <a:ext cx="3697863" cy="1532892"/>
+                  </a:xfrm>
+                  <a:prstGeom prst="rect">
+                    <a:avLst/>
+                  </a:prstGeom>
+                </p:spPr>
+                <p:style>
+                  <a:lnRef idx="2">
+                    <a:schemeClr val="accent1">
+                      <a:shade val="50000"/>
+                    </a:schemeClr>
+                  </a:lnRef>
+                  <a:fillRef idx="1">
+                    <a:schemeClr val="accent1"/>
+                  </a:fillRef>
+                  <a:effectRef idx="0">
+                    <a:schemeClr val="accent1"/>
+                  </a:effectRef>
+                  <a:fontRef idx="minor">
+                    <a:schemeClr val="lt1"/>
+                  </a:fontRef>
+                </p:style>
+                <p:txBody>
+                  <a:bodyPr rtlCol="0" anchor="ctr"/>
+                  <a:lstStyle/>
+                  <a:p>
+                    <a:pPr algn="ctr"/>
+                    <a:r>
+                      <a:rPr lang="nl-NL" dirty="0"/>
+                      <a:t>API Testvoorziening</a:t>
+                    </a:r>
+                  </a:p>
+                  <a:p>
+                    <a:pPr algn="ctr"/>
+                    <a:r>
+                      <a:rPr lang="nl-NL" dirty="0"/>
+                      <a:t>(ATV)</a:t>
+                    </a:r>
+                  </a:p>
+                </p:txBody>
+              </p:sp>
+              <p:sp>
+                <p:nvSpPr>
+                  <p:cNvPr id="30" name="Tekstvak 29">
+                    <a:extLst>
+                      <a:ext uri="{FF2B5EF4-FFF2-40B4-BE49-F238E27FC236}">
+                        <a16:creationId xmlns:a16="http://schemas.microsoft.com/office/drawing/2014/main" id="{283AB474-3EF4-479D-A3DE-C98A8510C847}"/>
+                      </a:ext>
+                    </a:extLst>
+                  </p:cNvPr>
+                  <p:cNvSpPr txBox="1"/>
+                  <p:nvPr/>
+                </p:nvSpPr>
+                <p:spPr>
+                  <a:xfrm>
+                    <a:off x="5617146" y="5428361"/>
+                    <a:ext cx="1019510" cy="523220"/>
+                  </a:xfrm>
+                  <a:prstGeom prst="rect">
+                    <a:avLst/>
+                  </a:prstGeom>
+                  <a:noFill/>
+                </p:spPr>
+                <p:txBody>
+                  <a:bodyPr wrap="none" rtlCol="0">
+                    <a:spAutoFit/>
+                  </a:bodyPr>
+                  <a:lstStyle/>
+                  <a:p>
+                    <a:r>
+                      <a:rPr lang="nl-NL" sz="2800" b="1" dirty="0"/>
+                      <a:t>Proxy</a:t>
+                    </a:r>
+                    <a:endParaRPr lang="nl-NL" b="1" dirty="0"/>
+                  </a:p>
+                </p:txBody>
+              </p:sp>
+              <p:pic>
+                <p:nvPicPr>
+                  <p:cNvPr id="31" name="Afbeelding 30">
+                    <a:extLst>
+                      <a:ext uri="{FF2B5EF4-FFF2-40B4-BE49-F238E27FC236}">
+                        <a16:creationId xmlns:a16="http://schemas.microsoft.com/office/drawing/2014/main" id="{1E2714A8-3F18-41F2-8F3E-7F5C7C669BF9}"/>
+                      </a:ext>
+                    </a:extLst>
+                  </p:cNvPr>
+                  <p:cNvPicPr>
+                    <a:picLocks noChangeAspect="1"/>
+                  </p:cNvPicPr>
+                  <p:nvPr/>
+                </p:nvPicPr>
+                <p:blipFill>
+                  <a:blip r:embed="rId3"/>
+                  <a:stretch>
+                    <a:fillRect/>
+                  </a:stretch>
+                </p:blipFill>
+                <p:spPr>
+                  <a:xfrm rot="16200000">
+                    <a:off x="6966688" y="4202218"/>
+                    <a:ext cx="1060929" cy="930094"/>
+                  </a:xfrm>
+                  <a:prstGeom prst="rect">
+                    <a:avLst/>
+                  </a:prstGeom>
+                </p:spPr>
+              </p:pic>
+            </p:grpSp>
+            <p:sp>
+              <p:nvSpPr>
+                <p:cNvPr id="25" name="Afgeronde rechthoek 36">
+                  <a:extLst>
+                    <a:ext uri="{FF2B5EF4-FFF2-40B4-BE49-F238E27FC236}">
+                      <a16:creationId xmlns:a16="http://schemas.microsoft.com/office/drawing/2014/main" id="{179EF42A-17F3-4D54-BF50-DB37B5760B8A}"/>
+                    </a:ext>
+                  </a:extLst>
+                </p:cNvPr>
+                <p:cNvSpPr/>
+                <p:nvPr/>
+              </p:nvSpPr>
+              <p:spPr>
+                <a:xfrm>
+                  <a:off x="5712683" y="2119908"/>
+                  <a:ext cx="360040" cy="258502"/>
+                </a:xfrm>
+                <a:prstGeom prst="roundRect">
+                  <a:avLst/>
+                </a:prstGeom>
+                <a:solidFill>
+                  <a:schemeClr val="accent6">
+                    <a:lumMod val="60000"/>
+                    <a:lumOff val="40000"/>
+                  </a:schemeClr>
+                </a:solidFill>
+              </p:spPr>
+              <p:style>
+                <a:lnRef idx="2">
+                  <a:schemeClr val="accent5">
+                    <a:shade val="50000"/>
+                  </a:schemeClr>
+                </a:lnRef>
+                <a:fillRef idx="1">
+                  <a:schemeClr val="accent5"/>
+                </a:fillRef>
+                <a:effectRef idx="0">
+                  <a:schemeClr val="accent5"/>
+                </a:effectRef>
+                <a:fontRef idx="minor">
+                  <a:schemeClr val="lt1"/>
+                </a:fontRef>
+              </p:style>
+              <p:txBody>
+                <a:bodyPr rtlCol="0" anchor="ctr"/>
+                <a:lstStyle/>
+                <a:p>
+                  <a:pPr algn="ctr"/>
+                  <a:endParaRPr lang="nl-NL"/>
+                </a:p>
+              </p:txBody>
+            </p:sp>
+          </p:grpSp>
+        </p:grpSp>
+        <p:pic>
+          <p:nvPicPr>
+            <p:cNvPr id="20" name="Afbeelding 19">
+              <a:extLst>
+                <a:ext uri="{FF2B5EF4-FFF2-40B4-BE49-F238E27FC236}">
+                  <a16:creationId xmlns:a16="http://schemas.microsoft.com/office/drawing/2014/main" id="{AAC8C4A0-8132-4FB6-8782-C58B94508E27}"/>
+                </a:ext>
+              </a:extLst>
+            </p:cNvPr>
+            <p:cNvPicPr>
+              <a:picLocks noChangeAspect="1"/>
+            </p:cNvPicPr>
+            <p:nvPr/>
+          </p:nvPicPr>
+          <p:blipFill>
+            <a:blip r:embed="rId4"/>
+            <a:stretch>
+              <a:fillRect/>
+            </a:stretch>
+          </p:blipFill>
+          <p:spPr>
+            <a:xfrm>
+              <a:off x="4398177" y="4522253"/>
+              <a:ext cx="697979" cy="668529"/>
+            </a:xfrm>
+            <a:prstGeom prst="rect">
+              <a:avLst/>
+            </a:prstGeom>
+          </p:spPr>
+        </p:pic>
+      </p:grpSp>
+      <p:sp>
+        <p:nvSpPr>
+          <p:cNvPr id="32" name="Tekstvak 31">
+            <a:extLst>
+              <a:ext uri="{FF2B5EF4-FFF2-40B4-BE49-F238E27FC236}">
+                <a16:creationId xmlns:a16="http://schemas.microsoft.com/office/drawing/2014/main" id="{1B0D16DD-F80A-4DB2-97F5-1AE91B0FBFB3}"/>
+              </a:ext>
+            </a:extLst>
+          </p:cNvPr>
+          <p:cNvSpPr txBox="1"/>
+          <p:nvPr/>
+        </p:nvSpPr>
+        <p:spPr>
+          <a:xfrm>
+            <a:off x="8447197" y="6189560"/>
+            <a:ext cx="3615092" cy="461665"/>
+          </a:xfrm>
+          <a:prstGeom prst="rect">
+            <a:avLst/>
+          </a:prstGeom>
+          <a:noFill/>
+        </p:spPr>
+        <p:txBody>
+          <a:bodyPr wrap="none" rtlCol="0">
+            <a:spAutoFit/>
+          </a:bodyPr>
+          <a:lstStyle/>
+          <a:p>
+            <a:r>
+              <a:rPr lang="nl-NL" b="1" dirty="0"/>
+              <a:t>Referentie-implementaties</a:t>
+            </a:r>
+          </a:p>
+        </p:txBody>
+      </p:sp>
+    </p:spTree>
+    <p:extLst>
+      <p:ext uri="{BB962C8B-B14F-4D97-AF65-F5344CB8AC3E}">
+        <p14:creationId xmlns:p14="http://schemas.microsoft.com/office/powerpoint/2010/main" val="3994331975"/>
+      </p:ext>
+    </p:extLst>
+  </p:cSld>
+  <p:clrMapOvr>
+    <a:masterClrMapping/>
+  </p:clrMapOvr>
+  <p:timing>
+    <p:tnLst>
+      <p:par>
+        <p:cTn id="1" dur="indefinite" restart="never" nodeType="tmRoot">
+          <p:childTnLst>
+            <p:seq concurrent="1" nextAc="seek">
+              <p:cTn id="2" dur="indefinite" nodeType="mainSeq">
+                <p:childTnLst>
+                  <p:par>
+                    <p:cTn id="3" fill="hold">
+                      <p:stCondLst>
+                        <p:cond delay="indefinite"/>
+                      </p:stCondLst>
+                      <p:childTnLst>
+                        <p:par>
+                          <p:cTn id="4" fill="hold">
+                            <p:stCondLst>
+                              <p:cond delay="0"/>
+                            </p:stCondLst>
+                            <p:childTnLst>
+                              <p:par>
+                                <p:cTn id="5" presetID="2" presetClass="entr" presetSubtype="4" fill="hold" nodeType="clickEffect">
+                                  <p:stCondLst>
+                                    <p:cond delay="0"/>
+                                  </p:stCondLst>
+                                  <p:childTnLst>
+                                    <p:set>
+                                      <p:cBhvr>
+                                        <p:cTn id="6" dur="1" fill="hold">
+                                          <p:stCondLst>
+                                            <p:cond delay="0"/>
+                                          </p:stCondLst>
+                                        </p:cTn>
+                                        <p:tgtEl>
+                                          <p:spTgt spid="18"/>
+                                        </p:tgtEl>
+                                        <p:attrNameLst>
+                                          <p:attrName>style.visibility</p:attrName>
+                                        </p:attrNameLst>
+                                      </p:cBhvr>
+                                      <p:to>
+                                        <p:strVal val="visible"/>
+                                      </p:to>
+                                    </p:set>
+                                    <p:anim calcmode="lin" valueType="num">
+                                      <p:cBhvr additive="base">
+                                        <p:cTn id="7" dur="500" fill="hold"/>
+                                        <p:tgtEl>
+                                          <p:spTgt spid="18"/>
+                                        </p:tgtEl>
+                                        <p:attrNameLst>
+                                          <p:attrName>ppt_x</p:attrName>
+                                        </p:attrNameLst>
+                                      </p:cBhvr>
+                                      <p:tavLst>
+                                        <p:tav tm="0">
+                                          <p:val>
+                                            <p:strVal val="#ppt_x"/>
+                                          </p:val>
+                                        </p:tav>
+                                        <p:tav tm="100000">
+                                          <p:val>
+                                            <p:strVal val="#ppt_x"/>
+                                          </p:val>
+                                        </p:tav>
+                                      </p:tavLst>
+                                    </p:anim>
+                                    <p:anim calcmode="lin" valueType="num">
+                                      <p:cBhvr additive="base">
+                                        <p:cTn id="8" dur="500" fill="hold"/>
+                                        <p:tgtEl>
+                                          <p:spTgt spid="18"/>
+                                        </p:tgtEl>
+                                        <p:attrNameLst>
+                                          <p:attrName>ppt_y</p:attrName>
+                                        </p:attrNameLst>
+                                      </p:cBhvr>
+                                      <p:tavLst>
+                                        <p:tav tm="0">
+                                          <p:val>
+                                            <p:strVal val="1+#ppt_h/2"/>
+                                          </p:val>
+                                        </p:tav>
+                                        <p:tav tm="100000">
+                                          <p:val>
+                                            <p:strVal val="#ppt_y"/>
+                                          </p:val>
+                                        </p:tav>
+                                      </p:tavLst>
+                                    </p:anim>
+                                  </p:childTnLst>
+                                </p:cTn>
+                              </p:par>
+                              <p:par>
+                                <p:cTn id="9" presetID="1" presetClass="exit" presetSubtype="0" fill="hold" nodeType="withEffect">
+                                  <p:stCondLst>
+                                    <p:cond delay="0"/>
+                                  </p:stCondLst>
+                                  <p:childTnLst>
+                                    <p:set>
+                                      <p:cBhvr>
+                                        <p:cTn id="10" dur="1" fill="hold">
+                                          <p:stCondLst>
+                                            <p:cond delay="0"/>
+                                          </p:stCondLst>
+                                        </p:cTn>
+                                        <p:tgtEl>
+                                          <p:spTgt spid="17"/>
+                                        </p:tgtEl>
+                                        <p:attrNameLst>
+                                          <p:attrName>style.visibility</p:attrName>
+                                        </p:attrNameLst>
+                                      </p:cBhvr>
+                                      <p:to>
+                                        <p:strVal val="hidden"/>
+                                      </p:to>
+                                    </p:set>
+                                  </p:childTnLst>
+                                </p:cTn>
+                              </p:par>
+                            </p:childTnLst>
+                          </p:cTn>
+                        </p:par>
+                      </p:childTnLst>
+                    </p:cTn>
+                  </p:par>
+                </p:childTnLst>
+              </p:cTn>
+              <p:prevCondLst>
+                <p:cond evt="onPrev" delay="0">
+                  <p:tgtEl>
+                    <p:sldTgt/>
+                  </p:tgtEl>
+                </p:cond>
+              </p:prevCondLst>
+              <p:nextCondLst>
+                <p:cond evt="onNext" delay="0">
+                  <p:tgtEl>
+                    <p:sldTgt/>
+                  </p:tgtEl>
+                </p:cond>
+              </p:nextCondLst>
+            </p:seq>
+          </p:childTnLst>
+        </p:cTn>
+      </p:par>
+    </p:tnLst>
+  </p:timing>
+</p:sld>
+</file>
+
+<file path=ppt/slides/slide5.xml><?xml version="1.0" encoding="utf-8"?>
+<p:sld xmlns:a="http://schemas.openxmlformats.org/drawingml/2006/main" xmlns:r="http://schemas.openxmlformats.org/officeDocument/2006/relationships" xmlns:p="http://schemas.openxmlformats.org/presentationml/2006/main">
+  <p:cSld>
+    <p:spTree>
+      <p:nvGrpSpPr>
+        <p:cNvPr id="1" name=""/>
+        <p:cNvGrpSpPr/>
+        <p:nvPr/>
+      </p:nvGrpSpPr>
+      <p:grpSpPr>
+        <a:xfrm>
+          <a:off x="0" y="0"/>
+          <a:ext cx="0" cy="0"/>
+          <a:chOff x="0" y="0"/>
+          <a:chExt cx="0" cy="0"/>
+        </a:xfrm>
+      </p:grpSpPr>
+      <p:sp>
+        <p:nvSpPr>
           <p:cNvPr id="13" name="Titel 12">
             <a:extLst>
               <a:ext uri="{FF2B5EF4-FFF2-40B4-BE49-F238E27FC236}">
@@ -6176,7 +10324,7 @@
 </p:sld>
 </file>
 
-<file path=ppt/slides/slide5.xml><?xml version="1.0" encoding="utf-8"?>
+<file path=ppt/slides/slide6.xml><?xml version="1.0" encoding="utf-8"?>
 <p:sld xmlns:a="http://schemas.openxmlformats.org/drawingml/2006/main" xmlns:r="http://schemas.openxmlformats.org/officeDocument/2006/relationships" xmlns:p="http://schemas.openxmlformats.org/presentationml/2006/main">
   <p:cSld>
     <p:spTree>
@@ -6236,7 +10384,7 @@
 </p:sld>
 </file>
 
-<file path=ppt/slides/slide6.xml><?xml version="1.0" encoding="utf-8"?>
+<file path=ppt/slides/slide7.xml><?xml version="1.0" encoding="utf-8"?>
 <p:sld xmlns:a="http://schemas.openxmlformats.org/drawingml/2006/main" xmlns:r="http://schemas.openxmlformats.org/officeDocument/2006/relationships" xmlns:p="http://schemas.openxmlformats.org/presentationml/2006/main">
   <p:cSld>
     <p:spTree>
@@ -6354,7 +10502,7 @@
 </p:sld>
 </file>
 
-<file path=ppt/slides/slide7.xml><?xml version="1.0" encoding="utf-8"?>
+<file path=ppt/slides/slide8.xml><?xml version="1.0" encoding="utf-8"?>
 <p:sld xmlns:a="http://schemas.openxmlformats.org/drawingml/2006/main" xmlns:r="http://schemas.openxmlformats.org/officeDocument/2006/relationships" xmlns:p="http://schemas.openxmlformats.org/presentationml/2006/main">
   <p:cSld>
     <p:spTree>
@@ -6510,7 +10658,7 @@
 </p:sld>
 </file>
 
-<file path=ppt/slides/slide8.xml><?xml version="1.0" encoding="utf-8"?>
+<file path=ppt/slides/slide9.xml><?xml version="1.0" encoding="utf-8"?>
 <p:sld xmlns:a="http://schemas.openxmlformats.org/drawingml/2006/main" xmlns:r="http://schemas.openxmlformats.org/officeDocument/2006/relationships" xmlns:p="http://schemas.openxmlformats.org/presentationml/2006/main">
   <p:cSld>
     <p:spTree>
@@ -6674,124 +10822,6 @@
     <p:extLst>
       <p:ext uri="{BB962C8B-B14F-4D97-AF65-F5344CB8AC3E}">
         <p14:creationId xmlns:p14="http://schemas.microsoft.com/office/powerpoint/2010/main" val="293332026"/>
-      </p:ext>
-    </p:extLst>
-  </p:cSld>
-  <p:clrMapOvr>
-    <a:masterClrMapping/>
-  </p:clrMapOvr>
-</p:sld>
-</file>
-
-<file path=ppt/slides/slide9.xml><?xml version="1.0" encoding="utf-8"?>
-<p:sld xmlns:a="http://schemas.openxmlformats.org/drawingml/2006/main" xmlns:r="http://schemas.openxmlformats.org/officeDocument/2006/relationships" xmlns:p="http://schemas.openxmlformats.org/presentationml/2006/main">
-  <p:cSld>
-    <p:spTree>
-      <p:nvGrpSpPr>
-        <p:cNvPr id="1" name=""/>
-        <p:cNvGrpSpPr/>
-        <p:nvPr/>
-      </p:nvGrpSpPr>
-      <p:grpSpPr>
-        <a:xfrm>
-          <a:off x="0" y="0"/>
-          <a:ext cx="0" cy="0"/>
-          <a:chOff x="0" y="0"/>
-          <a:chExt cx="0" cy="0"/>
-        </a:xfrm>
-      </p:grpSpPr>
-      <p:pic>
-        <p:nvPicPr>
-          <p:cNvPr id="4" name="Afbeelding 3">
-            <a:extLst>
-              <a:ext uri="{FF2B5EF4-FFF2-40B4-BE49-F238E27FC236}">
-                <a16:creationId xmlns:a16="http://schemas.microsoft.com/office/drawing/2014/main" id="{AE3DA84E-EC96-4814-9C54-F50D0DF8A1EB}"/>
-              </a:ext>
-            </a:extLst>
-          </p:cNvPr>
-          <p:cNvPicPr>
-            <a:picLocks noChangeAspect="1"/>
-          </p:cNvPicPr>
-          <p:nvPr/>
-        </p:nvPicPr>
-        <p:blipFill>
-          <a:blip r:embed="rId2"/>
-          <a:stretch>
-            <a:fillRect/>
-          </a:stretch>
-        </p:blipFill>
-        <p:spPr>
-          <a:xfrm>
-            <a:off x="885533" y="252412"/>
-            <a:ext cx="9991725" cy="6353175"/>
-          </a:xfrm>
-          <a:prstGeom prst="rect">
-            <a:avLst/>
-          </a:prstGeom>
-        </p:spPr>
-      </p:pic>
-      <p:sp>
-        <p:nvSpPr>
-          <p:cNvPr id="5" name="Tekstballon: ovaal 4">
-            <a:extLst>
-              <a:ext uri="{FF2B5EF4-FFF2-40B4-BE49-F238E27FC236}">
-                <a16:creationId xmlns:a16="http://schemas.microsoft.com/office/drawing/2014/main" id="{708E56B4-6D24-433B-988A-8C81BA5F2C67}"/>
-              </a:ext>
-            </a:extLst>
-          </p:cNvPr>
-          <p:cNvSpPr/>
-          <p:nvPr/>
-        </p:nvSpPr>
-        <p:spPr>
-          <a:xfrm>
-            <a:off x="3564295" y="2761863"/>
-            <a:ext cx="2174032" cy="1483567"/>
-          </a:xfrm>
-          <a:prstGeom prst="wedgeEllipseCallout">
-            <a:avLst>
-              <a:gd name="adj1" fmla="val -137446"/>
-              <a:gd name="adj2" fmla="val 120550"/>
-            </a:avLst>
-          </a:prstGeom>
-          <a:noFill/>
-        </p:spPr>
-        <p:style>
-          <a:lnRef idx="2">
-            <a:schemeClr val="accent1">
-              <a:shade val="50000"/>
-            </a:schemeClr>
-          </a:lnRef>
-          <a:fillRef idx="1">
-            <a:schemeClr val="accent1"/>
-          </a:fillRef>
-          <a:effectRef idx="0">
-            <a:schemeClr val="accent1"/>
-          </a:effectRef>
-          <a:fontRef idx="minor">
-            <a:schemeClr val="lt1"/>
-          </a:fontRef>
-        </p:style>
-        <p:txBody>
-          <a:bodyPr rtlCol="0" anchor="ctr"/>
-          <a:lstStyle/>
-          <a:p>
-            <a:pPr algn="ctr"/>
-            <a:r>
-              <a:rPr lang="nl-NL" dirty="0">
-                <a:solidFill>
-                  <a:srgbClr val="00B050"/>
-                </a:solidFill>
-              </a:rPr>
-              <a:t>Klik hier voor testresultaten </a:t>
-            </a:r>
-            <a:endParaRPr lang="nl-NL" dirty="0"/>
-          </a:p>
-        </p:txBody>
-      </p:sp>
-    </p:spTree>
-    <p:extLst>
-      <p:ext uri="{BB962C8B-B14F-4D97-AF65-F5344CB8AC3E}">
-        <p14:creationId xmlns:p14="http://schemas.microsoft.com/office/powerpoint/2010/main" val="2143044974"/>
       </p:ext>
     </p:extLst>
   </p:cSld>

--- a/doc/api_lab/tutorial testvoorziening.pptx
+++ b/doc/api_lab/tutorial testvoorziening.pptx
@@ -27,7 +27,8 @@
     <p:sldId id="272" r:id="rId21"/>
     <p:sldId id="275" r:id="rId22"/>
     <p:sldId id="274" r:id="rId23"/>
-    <p:sldId id="278" r:id="rId24"/>
+    <p:sldId id="280" r:id="rId24"/>
+    <p:sldId id="278" r:id="rId25"/>
   </p:sldIdLst>
   <p:sldSz cx="12192000" cy="6858000"/>
   <p:notesSz cx="6858000" cy="9144000"/>
@@ -150,6 +151,7 @@
 <p1510:revInfo xmlns:a="http://schemas.openxmlformats.org/drawingml/2006/main" xmlns:r="http://schemas.openxmlformats.org/officeDocument/2006/relationships" xmlns:p1510="http://schemas.microsoft.com/office/powerpoint/2015/10/main">
   <p1510:revLst>
     <p1510:client id="{00E8516F-B500-401C-831E-9FCC836097BB}" v="16" dt="2019-04-16T14:44:34.713"/>
+    <p1510:client id="{9EA08158-1DF5-4727-9E2F-F2845C5A9F73}" v="20" dt="2019-04-16T19:44:54.201"/>
   </p1510:revLst>
 </p1510:revInfo>
 </file>
@@ -689,6 +691,69 @@
             <ac:picMk id="5" creationId="{29950D09-50D4-4DE6-A99A-EBE781D01213}"/>
           </ac:picMkLst>
         </pc:picChg>
+      </pc:sldChg>
+    </pc:docChg>
+  </pc:docChgLst>
+  <pc:docChgLst>
+    <pc:chgData name="Henri Korver" userId="da38614c-94ee-430d-8a2b-df054235a587" providerId="ADAL" clId="{9EA08158-1DF5-4727-9E2F-F2845C5A9F73}"/>
+    <pc:docChg chg="undo addSld delSld modSld">
+      <pc:chgData name="Henri Korver" userId="da38614c-94ee-430d-8a2b-df054235a587" providerId="ADAL" clId="{9EA08158-1DF5-4727-9E2F-F2845C5A9F73}" dt="2019-04-16T19:46:06.499" v="64" actId="2696"/>
+      <pc:docMkLst>
+        <pc:docMk/>
+      </pc:docMkLst>
+      <pc:sldChg chg="addSp delSp modSp add del">
+        <pc:chgData name="Henri Korver" userId="da38614c-94ee-430d-8a2b-df054235a587" providerId="ADAL" clId="{9EA08158-1DF5-4727-9E2F-F2845C5A9F73}" dt="2019-04-16T19:46:06.499" v="64" actId="2696"/>
+        <pc:sldMkLst>
+          <pc:docMk/>
+          <pc:sldMk cId="1167315123" sldId="279"/>
+        </pc:sldMkLst>
+        <pc:spChg chg="del">
+          <ac:chgData name="Henri Korver" userId="da38614c-94ee-430d-8a2b-df054235a587" providerId="ADAL" clId="{9EA08158-1DF5-4727-9E2F-F2845C5A9F73}" dt="2019-04-16T15:07:08.043" v="1"/>
+          <ac:spMkLst>
+            <pc:docMk/>
+            <pc:sldMk cId="1167315123" sldId="279"/>
+            <ac:spMk id="2" creationId="{DD8C0C1A-580F-4EF3-972E-CD6FDEB49793}"/>
+          </ac:spMkLst>
+        </pc:spChg>
+        <pc:spChg chg="del">
+          <ac:chgData name="Henri Korver" userId="da38614c-94ee-430d-8a2b-df054235a587" providerId="ADAL" clId="{9EA08158-1DF5-4727-9E2F-F2845C5A9F73}" dt="2019-04-16T15:07:08.043" v="1"/>
+          <ac:spMkLst>
+            <pc:docMk/>
+            <pc:sldMk cId="1167315123" sldId="279"/>
+            <ac:spMk id="3" creationId="{197BDD55-282B-44D3-97DD-B0602CF3F239}"/>
+          </ac:spMkLst>
+        </pc:spChg>
+        <pc:picChg chg="add mod">
+          <ac:chgData name="Henri Korver" userId="da38614c-94ee-430d-8a2b-df054235a587" providerId="ADAL" clId="{9EA08158-1DF5-4727-9E2F-F2845C5A9F73}" dt="2019-04-16T19:45:26.206" v="61" actId="14100"/>
+          <ac:picMkLst>
+            <pc:docMk/>
+            <pc:sldMk cId="1167315123" sldId="279"/>
+            <ac:picMk id="4" creationId="{D9CE1C51-D928-44D6-95D6-8997F7710C39}"/>
+          </ac:picMkLst>
+        </pc:picChg>
+      </pc:sldChg>
+      <pc:sldChg chg="addSp modSp add">
+        <pc:chgData name="Henri Korver" userId="da38614c-94ee-430d-8a2b-df054235a587" providerId="ADAL" clId="{9EA08158-1DF5-4727-9E2F-F2845C5A9F73}" dt="2019-04-16T19:44:58.730" v="59" actId="6549"/>
+        <pc:sldMkLst>
+          <pc:docMk/>
+          <pc:sldMk cId="476438260" sldId="280"/>
+        </pc:sldMkLst>
+        <pc:spChg chg="add mod">
+          <ac:chgData name="Henri Korver" userId="da38614c-94ee-430d-8a2b-df054235a587" providerId="ADAL" clId="{9EA08158-1DF5-4727-9E2F-F2845C5A9F73}" dt="2019-04-16T19:41:52.083" v="47" actId="20577"/>
+          <ac:spMkLst>
+            <pc:docMk/>
+            <pc:sldMk cId="476438260" sldId="280"/>
+            <ac:spMk id="2" creationId="{4AB39C70-56DA-465C-B123-DDAA93FCD984}"/>
+          </ac:spMkLst>
+        </pc:spChg>
+        <pc:spChg chg="add mod">
+          <ac:chgData name="Henri Korver" userId="da38614c-94ee-430d-8a2b-df054235a587" providerId="ADAL" clId="{9EA08158-1DF5-4727-9E2F-F2845C5A9F73}" dt="2019-04-16T19:44:58.730" v="59" actId="6549"/>
+          <ac:spMkLst>
+            <pc:docMk/>
+            <pc:sldMk cId="476438260" sldId="280"/>
+            <ac:spMk id="3" creationId="{3F8218B7-303E-4522-BF32-A8B67CEE554A}"/>
+          </ac:spMkLst>
+        </pc:spChg>
       </pc:sldChg>
     </pc:docChg>
   </pc:docChgLst>
@@ -7963,6 +8028,148 @@
 </file>
 
 <file path=ppt/slides/slide23.xml><?xml version="1.0" encoding="utf-8"?>
+<p:sld xmlns:a="http://schemas.openxmlformats.org/drawingml/2006/main" xmlns:r="http://schemas.openxmlformats.org/officeDocument/2006/relationships" xmlns:p="http://schemas.openxmlformats.org/presentationml/2006/main">
+  <p:cSld>
+    <p:spTree>
+      <p:nvGrpSpPr>
+        <p:cNvPr id="1" name=""/>
+        <p:cNvGrpSpPr/>
+        <p:nvPr/>
+      </p:nvGrpSpPr>
+      <p:grpSpPr>
+        <a:xfrm>
+          <a:off x="0" y="0"/>
+          <a:ext cx="0" cy="0"/>
+          <a:chOff x="0" y="0"/>
+          <a:chExt cx="0" cy="0"/>
+        </a:xfrm>
+      </p:grpSpPr>
+      <p:sp>
+        <p:nvSpPr>
+          <p:cNvPr id="2" name="Titel 1">
+            <a:extLst>
+              <a:ext uri="{FF2B5EF4-FFF2-40B4-BE49-F238E27FC236}">
+                <a16:creationId xmlns:a16="http://schemas.microsoft.com/office/drawing/2014/main" id="{4AB39C70-56DA-465C-B123-DDAA93FCD984}"/>
+              </a:ext>
+            </a:extLst>
+          </p:cNvPr>
+          <p:cNvSpPr>
+            <a:spLocks noGrp="1"/>
+          </p:cNvSpPr>
+          <p:nvPr>
+            <p:ph type="title"/>
+          </p:nvPr>
+        </p:nvSpPr>
+        <p:spPr/>
+        <p:txBody>
+          <a:bodyPr/>
+          <a:lstStyle/>
+          <a:p>
+            <a:r>
+              <a:rPr lang="nl-NL" dirty="0"/>
+              <a:t>Postman </a:t>
+            </a:r>
+            <a:r>
+              <a:rPr lang="nl-NL" dirty="0" err="1"/>
+              <a:t>collections</a:t>
+            </a:r>
+            <a:r>
+              <a:rPr lang="nl-NL" dirty="0"/>
+              <a:t> </a:t>
+            </a:r>
+            <a:r>
+              <a:rPr lang="nl-NL" dirty="0" err="1"/>
+              <a:t>to</a:t>
+            </a:r>
+            <a:r>
+              <a:rPr lang="nl-NL" dirty="0"/>
+              <a:t> </a:t>
+            </a:r>
+            <a:r>
+              <a:rPr lang="nl-NL" dirty="0" err="1"/>
+              <a:t>play</a:t>
+            </a:r>
+            <a:r>
+              <a:rPr lang="nl-NL" dirty="0"/>
+              <a:t> </a:t>
+            </a:r>
+            <a:r>
+              <a:rPr lang="nl-NL" dirty="0" err="1"/>
+              <a:t>with</a:t>
+            </a:r>
+            <a:endParaRPr lang="nl-NL" dirty="0"/>
+          </a:p>
+        </p:txBody>
+      </p:sp>
+      <p:sp>
+        <p:nvSpPr>
+          <p:cNvPr id="3" name="Tijdelijke aanduiding voor inhoud 2">
+            <a:extLst>
+              <a:ext uri="{FF2B5EF4-FFF2-40B4-BE49-F238E27FC236}">
+                <a16:creationId xmlns:a16="http://schemas.microsoft.com/office/drawing/2014/main" id="{3F8218B7-303E-4522-BF32-A8B67CEE554A}"/>
+              </a:ext>
+            </a:extLst>
+          </p:cNvPr>
+          <p:cNvSpPr>
+            <a:spLocks noGrp="1"/>
+          </p:cNvSpPr>
+          <p:nvPr>
+            <p:ph idx="1"/>
+          </p:nvPr>
+        </p:nvSpPr>
+        <p:spPr/>
+        <p:txBody>
+          <a:bodyPr/>
+          <a:lstStyle/>
+          <a:p>
+            <a:r>
+              <a:rPr lang="nl-NL" dirty="0" err="1">
+                <a:hlinkClick r:id="rId2"/>
+              </a:rPr>
+              <a:t>MOR_consumer_session_via_API.postman_collection.json</a:t>
+            </a:r>
+            <a:endParaRPr lang="nl-NL" dirty="0"/>
+          </a:p>
+          <a:p>
+            <a:endParaRPr lang="nl-NL" dirty="0"/>
+          </a:p>
+          <a:p>
+            <a:r>
+              <a:rPr lang="nl-NL" dirty="0" err="1">
+                <a:hlinkClick r:id="rId3"/>
+              </a:rPr>
+              <a:t>API_calls_for_test_platform.postman_collection.json</a:t>
+            </a:r>
+            <a:endParaRPr lang="nl-NL" dirty="0"/>
+          </a:p>
+          <a:p>
+            <a:endParaRPr lang="nl-NL" dirty="0"/>
+          </a:p>
+          <a:p>
+            <a:r>
+              <a:rPr lang="nl-NL" dirty="0" err="1">
+                <a:hlinkClick r:id="rId4"/>
+              </a:rPr>
+              <a:t>MOR_demo.postman_collection.json</a:t>
+            </a:r>
+            <a:endParaRPr lang="nl-NL" dirty="0"/>
+          </a:p>
+        </p:txBody>
+      </p:sp>
+    </p:spTree>
+    <p:extLst>
+      <p:ext uri="{BB962C8B-B14F-4D97-AF65-F5344CB8AC3E}">
+        <p14:creationId xmlns:p14="http://schemas.microsoft.com/office/powerpoint/2010/main" val="476438260"/>
+      </p:ext>
+    </p:extLst>
+  </p:cSld>
+  <p:clrMapOvr>
+    <a:masterClrMapping/>
+  </p:clrMapOvr>
+</p:sld>
+</file>
+
+<file path=ppt/slides/slide24.xml><?xml version="1.0" encoding="utf-8"?>
 <p:sld xmlns:a="http://schemas.openxmlformats.org/drawingml/2006/main" xmlns:r="http://schemas.openxmlformats.org/officeDocument/2006/relationships" xmlns:p="http://schemas.openxmlformats.org/presentationml/2006/main">
   <p:cSld>
     <p:spTree>
